--- a/15finance/02 Credit Cards.pptx
+++ b/15finance/02 Credit Cards.pptx
@@ -5,7 +5,7 @@
     <p:sldMasterId id="2147483648" r:id="rId1"/>
   </p:sldMasterIdLst>
   <p:notesMasterIdLst>
-    <p:notesMasterId r:id="rId11"/>
+    <p:notesMasterId r:id="rId12"/>
   </p:notesMasterIdLst>
   <p:sldIdLst>
     <p:sldId id="256" r:id="rId2"/>
@@ -14,9 +14,10 @@
     <p:sldId id="258" r:id="rId5"/>
     <p:sldId id="265" r:id="rId6"/>
     <p:sldId id="259" r:id="rId7"/>
-    <p:sldId id="261" r:id="rId8"/>
-    <p:sldId id="262" r:id="rId9"/>
-    <p:sldId id="263" r:id="rId10"/>
+    <p:sldId id="266" r:id="rId8"/>
+    <p:sldId id="261" r:id="rId9"/>
+    <p:sldId id="262" r:id="rId10"/>
+    <p:sldId id="263" r:id="rId11"/>
   </p:sldIdLst>
   <p:sldSz cx="9144000" cy="6858000" type="screen4x3"/>
   <p:notesSz cx="6858000" cy="9144000"/>
@@ -200,7 +201,8 @@
           <a:p>
             <a:fld id="{01F3B2B3-38C5-4CBC-9C35-0FEB655F0CFE}" type="datetimeFigureOut">
               <a:rPr lang="en-GB" smtClean="0"/>
-              <a:t>13/11/2016</a:t>
+              <a:pPr/>
+              <a:t>15/11/2016</a:t>
             </a:fld>
             <a:endParaRPr lang="en-GB"/>
           </a:p>
@@ -361,6 +363,7 @@
           <a:p>
             <a:fld id="{C119CCA7-8F36-4874-A533-E76BFE63B534}" type="slidenum">
               <a:rPr lang="en-GB" smtClean="0"/>
+              <a:pPr/>
               <a:t>‹#›</a:t>
             </a:fld>
             <a:endParaRPr lang="en-GB"/>
@@ -532,7 +535,8 @@
           <a:p>
             <a:fld id="{C119CCA7-8F36-4874-A533-E76BFE63B534}" type="slidenum">
               <a:rPr lang="en-GB" smtClean="0"/>
-              <a:t>8</a:t>
+              <a:pPr/>
+              <a:t>9</a:t>
             </a:fld>
             <a:endParaRPr lang="en-GB"/>
           </a:p>
@@ -728,7 +732,7 @@
             <a:fld id="{245E5DCC-A267-489E-8C4B-0C8A611A1888}" type="datetimeFigureOut">
               <a:rPr lang="en-GB" smtClean="0"/>
               <a:pPr/>
-              <a:t>13/11/2016</a:t>
+              <a:t>15/11/2016</a:t>
             </a:fld>
             <a:endParaRPr lang="en-GB"/>
           </a:p>
@@ -780,7 +784,7 @@
     </p:spTree>
     <p:extLst>
       <p:ext uri="{BB962C8B-B14F-4D97-AF65-F5344CB8AC3E}">
-        <p14:creationId xmlns:p14="http://schemas.microsoft.com/office/powerpoint/2010/main" xmlns="" val="3795135744"/>
+        <p14:creationId xmlns="" xmlns:p14="http://schemas.microsoft.com/office/powerpoint/2010/main" val="3795135744"/>
       </p:ext>
     </p:extLst>
   </p:cSld>
@@ -900,7 +904,7 @@
             <a:fld id="{245E5DCC-A267-489E-8C4B-0C8A611A1888}" type="datetimeFigureOut">
               <a:rPr lang="en-GB" smtClean="0"/>
               <a:pPr/>
-              <a:t>13/11/2016</a:t>
+              <a:t>15/11/2016</a:t>
             </a:fld>
             <a:endParaRPr lang="en-GB"/>
           </a:p>
@@ -952,7 +956,7 @@
     </p:spTree>
     <p:extLst>
       <p:ext uri="{BB962C8B-B14F-4D97-AF65-F5344CB8AC3E}">
-        <p14:creationId xmlns:p14="http://schemas.microsoft.com/office/powerpoint/2010/main" xmlns="" val="1650520662"/>
+        <p14:creationId xmlns="" xmlns:p14="http://schemas.microsoft.com/office/powerpoint/2010/main" val="1650520662"/>
       </p:ext>
     </p:extLst>
   </p:cSld>
@@ -1082,7 +1086,7 @@
             <a:fld id="{245E5DCC-A267-489E-8C4B-0C8A611A1888}" type="datetimeFigureOut">
               <a:rPr lang="en-GB" smtClean="0"/>
               <a:pPr/>
-              <a:t>13/11/2016</a:t>
+              <a:t>15/11/2016</a:t>
             </a:fld>
             <a:endParaRPr lang="en-GB"/>
           </a:p>
@@ -1134,7 +1138,7 @@
     </p:spTree>
     <p:extLst>
       <p:ext uri="{BB962C8B-B14F-4D97-AF65-F5344CB8AC3E}">
-        <p14:creationId xmlns:p14="http://schemas.microsoft.com/office/powerpoint/2010/main" xmlns="" val="4271198208"/>
+        <p14:creationId xmlns="" xmlns:p14="http://schemas.microsoft.com/office/powerpoint/2010/main" val="4271198208"/>
       </p:ext>
     </p:extLst>
   </p:cSld>
@@ -1254,7 +1258,7 @@
             <a:fld id="{245E5DCC-A267-489E-8C4B-0C8A611A1888}" type="datetimeFigureOut">
               <a:rPr lang="en-GB" smtClean="0"/>
               <a:pPr/>
-              <a:t>13/11/2016</a:t>
+              <a:t>15/11/2016</a:t>
             </a:fld>
             <a:endParaRPr lang="en-GB"/>
           </a:p>
@@ -1306,7 +1310,7 @@
     </p:spTree>
     <p:extLst>
       <p:ext uri="{BB962C8B-B14F-4D97-AF65-F5344CB8AC3E}">
-        <p14:creationId xmlns:p14="http://schemas.microsoft.com/office/powerpoint/2010/main" xmlns="" val="3395567130"/>
+        <p14:creationId xmlns="" xmlns:p14="http://schemas.microsoft.com/office/powerpoint/2010/main" val="3395567130"/>
       </p:ext>
     </p:extLst>
   </p:cSld>
@@ -1502,7 +1506,7 @@
             <a:fld id="{245E5DCC-A267-489E-8C4B-0C8A611A1888}" type="datetimeFigureOut">
               <a:rPr lang="en-GB" smtClean="0"/>
               <a:pPr/>
-              <a:t>13/11/2016</a:t>
+              <a:t>15/11/2016</a:t>
             </a:fld>
             <a:endParaRPr lang="en-GB"/>
           </a:p>
@@ -1554,7 +1558,7 @@
     </p:spTree>
     <p:extLst>
       <p:ext uri="{BB962C8B-B14F-4D97-AF65-F5344CB8AC3E}">
-        <p14:creationId xmlns:p14="http://schemas.microsoft.com/office/powerpoint/2010/main" xmlns="" val="741615603"/>
+        <p14:creationId xmlns="" xmlns:p14="http://schemas.microsoft.com/office/powerpoint/2010/main" val="741615603"/>
       </p:ext>
     </p:extLst>
   </p:cSld>
@@ -1792,7 +1796,7 @@
             <a:fld id="{245E5DCC-A267-489E-8C4B-0C8A611A1888}" type="datetimeFigureOut">
               <a:rPr lang="en-GB" smtClean="0"/>
               <a:pPr/>
-              <a:t>13/11/2016</a:t>
+              <a:t>15/11/2016</a:t>
             </a:fld>
             <a:endParaRPr lang="en-GB"/>
           </a:p>
@@ -1844,7 +1848,7 @@
     </p:spTree>
     <p:extLst>
       <p:ext uri="{BB962C8B-B14F-4D97-AF65-F5344CB8AC3E}">
-        <p14:creationId xmlns:p14="http://schemas.microsoft.com/office/powerpoint/2010/main" xmlns="" val="2595005895"/>
+        <p14:creationId xmlns="" xmlns:p14="http://schemas.microsoft.com/office/powerpoint/2010/main" val="2595005895"/>
       </p:ext>
     </p:extLst>
   </p:cSld>
@@ -2216,7 +2220,7 @@
             <a:fld id="{245E5DCC-A267-489E-8C4B-0C8A611A1888}" type="datetimeFigureOut">
               <a:rPr lang="en-GB" smtClean="0"/>
               <a:pPr/>
-              <a:t>13/11/2016</a:t>
+              <a:t>15/11/2016</a:t>
             </a:fld>
             <a:endParaRPr lang="en-GB"/>
           </a:p>
@@ -2268,7 +2272,7 @@
     </p:spTree>
     <p:extLst>
       <p:ext uri="{BB962C8B-B14F-4D97-AF65-F5344CB8AC3E}">
-        <p14:creationId xmlns:p14="http://schemas.microsoft.com/office/powerpoint/2010/main" xmlns="" val="2824062158"/>
+        <p14:creationId xmlns="" xmlns:p14="http://schemas.microsoft.com/office/powerpoint/2010/main" val="2824062158"/>
       </p:ext>
     </p:extLst>
   </p:cSld>
@@ -2336,7 +2340,7 @@
             <a:fld id="{245E5DCC-A267-489E-8C4B-0C8A611A1888}" type="datetimeFigureOut">
               <a:rPr lang="en-GB" smtClean="0"/>
               <a:pPr/>
-              <a:t>13/11/2016</a:t>
+              <a:t>15/11/2016</a:t>
             </a:fld>
             <a:endParaRPr lang="en-GB"/>
           </a:p>
@@ -2388,7 +2392,7 @@
     </p:spTree>
     <p:extLst>
       <p:ext uri="{BB962C8B-B14F-4D97-AF65-F5344CB8AC3E}">
-        <p14:creationId xmlns:p14="http://schemas.microsoft.com/office/powerpoint/2010/main" xmlns="" val="1093719169"/>
+        <p14:creationId xmlns="" xmlns:p14="http://schemas.microsoft.com/office/powerpoint/2010/main" val="1093719169"/>
       </p:ext>
     </p:extLst>
   </p:cSld>
@@ -2433,7 +2437,7 @@
             <a:fld id="{245E5DCC-A267-489E-8C4B-0C8A611A1888}" type="datetimeFigureOut">
               <a:rPr lang="en-GB" smtClean="0"/>
               <a:pPr/>
-              <a:t>13/11/2016</a:t>
+              <a:t>15/11/2016</a:t>
             </a:fld>
             <a:endParaRPr lang="en-GB"/>
           </a:p>
@@ -2485,7 +2489,7 @@
     </p:spTree>
     <p:extLst>
       <p:ext uri="{BB962C8B-B14F-4D97-AF65-F5344CB8AC3E}">
-        <p14:creationId xmlns:p14="http://schemas.microsoft.com/office/powerpoint/2010/main" xmlns="" val="3666968362"/>
+        <p14:creationId xmlns="" xmlns:p14="http://schemas.microsoft.com/office/powerpoint/2010/main" val="3666968362"/>
       </p:ext>
     </p:extLst>
   </p:cSld>
@@ -2712,7 +2716,7 @@
             <a:fld id="{245E5DCC-A267-489E-8C4B-0C8A611A1888}" type="datetimeFigureOut">
               <a:rPr lang="en-GB" smtClean="0"/>
               <a:pPr/>
-              <a:t>13/11/2016</a:t>
+              <a:t>15/11/2016</a:t>
             </a:fld>
             <a:endParaRPr lang="en-GB"/>
           </a:p>
@@ -2764,7 +2768,7 @@
     </p:spTree>
     <p:extLst>
       <p:ext uri="{BB962C8B-B14F-4D97-AF65-F5344CB8AC3E}">
-        <p14:creationId xmlns:p14="http://schemas.microsoft.com/office/powerpoint/2010/main" xmlns="" val="3793018940"/>
+        <p14:creationId xmlns="" xmlns:p14="http://schemas.microsoft.com/office/powerpoint/2010/main" val="3793018940"/>
       </p:ext>
     </p:extLst>
   </p:cSld>
@@ -2967,7 +2971,7 @@
             <a:fld id="{245E5DCC-A267-489E-8C4B-0C8A611A1888}" type="datetimeFigureOut">
               <a:rPr lang="en-GB" smtClean="0"/>
               <a:pPr/>
-              <a:t>13/11/2016</a:t>
+              <a:t>15/11/2016</a:t>
             </a:fld>
             <a:endParaRPr lang="en-GB"/>
           </a:p>
@@ -3019,7 +3023,7 @@
     </p:spTree>
     <p:extLst>
       <p:ext uri="{BB962C8B-B14F-4D97-AF65-F5344CB8AC3E}">
-        <p14:creationId xmlns:p14="http://schemas.microsoft.com/office/powerpoint/2010/main" xmlns="" val="1356301842"/>
+        <p14:creationId xmlns="" xmlns:p14="http://schemas.microsoft.com/office/powerpoint/2010/main" val="1356301842"/>
       </p:ext>
     </p:extLst>
   </p:cSld>
@@ -3182,7 +3186,7 @@
             <a:fld id="{245E5DCC-A267-489E-8C4B-0C8A611A1888}" type="datetimeFigureOut">
               <a:rPr lang="en-GB" smtClean="0"/>
               <a:pPr/>
-              <a:t>13/11/2016</a:t>
+              <a:t>15/11/2016</a:t>
             </a:fld>
             <a:endParaRPr lang="en-GB"/>
           </a:p>
@@ -3270,7 +3274,7 @@
     </p:spTree>
     <p:extLst>
       <p:ext uri="{BB962C8B-B14F-4D97-AF65-F5344CB8AC3E}">
-        <p14:creationId xmlns:p14="http://schemas.microsoft.com/office/powerpoint/2010/main" xmlns="" val="4272518248"/>
+        <p14:creationId xmlns="" xmlns:p14="http://schemas.microsoft.com/office/powerpoint/2010/main" val="4272518248"/>
       </p:ext>
     </p:extLst>
   </p:cSld>
@@ -3643,7 +3647,7 @@
           <a:blip r:embed="rId3" cstate="print">
             <a:extLst>
               <a:ext uri="{28A0092B-C50C-407E-A947-70E740481C1C}">
-                <a14:useLocalDpi xmlns:a14="http://schemas.microsoft.com/office/drawing/2010/main" xmlns="" val="0"/>
+                <a14:useLocalDpi xmlns="" xmlns:a14="http://schemas.microsoft.com/office/drawing/2010/main" val="0"/>
               </a:ext>
             </a:extLst>
           </a:blip>
@@ -3664,14 +3668,14 @@
           </a:ln>
           <a:extLst>
             <a:ext uri="{909E8E84-426E-40DD-AFC4-6F175D3DCCD1}">
-              <a14:hiddenFill xmlns:a14="http://schemas.microsoft.com/office/drawing/2010/main" xmlns="">
+              <a14:hiddenFill xmlns="" xmlns:a14="http://schemas.microsoft.com/office/drawing/2010/main">
                 <a:solidFill>
                   <a:schemeClr val="accent1"/>
                 </a:solidFill>
               </a14:hiddenFill>
             </a:ext>
             <a:ext uri="{91240B29-F687-4F45-9708-019B960494DF}">
-              <a14:hiddenLine xmlns:a14="http://schemas.microsoft.com/office/drawing/2010/main" xmlns="" w="9525">
+              <a14:hiddenLine xmlns="" xmlns:a14="http://schemas.microsoft.com/office/drawing/2010/main" w="9525">
                 <a:solidFill>
                   <a:schemeClr val="tx1"/>
                 </a:solidFill>
@@ -3686,7 +3690,7 @@
     </p:spTree>
     <p:extLst>
       <p:ext uri="{BB962C8B-B14F-4D97-AF65-F5344CB8AC3E}">
-        <p14:creationId xmlns:p14="http://schemas.microsoft.com/office/powerpoint/2010/main" xmlns="" val="2713532967"/>
+        <p14:creationId xmlns="" xmlns:p14="http://schemas.microsoft.com/office/powerpoint/2010/main" val="2713532967"/>
       </p:ext>
     </p:extLst>
   </p:cSld>
@@ -3694,13 +3698,172 @@
     <a:masterClrMapping/>
   </p:clrMapOvr>
   <mc:AlternateContent xmlns:mc="http://schemas.openxmlformats.org/markup-compatibility/2006">
-    <mc:Choice xmlns:p14="http://schemas.microsoft.com/office/powerpoint/2010/main" xmlns="" Requires="p14">
+    <mc:Choice xmlns="" xmlns:p14="http://schemas.microsoft.com/office/powerpoint/2010/main" Requires="p14">
       <p:transition spd="slow" p14:dur="2000"/>
     </mc:Choice>
     <mc:Fallback>
       <p:transition spd="slow"/>
     </mc:Fallback>
   </mc:AlternateContent>
+  <p:timing>
+    <p:tnLst>
+      <p:par>
+        <p:cTn id="1" dur="indefinite" restart="never" nodeType="tmRoot"/>
+      </p:par>
+    </p:tnLst>
+  </p:timing>
+</p:sld>
+</file>
+
+<file path=ppt/slides/slide10.xml><?xml version="1.0" encoding="utf-8"?>
+<p:sld xmlns:a="http://schemas.openxmlformats.org/drawingml/2006/main" xmlns:r="http://schemas.openxmlformats.org/officeDocument/2006/relationships" xmlns:p="http://schemas.openxmlformats.org/presentationml/2006/main">
+  <p:cSld>
+    <p:spTree>
+      <p:nvGrpSpPr>
+        <p:cNvPr id="1" name=""/>
+        <p:cNvGrpSpPr/>
+        <p:nvPr/>
+      </p:nvGrpSpPr>
+      <p:grpSpPr>
+        <a:xfrm>
+          <a:off x="0" y="0"/>
+          <a:ext cx="0" cy="0"/>
+          <a:chOff x="0" y="0"/>
+          <a:chExt cx="0" cy="0"/>
+        </a:xfrm>
+      </p:grpSpPr>
+      <p:sp>
+        <p:nvSpPr>
+          <p:cNvPr id="2" name="TextBox 1"/>
+          <p:cNvSpPr txBox="1"/>
+          <p:nvPr/>
+        </p:nvSpPr>
+        <p:spPr>
+          <a:xfrm>
+            <a:off x="0" y="762963"/>
+            <a:ext cx="9144000" cy="2308324"/>
+          </a:xfrm>
+          <a:prstGeom prst="rect">
+            <a:avLst/>
+          </a:prstGeom>
+          <a:noFill/>
+        </p:spPr>
+        <p:txBody>
+          <a:bodyPr wrap="square" rtlCol="0">
+            <a:spAutoFit/>
+          </a:bodyPr>
+          <a:lstStyle/>
+          <a:p>
+            <a:pPr algn="ctr"/>
+            <a:r>
+              <a:rPr lang="en-GB" sz="7200" b="1" dirty="0" smtClean="0">
+                <a:solidFill>
+                  <a:srgbClr val="FF0000"/>
+                </a:solidFill>
+                <a:latin typeface="Comic Sans MS" panose="030F0702030302020204" pitchFamily="66" charset="0"/>
+              </a:rPr>
+              <a:t>Let’s see your credit cards </a:t>
+            </a:r>
+            <a:endParaRPr lang="en-GB" sz="7200" b="1" dirty="0">
+              <a:solidFill>
+                <a:srgbClr val="FF0000"/>
+              </a:solidFill>
+              <a:latin typeface="Comic Sans MS" panose="030F0702030302020204" pitchFamily="66" charset="0"/>
+            </a:endParaRPr>
+          </a:p>
+        </p:txBody>
+      </p:sp>
+      <p:sp>
+        <p:nvSpPr>
+          <p:cNvPr id="3" name="Rectangle 2"/>
+          <p:cNvSpPr/>
+          <p:nvPr/>
+        </p:nvSpPr>
+        <p:spPr>
+          <a:xfrm>
+            <a:off x="2051720" y="3429000"/>
+            <a:ext cx="5256584" cy="2592288"/>
+          </a:xfrm>
+          <a:prstGeom prst="rect">
+            <a:avLst/>
+          </a:prstGeom>
+          <a:noFill/>
+          <a:ln w="76200">
+            <a:solidFill>
+              <a:schemeClr val="tx1"/>
+            </a:solidFill>
+          </a:ln>
+        </p:spPr>
+        <p:style>
+          <a:lnRef idx="2">
+            <a:schemeClr val="accent1">
+              <a:shade val="50000"/>
+            </a:schemeClr>
+          </a:lnRef>
+          <a:fillRef idx="1">
+            <a:schemeClr val="accent1"/>
+          </a:fillRef>
+          <a:effectRef idx="0">
+            <a:schemeClr val="accent1"/>
+          </a:effectRef>
+          <a:fontRef idx="minor">
+            <a:schemeClr val="lt1"/>
+          </a:fontRef>
+        </p:style>
+        <p:txBody>
+          <a:bodyPr rtlCol="0" anchor="ctr"/>
+          <a:lstStyle/>
+          <a:p>
+            <a:pPr algn="ctr"/>
+            <a:endParaRPr lang="en-GB"/>
+          </a:p>
+        </p:txBody>
+      </p:sp>
+      <p:sp>
+        <p:nvSpPr>
+          <p:cNvPr id="4" name="TextBox 3"/>
+          <p:cNvSpPr txBox="1"/>
+          <p:nvPr/>
+        </p:nvSpPr>
+        <p:spPr>
+          <a:xfrm>
+            <a:off x="4283968" y="3617147"/>
+            <a:ext cx="792088" cy="2215991"/>
+          </a:xfrm>
+          <a:prstGeom prst="rect">
+            <a:avLst/>
+          </a:prstGeom>
+          <a:noFill/>
+        </p:spPr>
+        <p:txBody>
+          <a:bodyPr wrap="square" rtlCol="0">
+            <a:spAutoFit/>
+          </a:bodyPr>
+          <a:lstStyle/>
+          <a:p>
+            <a:pPr algn="ctr"/>
+            <a:r>
+              <a:rPr lang="en-GB" sz="13800" b="1" dirty="0" smtClean="0">
+                <a:latin typeface="Comic Sans MS" panose="030F0702030302020204" pitchFamily="66" charset="0"/>
+              </a:rPr>
+              <a:t>?</a:t>
+            </a:r>
+            <a:endParaRPr lang="en-GB" sz="13800" b="1" dirty="0">
+              <a:latin typeface="Comic Sans MS" panose="030F0702030302020204" pitchFamily="66" charset="0"/>
+            </a:endParaRPr>
+          </a:p>
+        </p:txBody>
+      </p:sp>
+    </p:spTree>
+    <p:extLst>
+      <p:ext uri="{BB962C8B-B14F-4D97-AF65-F5344CB8AC3E}">
+        <p14:creationId xmlns="" xmlns:p14="http://schemas.microsoft.com/office/powerpoint/2010/main" val="2946536019"/>
+      </p:ext>
+    </p:extLst>
+  </p:cSld>
+  <p:clrMapOvr>
+    <a:masterClrMapping/>
+  </p:clrMapOvr>
   <p:timing>
     <p:tnLst>
       <p:par>
@@ -3778,7 +3941,7 @@
     </p:spTree>
     <p:extLst>
       <p:ext uri="{BB962C8B-B14F-4D97-AF65-F5344CB8AC3E}">
-        <p14:creationId xmlns:p14="http://schemas.microsoft.com/office/powerpoint/2010/main" xmlns="" val="3429634830"/>
+        <p14:creationId xmlns="" xmlns:p14="http://schemas.microsoft.com/office/powerpoint/2010/main" val="3429634830"/>
       </p:ext>
     </p:extLst>
   </p:cSld>
@@ -3867,7 +4030,7 @@
     </p:spTree>
     <p:extLst>
       <p:ext uri="{BB962C8B-B14F-4D97-AF65-F5344CB8AC3E}">
-        <p14:creationId xmlns:p14="http://schemas.microsoft.com/office/powerpoint/2010/main" xmlns="" val="509015518"/>
+        <p14:creationId xmlns="" xmlns:p14="http://schemas.microsoft.com/office/powerpoint/2010/main" val="509015518"/>
       </p:ext>
     </p:extLst>
   </p:cSld>
@@ -3966,7 +4129,7 @@
     </p:spTree>
     <p:extLst>
       <p:ext uri="{BB962C8B-B14F-4D97-AF65-F5344CB8AC3E}">
-        <p14:creationId xmlns:p14="http://schemas.microsoft.com/office/powerpoint/2010/main" xmlns="" val="1087716692"/>
+        <p14:creationId xmlns="" xmlns:p14="http://schemas.microsoft.com/office/powerpoint/2010/main" val="1087716692"/>
       </p:ext>
     </p:extLst>
   </p:cSld>
@@ -4050,7 +4213,7 @@
     </p:spTree>
     <p:extLst>
       <p:ext uri="{BB962C8B-B14F-4D97-AF65-F5344CB8AC3E}">
-        <p14:creationId xmlns:p14="http://schemas.microsoft.com/office/powerpoint/2010/main" xmlns="" val="2796773158"/>
+        <p14:creationId xmlns="" xmlns:p14="http://schemas.microsoft.com/office/powerpoint/2010/main" val="2796773158"/>
       </p:ext>
     </p:extLst>
   </p:cSld>
@@ -4679,7 +4842,7 @@
           <a:blip r:embed="rId2" cstate="print">
             <a:extLst>
               <a:ext uri="{28A0092B-C50C-407E-A947-70E740481C1C}">
-                <a14:useLocalDpi xmlns:a14="http://schemas.microsoft.com/office/drawing/2010/main" xmlns="" val="0"/>
+                <a14:useLocalDpi xmlns="" xmlns:a14="http://schemas.microsoft.com/office/drawing/2010/main" val="0"/>
               </a:ext>
             </a:extLst>
           </a:blip>
@@ -4704,7 +4867,7 @@
           </a:ln>
           <a:extLst>
             <a:ext uri="{909E8E84-426E-40DD-AFC4-6F175D3DCCD1}">
-              <a14:hiddenFill xmlns:a14="http://schemas.microsoft.com/office/drawing/2010/main" xmlns="">
+              <a14:hiddenFill xmlns="" xmlns:a14="http://schemas.microsoft.com/office/drawing/2010/main">
                 <a:solidFill>
                   <a:srgbClr val="FFFFFF"/>
                 </a:solidFill>
@@ -4725,7 +4888,7 @@
           <a:blip r:embed="rId3" cstate="print">
             <a:extLst>
               <a:ext uri="{28A0092B-C50C-407E-A947-70E740481C1C}">
-                <a14:useLocalDpi xmlns:a14="http://schemas.microsoft.com/office/drawing/2010/main" xmlns="" val="0"/>
+                <a14:useLocalDpi xmlns="" xmlns:a14="http://schemas.microsoft.com/office/drawing/2010/main" val="0"/>
               </a:ext>
             </a:extLst>
           </a:blip>
@@ -4748,7 +4911,7 @@
           </a:ln>
           <a:extLst>
             <a:ext uri="{909E8E84-426E-40DD-AFC4-6F175D3DCCD1}">
-              <a14:hiddenFill xmlns:a14="http://schemas.microsoft.com/office/drawing/2010/main" xmlns="">
+              <a14:hiddenFill xmlns="" xmlns:a14="http://schemas.microsoft.com/office/drawing/2010/main">
                 <a:solidFill>
                   <a:srgbClr val="FFFFFF"/>
                 </a:solidFill>
@@ -4771,7 +4934,7 @@
           <a:blip r:embed="rId5" cstate="print">
             <a:extLst>
               <a:ext uri="{28A0092B-C50C-407E-A947-70E740481C1C}">
-                <a14:useLocalDpi xmlns:a14="http://schemas.microsoft.com/office/drawing/2010/main" xmlns="" val="0"/>
+                <a14:useLocalDpi xmlns="" xmlns:a14="http://schemas.microsoft.com/office/drawing/2010/main" val="0"/>
               </a:ext>
             </a:extLst>
           </a:blip>
@@ -4791,7 +4954,7 @@
           <a:noFill/>
           <a:extLst>
             <a:ext uri="{909E8E84-426E-40DD-AFC4-6F175D3DCCD1}">
-              <a14:hiddenFill xmlns:a14="http://schemas.microsoft.com/office/drawing/2010/main" xmlns="">
+              <a14:hiddenFill xmlns="" xmlns:a14="http://schemas.microsoft.com/office/drawing/2010/main">
                 <a:solidFill>
                   <a:srgbClr val="FFFFFF"/>
                 </a:solidFill>
@@ -4843,7 +5006,25 @@
                 </a:solidFill>
                 <a:latin typeface="Comic Sans MS" panose="030F0702030302020204" pitchFamily="66" charset="0"/>
               </a:rPr>
-              <a:t>On each credit card you have borrow £1200 .</a:t>
+              <a:t>On each credit card you have </a:t>
+            </a:r>
+            <a:r>
+              <a:rPr lang="en-GB" b="1" dirty="0" smtClean="0">
+                <a:solidFill>
+                  <a:srgbClr val="FF0000"/>
+                </a:solidFill>
+                <a:latin typeface="Comic Sans MS" panose="030F0702030302020204" pitchFamily="66" charset="0"/>
+              </a:rPr>
+              <a:t>to borrow </a:t>
+            </a:r>
+            <a:r>
+              <a:rPr lang="en-GB" b="1" dirty="0" smtClean="0">
+                <a:solidFill>
+                  <a:srgbClr val="FF0000"/>
+                </a:solidFill>
+                <a:latin typeface="Comic Sans MS" panose="030F0702030302020204" pitchFamily="66" charset="0"/>
+              </a:rPr>
+              <a:t>£1200 .</a:t>
             </a:r>
           </a:p>
           <a:p>
@@ -4925,10 +5106,40 @@
           </a:p>
         </p:txBody>
       </p:sp>
+      <p:sp>
+        <p:nvSpPr>
+          <p:cNvPr id="16" name="TextBox 15"/>
+          <p:cNvSpPr txBox="1"/>
+          <p:nvPr/>
+        </p:nvSpPr>
+        <p:spPr>
+          <a:xfrm>
+            <a:off x="6876256" y="4653136"/>
+            <a:ext cx="2088232" cy="830997"/>
+          </a:xfrm>
+          <a:prstGeom prst="rect">
+            <a:avLst/>
+          </a:prstGeom>
+          <a:noFill/>
+        </p:spPr>
+        <p:txBody>
+          <a:bodyPr wrap="square" rtlCol="0">
+            <a:spAutoFit/>
+          </a:bodyPr>
+          <a:lstStyle/>
+          <a:p>
+            <a:r>
+              <a:rPr lang="en-GB" sz="2400" dirty="0" smtClean="0"/>
+              <a:t>Enter Answers on Next Slide</a:t>
+            </a:r>
+            <a:endParaRPr lang="en-GB" sz="2400" dirty="0"/>
+          </a:p>
+        </p:txBody>
+      </p:sp>
     </p:spTree>
     <p:extLst>
       <p:ext uri="{BB962C8B-B14F-4D97-AF65-F5344CB8AC3E}">
-        <p14:creationId xmlns:p14="http://schemas.microsoft.com/office/powerpoint/2010/main" xmlns="" val="1406374480"/>
+        <p14:creationId xmlns="" xmlns:p14="http://schemas.microsoft.com/office/powerpoint/2010/main" val="1406374480"/>
       </p:ext>
     </p:extLst>
   </p:cSld>
@@ -4962,6 +5173,332 @@
           <a:chExt cx="0" cy="0"/>
         </a:xfrm>
       </p:grpSpPr>
+      <p:graphicFrame>
+        <p:nvGraphicFramePr>
+          <p:cNvPr id="2" name="Table 1"/>
+          <p:cNvGraphicFramePr>
+            <a:graphicFrameLocks noGrp="1"/>
+          </p:cNvGraphicFramePr>
+          <p:nvPr/>
+        </p:nvGraphicFramePr>
+        <p:xfrm>
+          <a:off x="251520" y="476672"/>
+          <a:ext cx="8568950" cy="5184576"/>
+        </p:xfrm>
+        <a:graphic>
+          <a:graphicData uri="http://schemas.openxmlformats.org/drawingml/2006/table">
+            <a:tbl>
+              <a:tblPr firstRow="1" bandRow="1">
+                <a:tableStyleId>{5C22544A-7EE6-4342-B048-85BDC9FD1C3A}</a:tableStyleId>
+              </a:tblPr>
+              <a:tblGrid>
+                <a:gridCol w="1713790"/>
+                <a:gridCol w="1713790"/>
+                <a:gridCol w="1713790"/>
+                <a:gridCol w="1713790"/>
+                <a:gridCol w="1713790"/>
+              </a:tblGrid>
+              <a:tr h="1296144">
+                <a:tc>
+                  <a:txBody>
+                    <a:bodyPr/>
+                    <a:lstStyle/>
+                    <a:p>
+                      <a:pPr algn="ctr"/>
+                      <a:r>
+                        <a:rPr lang="en-GB" sz="4000" dirty="0" smtClean="0"/>
+                        <a:t>Card</a:t>
+                      </a:r>
+                      <a:endParaRPr lang="en-GB" sz="4000" dirty="0"/>
+                    </a:p>
+                  </a:txBody>
+                  <a:tcPr anchor="ctr"/>
+                </a:tc>
+                <a:tc>
+                  <a:txBody>
+                    <a:bodyPr/>
+                    <a:lstStyle/>
+                    <a:p>
+                      <a:pPr algn="ctr"/>
+                      <a:r>
+                        <a:rPr lang="en-GB" sz="4000" dirty="0" smtClean="0"/>
+                        <a:t>APR %</a:t>
+                      </a:r>
+                      <a:endParaRPr lang="en-GB" sz="4000" dirty="0"/>
+                    </a:p>
+                  </a:txBody>
+                  <a:tcPr anchor="ctr"/>
+                </a:tc>
+                <a:tc>
+                  <a:txBody>
+                    <a:bodyPr/>
+                    <a:lstStyle/>
+                    <a:p>
+                      <a:pPr algn="ctr"/>
+                      <a:r>
+                        <a:rPr lang="en-GB" sz="4000" dirty="0" smtClean="0"/>
+                        <a:t>1 year</a:t>
+                      </a:r>
+                      <a:endParaRPr lang="en-GB" sz="4000" dirty="0"/>
+                    </a:p>
+                  </a:txBody>
+                  <a:tcPr anchor="ctr"/>
+                </a:tc>
+                <a:tc>
+                  <a:txBody>
+                    <a:bodyPr/>
+                    <a:lstStyle/>
+                    <a:p>
+                      <a:pPr algn="ctr"/>
+                      <a:r>
+                        <a:rPr lang="en-GB" sz="4000" dirty="0" smtClean="0"/>
+                        <a:t>3 years</a:t>
+                      </a:r>
+                      <a:endParaRPr lang="en-GB" sz="4000" dirty="0"/>
+                    </a:p>
+                  </a:txBody>
+                  <a:tcPr anchor="ctr"/>
+                </a:tc>
+                <a:tc>
+                  <a:txBody>
+                    <a:bodyPr/>
+                    <a:lstStyle/>
+                    <a:p>
+                      <a:pPr algn="ctr"/>
+                      <a:r>
+                        <a:rPr lang="en-GB" sz="4000" dirty="0" smtClean="0"/>
+                        <a:t>5 years</a:t>
+                      </a:r>
+                      <a:endParaRPr lang="en-GB" sz="4000" dirty="0"/>
+                    </a:p>
+                  </a:txBody>
+                  <a:tcPr anchor="ctr"/>
+                </a:tc>
+              </a:tr>
+              <a:tr h="1296144">
+                <a:tc>
+                  <a:txBody>
+                    <a:bodyPr/>
+                    <a:lstStyle/>
+                    <a:p>
+                      <a:pPr algn="ctr"/>
+                      <a:r>
+                        <a:rPr lang="en-GB" sz="4000" dirty="0" smtClean="0"/>
+                        <a:t>Card 1</a:t>
+                      </a:r>
+                      <a:endParaRPr lang="en-GB" sz="4000" dirty="0"/>
+                    </a:p>
+                  </a:txBody>
+                  <a:tcPr anchor="ctr"/>
+                </a:tc>
+                <a:tc>
+                  <a:txBody>
+                    <a:bodyPr/>
+                    <a:lstStyle/>
+                    <a:p>
+                      <a:pPr algn="ctr"/>
+                      <a:r>
+                        <a:rPr lang="en-GB" sz="4000" dirty="0" smtClean="0"/>
+                        <a:t>18.9</a:t>
+                      </a:r>
+                      <a:endParaRPr lang="en-GB" sz="4000" dirty="0"/>
+                    </a:p>
+                  </a:txBody>
+                  <a:tcPr anchor="ctr"/>
+                </a:tc>
+                <a:tc>
+                  <a:txBody>
+                    <a:bodyPr/>
+                    <a:lstStyle/>
+                    <a:p>
+                      <a:pPr algn="ctr"/>
+                      <a:endParaRPr lang="en-GB" sz="4000" dirty="0"/>
+                    </a:p>
+                  </a:txBody>
+                  <a:tcPr anchor="ctr"/>
+                </a:tc>
+                <a:tc>
+                  <a:txBody>
+                    <a:bodyPr/>
+                    <a:lstStyle/>
+                    <a:p>
+                      <a:pPr algn="ctr"/>
+                      <a:endParaRPr lang="en-GB" sz="4000" dirty="0"/>
+                    </a:p>
+                  </a:txBody>
+                  <a:tcPr anchor="ctr"/>
+                </a:tc>
+                <a:tc>
+                  <a:txBody>
+                    <a:bodyPr/>
+                    <a:lstStyle/>
+                    <a:p>
+                      <a:pPr algn="ctr"/>
+                      <a:endParaRPr lang="en-GB" sz="4000" dirty="0"/>
+                    </a:p>
+                  </a:txBody>
+                  <a:tcPr anchor="ctr"/>
+                </a:tc>
+              </a:tr>
+              <a:tr h="1296144">
+                <a:tc>
+                  <a:txBody>
+                    <a:bodyPr/>
+                    <a:lstStyle/>
+                    <a:p>
+                      <a:pPr algn="ctr"/>
+                      <a:r>
+                        <a:rPr lang="en-GB" sz="4000" dirty="0" smtClean="0"/>
+                        <a:t>Card 2</a:t>
+                      </a:r>
+                      <a:endParaRPr lang="en-GB" sz="4000" dirty="0"/>
+                    </a:p>
+                  </a:txBody>
+                  <a:tcPr anchor="ctr"/>
+                </a:tc>
+                <a:tc>
+                  <a:txBody>
+                    <a:bodyPr/>
+                    <a:lstStyle/>
+                    <a:p>
+                      <a:pPr algn="ctr"/>
+                      <a:r>
+                        <a:rPr lang="en-GB" sz="4000" dirty="0" smtClean="0"/>
+                        <a:t>29.8</a:t>
+                      </a:r>
+                      <a:endParaRPr lang="en-GB" sz="4000" dirty="0"/>
+                    </a:p>
+                  </a:txBody>
+                  <a:tcPr anchor="ctr"/>
+                </a:tc>
+                <a:tc>
+                  <a:txBody>
+                    <a:bodyPr/>
+                    <a:lstStyle/>
+                    <a:p>
+                      <a:pPr algn="ctr"/>
+                      <a:endParaRPr lang="en-GB" sz="4000"/>
+                    </a:p>
+                  </a:txBody>
+                  <a:tcPr anchor="ctr"/>
+                </a:tc>
+                <a:tc>
+                  <a:txBody>
+                    <a:bodyPr/>
+                    <a:lstStyle/>
+                    <a:p>
+                      <a:pPr algn="ctr"/>
+                      <a:endParaRPr lang="en-GB" sz="4000" dirty="0"/>
+                    </a:p>
+                  </a:txBody>
+                  <a:tcPr anchor="ctr"/>
+                </a:tc>
+                <a:tc>
+                  <a:txBody>
+                    <a:bodyPr/>
+                    <a:lstStyle/>
+                    <a:p>
+                      <a:pPr algn="ctr"/>
+                      <a:endParaRPr lang="en-GB" sz="4000" dirty="0"/>
+                    </a:p>
+                  </a:txBody>
+                  <a:tcPr anchor="ctr"/>
+                </a:tc>
+              </a:tr>
+              <a:tr h="1296144">
+                <a:tc>
+                  <a:txBody>
+                    <a:bodyPr/>
+                    <a:lstStyle/>
+                    <a:p>
+                      <a:pPr algn="ctr"/>
+                      <a:r>
+                        <a:rPr lang="en-GB" sz="4000" dirty="0" smtClean="0"/>
+                        <a:t>Card 3</a:t>
+                      </a:r>
+                      <a:endParaRPr lang="en-GB" sz="4000" dirty="0"/>
+                    </a:p>
+                  </a:txBody>
+                  <a:tcPr anchor="ctr"/>
+                </a:tc>
+                <a:tc>
+                  <a:txBody>
+                    <a:bodyPr/>
+                    <a:lstStyle/>
+                    <a:p>
+                      <a:pPr algn="ctr"/>
+                      <a:r>
+                        <a:rPr lang="en-GB" sz="4000" dirty="0" smtClean="0"/>
+                        <a:t>39.9</a:t>
+                      </a:r>
+                      <a:endParaRPr lang="en-GB" sz="4000" dirty="0"/>
+                    </a:p>
+                  </a:txBody>
+                  <a:tcPr anchor="ctr"/>
+                </a:tc>
+                <a:tc>
+                  <a:txBody>
+                    <a:bodyPr/>
+                    <a:lstStyle/>
+                    <a:p>
+                      <a:pPr algn="ctr"/>
+                      <a:endParaRPr lang="en-GB" sz="4000"/>
+                    </a:p>
+                  </a:txBody>
+                  <a:tcPr anchor="ctr"/>
+                </a:tc>
+                <a:tc>
+                  <a:txBody>
+                    <a:bodyPr/>
+                    <a:lstStyle/>
+                    <a:p>
+                      <a:pPr algn="ctr"/>
+                      <a:endParaRPr lang="en-GB" sz="4000" dirty="0"/>
+                    </a:p>
+                  </a:txBody>
+                  <a:tcPr anchor="ctr"/>
+                </a:tc>
+                <a:tc>
+                  <a:txBody>
+                    <a:bodyPr/>
+                    <a:lstStyle/>
+                    <a:p>
+                      <a:pPr algn="ctr"/>
+                      <a:endParaRPr lang="en-GB" sz="4000" dirty="0"/>
+                    </a:p>
+                  </a:txBody>
+                  <a:tcPr anchor="ctr"/>
+                </a:tc>
+              </a:tr>
+            </a:tbl>
+          </a:graphicData>
+        </a:graphic>
+      </p:graphicFrame>
+    </p:spTree>
+  </p:cSld>
+  <p:clrMapOvr>
+    <a:masterClrMapping/>
+  </p:clrMapOvr>
+</p:sld>
+</file>
+
+<file path=ppt/slides/slide8.xml><?xml version="1.0" encoding="utf-8"?>
+<p:sld xmlns:a="http://schemas.openxmlformats.org/drawingml/2006/main" xmlns:r="http://schemas.openxmlformats.org/officeDocument/2006/relationships" xmlns:p="http://schemas.openxmlformats.org/presentationml/2006/main">
+  <p:cSld>
+    <p:spTree>
+      <p:nvGrpSpPr>
+        <p:cNvPr id="1" name=""/>
+        <p:cNvGrpSpPr/>
+        <p:nvPr/>
+      </p:nvGrpSpPr>
+      <p:grpSpPr>
+        <a:xfrm>
+          <a:off x="0" y="0"/>
+          <a:ext cx="0" cy="0"/>
+          <a:chOff x="0" y="0"/>
+          <a:chExt cx="0" cy="0"/>
+        </a:xfrm>
+      </p:grpSpPr>
       <p:sp>
         <p:nvSpPr>
           <p:cNvPr id="2" name="TextBox 1"/>
@@ -5030,7 +5567,7 @@
           <a:blip r:embed="rId2" cstate="print">
             <a:extLst>
               <a:ext uri="{28A0092B-C50C-407E-A947-70E740481C1C}">
-                <a14:useLocalDpi xmlns:a14="http://schemas.microsoft.com/office/drawing/2010/main" xmlns="" val="0"/>
+                <a14:useLocalDpi xmlns="" xmlns:a14="http://schemas.microsoft.com/office/drawing/2010/main" val="0"/>
               </a:ext>
             </a:extLst>
           </a:blip>
@@ -5053,14 +5590,14 @@
           </a:ln>
           <a:extLst>
             <a:ext uri="{909E8E84-426E-40DD-AFC4-6F175D3DCCD1}">
-              <a14:hiddenFill xmlns:a14="http://schemas.microsoft.com/office/drawing/2010/main" xmlns="">
+              <a14:hiddenFill xmlns="" xmlns:a14="http://schemas.microsoft.com/office/drawing/2010/main">
                 <a:solidFill>
                   <a:schemeClr val="accent1"/>
                 </a:solidFill>
               </a14:hiddenFill>
             </a:ext>
             <a:ext uri="{91240B29-F687-4F45-9708-019B960494DF}">
-              <a14:hiddenLine xmlns:a14="http://schemas.microsoft.com/office/drawing/2010/main" xmlns="" w="9525">
+              <a14:hiddenLine xmlns="" xmlns:a14="http://schemas.microsoft.com/office/drawing/2010/main" w="9525">
                 <a:solidFill>
                   <a:schemeClr val="tx1"/>
                 </a:solidFill>
@@ -5075,7 +5612,7 @@
     </p:spTree>
     <p:extLst>
       <p:ext uri="{BB962C8B-B14F-4D97-AF65-F5344CB8AC3E}">
-        <p14:creationId xmlns:p14="http://schemas.microsoft.com/office/powerpoint/2010/main" xmlns="" val="2399019395"/>
+        <p14:creationId xmlns="" xmlns:p14="http://schemas.microsoft.com/office/powerpoint/2010/main" val="2399019395"/>
       </p:ext>
     </p:extLst>
   </p:cSld>
@@ -5092,7 +5629,7 @@
 </p:sld>
 </file>
 
-<file path=ppt/slides/slide8.xml><?xml version="1.0" encoding="utf-8"?>
+<file path=ppt/slides/slide9.xml><?xml version="1.0" encoding="utf-8"?>
 <p:sld xmlns:a="http://schemas.openxmlformats.org/drawingml/2006/main" xmlns:r="http://schemas.openxmlformats.org/officeDocument/2006/relationships" xmlns:p="http://schemas.openxmlformats.org/presentationml/2006/main">
   <p:cSld>
     <p:spTree>
@@ -5263,19 +5800,7 @@
               <a:rPr lang="en-GB" b="1" dirty="0" smtClean="0">
                 <a:latin typeface="Comic Sans MS" panose="030F0702030302020204" pitchFamily="66" charset="0"/>
               </a:rPr>
-              <a:t>Describe the advantages and disadvantages </a:t>
-            </a:r>
-            <a:r>
-              <a:rPr lang="en-GB" b="1" dirty="0" smtClean="0">
-                <a:latin typeface="Comic Sans MS" panose="030F0702030302020204" pitchFamily="66" charset="0"/>
-              </a:rPr>
-              <a:t>of </a:t>
-            </a:r>
-            <a:r>
-              <a:rPr lang="en-GB" b="1" dirty="0" smtClean="0">
-                <a:latin typeface="Comic Sans MS" panose="030F0702030302020204" pitchFamily="66" charset="0"/>
-              </a:rPr>
-              <a:t>your card  </a:t>
+              <a:t>Describe the advantages and disadvantages of your card  </a:t>
             </a:r>
           </a:p>
           <a:p>
@@ -5366,19 +5891,7 @@
               <a:rPr lang="en-GB" b="1" dirty="0" smtClean="0">
                 <a:latin typeface="Comic Sans MS" panose="030F0702030302020204" pitchFamily="66" charset="0"/>
               </a:rPr>
-              <a:t>Describe the advantages and disadvantages </a:t>
-            </a:r>
-            <a:r>
-              <a:rPr lang="en-GB" b="1" dirty="0" smtClean="0">
-                <a:latin typeface="Comic Sans MS" panose="030F0702030302020204" pitchFamily="66" charset="0"/>
-              </a:rPr>
-              <a:t>of </a:t>
-            </a:r>
-            <a:r>
-              <a:rPr lang="en-GB" b="1" dirty="0" smtClean="0">
-                <a:latin typeface="Comic Sans MS" panose="030F0702030302020204" pitchFamily="66" charset="0"/>
-              </a:rPr>
-              <a:t>your card  </a:t>
+              <a:t>Describe the advantages and disadvantages of your card  </a:t>
             </a:r>
           </a:p>
           <a:p>
@@ -5417,6 +5930,7 @@
                     <a:bodyPr/>
                     <a:lstStyle/>
                     <a:p>
+                      <a:pPr algn="ctr"/>
                       <a:r>
                         <a:rPr lang="en-GB" dirty="0" smtClean="0"/>
                         <a:t>Option</a:t>
@@ -5424,13 +5938,14 @@
                       <a:endParaRPr lang="en-GB" dirty="0"/>
                     </a:p>
                   </a:txBody>
-                  <a:tcPr/>
+                  <a:tcPr anchor="ctr"/>
                 </a:tc>
                 <a:tc>
                   <a:txBody>
                     <a:bodyPr/>
                     <a:lstStyle/>
                     <a:p>
+                      <a:pPr algn="ctr"/>
                       <a:r>
                         <a:rPr lang="en-GB" dirty="0" smtClean="0"/>
                         <a:t>APR</a:t>
@@ -5438,13 +5953,14 @@
                       <a:endParaRPr lang="en-GB" dirty="0"/>
                     </a:p>
                   </a:txBody>
-                  <a:tcPr/>
+                  <a:tcPr anchor="ctr"/>
                 </a:tc>
                 <a:tc>
                   <a:txBody>
                     <a:bodyPr/>
                     <a:lstStyle/>
                     <a:p>
+                      <a:pPr algn="ctr"/>
                       <a:r>
                         <a:rPr lang="en-GB" dirty="0" smtClean="0"/>
                         <a:t>Borrowing Limit</a:t>
@@ -5452,13 +5968,14 @@
                       <a:endParaRPr lang="en-GB" dirty="0"/>
                     </a:p>
                   </a:txBody>
-                  <a:tcPr/>
+                  <a:tcPr anchor="ctr"/>
                 </a:tc>
                 <a:tc>
                   <a:txBody>
                     <a:bodyPr/>
                     <a:lstStyle/>
                     <a:p>
+                      <a:pPr algn="ctr"/>
                       <a:r>
                         <a:rPr lang="en-GB" dirty="0" smtClean="0"/>
                         <a:t>Advantages</a:t>
@@ -5466,13 +5983,14 @@
                       <a:endParaRPr lang="en-GB" dirty="0"/>
                     </a:p>
                   </a:txBody>
-                  <a:tcPr/>
+                  <a:tcPr anchor="ctr"/>
                 </a:tc>
                 <a:tc>
                   <a:txBody>
                     <a:bodyPr/>
                     <a:lstStyle/>
                     <a:p>
+                      <a:pPr algn="ctr"/>
                       <a:r>
                         <a:rPr lang="en-GB" dirty="0" smtClean="0"/>
                         <a:t>Disadvantages</a:t>
@@ -5480,7 +5998,7 @@
                       <a:endParaRPr lang="en-GB" dirty="0"/>
                     </a:p>
                   </a:txBody>
-                  <a:tcPr/>
+                  <a:tcPr anchor="ctr"/>
                 </a:tc>
               </a:tr>
               <a:tr h="810090">
@@ -5534,7 +6052,7 @@
                     <a:bodyPr/>
                     <a:lstStyle/>
                     <a:p>
-                      <a:endParaRPr lang="en-GB"/>
+                      <a:endParaRPr lang="en-GB" dirty="0"/>
                     </a:p>
                   </a:txBody>
                   <a:tcPr/>
@@ -5586,7 +6104,7 @@
                     <a:bodyPr/>
                     <a:lstStyle/>
                     <a:p>
-                      <a:endParaRPr lang="en-GB"/>
+                      <a:endParaRPr lang="en-GB" dirty="0"/>
                     </a:p>
                   </a:txBody>
                   <a:tcPr/>
@@ -5651,166 +6169,7 @@
     </p:spTree>
     <p:extLst>
       <p:ext uri="{BB962C8B-B14F-4D97-AF65-F5344CB8AC3E}">
-        <p14:creationId xmlns:p14="http://schemas.microsoft.com/office/powerpoint/2010/main" xmlns="" val="1053858350"/>
-      </p:ext>
-    </p:extLst>
-  </p:cSld>
-  <p:clrMapOvr>
-    <a:masterClrMapping/>
-  </p:clrMapOvr>
-  <p:timing>
-    <p:tnLst>
-      <p:par>
-        <p:cTn id="1" dur="indefinite" restart="never" nodeType="tmRoot"/>
-      </p:par>
-    </p:tnLst>
-  </p:timing>
-</p:sld>
-</file>
-
-<file path=ppt/slides/slide9.xml><?xml version="1.0" encoding="utf-8"?>
-<p:sld xmlns:a="http://schemas.openxmlformats.org/drawingml/2006/main" xmlns:r="http://schemas.openxmlformats.org/officeDocument/2006/relationships" xmlns:p="http://schemas.openxmlformats.org/presentationml/2006/main">
-  <p:cSld>
-    <p:spTree>
-      <p:nvGrpSpPr>
-        <p:cNvPr id="1" name=""/>
-        <p:cNvGrpSpPr/>
-        <p:nvPr/>
-      </p:nvGrpSpPr>
-      <p:grpSpPr>
-        <a:xfrm>
-          <a:off x="0" y="0"/>
-          <a:ext cx="0" cy="0"/>
-          <a:chOff x="0" y="0"/>
-          <a:chExt cx="0" cy="0"/>
-        </a:xfrm>
-      </p:grpSpPr>
-      <p:sp>
-        <p:nvSpPr>
-          <p:cNvPr id="2" name="TextBox 1"/>
-          <p:cNvSpPr txBox="1"/>
-          <p:nvPr/>
-        </p:nvSpPr>
-        <p:spPr>
-          <a:xfrm>
-            <a:off x="0" y="762963"/>
-            <a:ext cx="9144000" cy="2308324"/>
-          </a:xfrm>
-          <a:prstGeom prst="rect">
-            <a:avLst/>
-          </a:prstGeom>
-          <a:noFill/>
-        </p:spPr>
-        <p:txBody>
-          <a:bodyPr wrap="square" rtlCol="0">
-            <a:spAutoFit/>
-          </a:bodyPr>
-          <a:lstStyle/>
-          <a:p>
-            <a:pPr algn="ctr"/>
-            <a:r>
-              <a:rPr lang="en-GB" sz="7200" b="1" dirty="0" smtClean="0">
-                <a:solidFill>
-                  <a:srgbClr val="FF0000"/>
-                </a:solidFill>
-                <a:latin typeface="Comic Sans MS" panose="030F0702030302020204" pitchFamily="66" charset="0"/>
-              </a:rPr>
-              <a:t>Let’s see your credit cards </a:t>
-            </a:r>
-            <a:endParaRPr lang="en-GB" sz="7200" b="1" dirty="0">
-              <a:solidFill>
-                <a:srgbClr val="FF0000"/>
-              </a:solidFill>
-              <a:latin typeface="Comic Sans MS" panose="030F0702030302020204" pitchFamily="66" charset="0"/>
-            </a:endParaRPr>
-          </a:p>
-        </p:txBody>
-      </p:sp>
-      <p:sp>
-        <p:nvSpPr>
-          <p:cNvPr id="3" name="Rectangle 2"/>
-          <p:cNvSpPr/>
-          <p:nvPr/>
-        </p:nvSpPr>
-        <p:spPr>
-          <a:xfrm>
-            <a:off x="2051720" y="3429000"/>
-            <a:ext cx="5256584" cy="2592288"/>
-          </a:xfrm>
-          <a:prstGeom prst="rect">
-            <a:avLst/>
-          </a:prstGeom>
-          <a:noFill/>
-          <a:ln w="76200">
-            <a:solidFill>
-              <a:schemeClr val="tx1"/>
-            </a:solidFill>
-          </a:ln>
-        </p:spPr>
-        <p:style>
-          <a:lnRef idx="2">
-            <a:schemeClr val="accent1">
-              <a:shade val="50000"/>
-            </a:schemeClr>
-          </a:lnRef>
-          <a:fillRef idx="1">
-            <a:schemeClr val="accent1"/>
-          </a:fillRef>
-          <a:effectRef idx="0">
-            <a:schemeClr val="accent1"/>
-          </a:effectRef>
-          <a:fontRef idx="minor">
-            <a:schemeClr val="lt1"/>
-          </a:fontRef>
-        </p:style>
-        <p:txBody>
-          <a:bodyPr rtlCol="0" anchor="ctr"/>
-          <a:lstStyle/>
-          <a:p>
-            <a:pPr algn="ctr"/>
-            <a:endParaRPr lang="en-GB"/>
-          </a:p>
-        </p:txBody>
-      </p:sp>
-      <p:sp>
-        <p:nvSpPr>
-          <p:cNvPr id="4" name="TextBox 3"/>
-          <p:cNvSpPr txBox="1"/>
-          <p:nvPr/>
-        </p:nvSpPr>
-        <p:spPr>
-          <a:xfrm>
-            <a:off x="4283968" y="3617147"/>
-            <a:ext cx="792088" cy="2215991"/>
-          </a:xfrm>
-          <a:prstGeom prst="rect">
-            <a:avLst/>
-          </a:prstGeom>
-          <a:noFill/>
-        </p:spPr>
-        <p:txBody>
-          <a:bodyPr wrap="square" rtlCol="0">
-            <a:spAutoFit/>
-          </a:bodyPr>
-          <a:lstStyle/>
-          <a:p>
-            <a:pPr algn="ctr"/>
-            <a:r>
-              <a:rPr lang="en-GB" sz="13800" b="1" dirty="0" smtClean="0">
-                <a:latin typeface="Comic Sans MS" panose="030F0702030302020204" pitchFamily="66" charset="0"/>
-              </a:rPr>
-              <a:t>?</a:t>
-            </a:r>
-            <a:endParaRPr lang="en-GB" sz="13800" b="1" dirty="0">
-              <a:latin typeface="Comic Sans MS" panose="030F0702030302020204" pitchFamily="66" charset="0"/>
-            </a:endParaRPr>
-          </a:p>
-        </p:txBody>
-      </p:sp>
-    </p:spTree>
-    <p:extLst>
-      <p:ext uri="{BB962C8B-B14F-4D97-AF65-F5344CB8AC3E}">
-        <p14:creationId xmlns:p14="http://schemas.microsoft.com/office/powerpoint/2010/main" xmlns="" val="2946536019"/>
+        <p14:creationId xmlns="" xmlns:p14="http://schemas.microsoft.com/office/powerpoint/2010/main" val="1053858350"/>
       </p:ext>
     </p:extLst>
   </p:cSld>

--- a/15finance/02 Credit Cards.pptx
+++ b/15finance/02 Credit Cards.pptx
@@ -5,19 +5,25 @@
     <p:sldMasterId id="2147483648" r:id="rId1"/>
   </p:sldMasterIdLst>
   <p:notesMasterIdLst>
-    <p:notesMasterId r:id="rId12"/>
+    <p:notesMasterId r:id="rId18"/>
   </p:notesMasterIdLst>
   <p:sldIdLst>
-    <p:sldId id="256" r:id="rId2"/>
-    <p:sldId id="257" r:id="rId3"/>
-    <p:sldId id="264" r:id="rId4"/>
-    <p:sldId id="258" r:id="rId5"/>
-    <p:sldId id="265" r:id="rId6"/>
-    <p:sldId id="259" r:id="rId7"/>
-    <p:sldId id="266" r:id="rId8"/>
-    <p:sldId id="261" r:id="rId9"/>
-    <p:sldId id="262" r:id="rId10"/>
-    <p:sldId id="263" r:id="rId11"/>
+    <p:sldId id="257" r:id="rId2"/>
+    <p:sldId id="264" r:id="rId3"/>
+    <p:sldId id="258" r:id="rId4"/>
+    <p:sldId id="265" r:id="rId5"/>
+    <p:sldId id="267" r:id="rId6"/>
+    <p:sldId id="268" r:id="rId7"/>
+    <p:sldId id="269" r:id="rId8"/>
+    <p:sldId id="270" r:id="rId9"/>
+    <p:sldId id="259" r:id="rId10"/>
+    <p:sldId id="266" r:id="rId11"/>
+    <p:sldId id="261" r:id="rId12"/>
+    <p:sldId id="271" r:id="rId13"/>
+    <p:sldId id="272" r:id="rId14"/>
+    <p:sldId id="273" r:id="rId15"/>
+    <p:sldId id="262" r:id="rId16"/>
+    <p:sldId id="263" r:id="rId17"/>
   </p:sldIdLst>
   <p:sldSz cx="9144000" cy="6858000" type="screen4x3"/>
   <p:notesSz cx="6858000" cy="9144000"/>
@@ -202,7 +208,7 @@
             <a:fld id="{01F3B2B3-38C5-4CBC-9C35-0FEB655F0CFE}" type="datetimeFigureOut">
               <a:rPr lang="en-GB" smtClean="0"/>
               <a:pPr/>
-              <a:t>15/11/2016</a:t>
+              <a:t>20/11/2016</a:t>
             </a:fld>
             <a:endParaRPr lang="en-GB"/>
           </a:p>
@@ -514,6 +520,29 @@
           </a:bodyPr>
           <a:lstStyle/>
           <a:p>
+            <a:pPr marL="0" marR="0" indent="0" algn="l" defTabSz="914400" rtl="0" eaLnBrk="1" fontAlgn="auto" latinLnBrk="0" hangingPunct="1">
+              <a:lnSpc>
+                <a:spcPct val="100000"/>
+              </a:lnSpc>
+              <a:spcBef>
+                <a:spcPts val="0"/>
+              </a:spcBef>
+              <a:spcAft>
+                <a:spcPts val="0"/>
+              </a:spcAft>
+              <a:buClrTx/>
+              <a:buSzTx/>
+              <a:buFontTx/>
+              <a:buNone/>
+              <a:tabLst/>
+              <a:defRPr/>
+            </a:pPr>
+            <a:r>
+              <a:rPr lang="en-GB" dirty="0" smtClean="0"/>
+              <a:t>Google Definition</a:t>
+            </a:r>
+          </a:p>
+          <a:p>
             <a:endParaRPr lang="en-GB" dirty="0"/>
           </a:p>
         </p:txBody>
@@ -536,7 +565,266 @@
             <a:fld id="{C119CCA7-8F36-4874-A533-E76BFE63B534}" type="slidenum">
               <a:rPr lang="en-GB" smtClean="0"/>
               <a:pPr/>
-              <a:t>9</a:t>
+              <a:t>2</a:t>
+            </a:fld>
+            <a:endParaRPr lang="en-GB"/>
+          </a:p>
+        </p:txBody>
+      </p:sp>
+    </p:spTree>
+  </p:cSld>
+  <p:clrMapOvr>
+    <a:masterClrMapping/>
+  </p:clrMapOvr>
+</p:notes>
+</file>
+
+<file path=ppt/notesSlides/notesSlide2.xml><?xml version="1.0" encoding="utf-8"?>
+<p:notes xmlns:a="http://schemas.openxmlformats.org/drawingml/2006/main" xmlns:r="http://schemas.openxmlformats.org/officeDocument/2006/relationships" xmlns:p="http://schemas.openxmlformats.org/presentationml/2006/main">
+  <p:cSld>
+    <p:spTree>
+      <p:nvGrpSpPr>
+        <p:cNvPr id="1" name=""/>
+        <p:cNvGrpSpPr/>
+        <p:nvPr/>
+      </p:nvGrpSpPr>
+      <p:grpSpPr>
+        <a:xfrm>
+          <a:off x="0" y="0"/>
+          <a:ext cx="0" cy="0"/>
+          <a:chOff x="0" y="0"/>
+          <a:chExt cx="0" cy="0"/>
+        </a:xfrm>
+      </p:grpSpPr>
+      <p:sp>
+        <p:nvSpPr>
+          <p:cNvPr id="2" name="Slide Image Placeholder 1"/>
+          <p:cNvSpPr>
+            <a:spLocks noGrp="1" noRot="1" noChangeAspect="1"/>
+          </p:cNvSpPr>
+          <p:nvPr>
+            <p:ph type="sldImg"/>
+          </p:nvPr>
+        </p:nvSpPr>
+        <p:spPr/>
+      </p:sp>
+      <p:sp>
+        <p:nvSpPr>
+          <p:cNvPr id="3" name="Notes Placeholder 2"/>
+          <p:cNvSpPr>
+            <a:spLocks noGrp="1"/>
+          </p:cNvSpPr>
+          <p:nvPr>
+            <p:ph type="body" idx="1"/>
+          </p:nvPr>
+        </p:nvSpPr>
+        <p:spPr/>
+        <p:txBody>
+          <a:bodyPr>
+            <a:normAutofit/>
+          </a:bodyPr>
+          <a:lstStyle/>
+          <a:p>
+            <a:r>
+              <a:rPr lang="en-GB" dirty="0" smtClean="0"/>
+              <a:t>Google Definition</a:t>
+            </a:r>
+            <a:endParaRPr lang="en-GB" dirty="0"/>
+          </a:p>
+        </p:txBody>
+      </p:sp>
+      <p:sp>
+        <p:nvSpPr>
+          <p:cNvPr id="4" name="Slide Number Placeholder 3"/>
+          <p:cNvSpPr>
+            <a:spLocks noGrp="1"/>
+          </p:cNvSpPr>
+          <p:nvPr>
+            <p:ph type="sldNum" sz="quarter" idx="10"/>
+          </p:nvPr>
+        </p:nvSpPr>
+        <p:spPr/>
+        <p:txBody>
+          <a:bodyPr/>
+          <a:lstStyle/>
+          <a:p>
+            <a:fld id="{C119CCA7-8F36-4874-A533-E76BFE63B534}" type="slidenum">
+              <a:rPr lang="en-GB" smtClean="0"/>
+              <a:pPr/>
+              <a:t>4</a:t>
+            </a:fld>
+            <a:endParaRPr lang="en-GB"/>
+          </a:p>
+        </p:txBody>
+      </p:sp>
+    </p:spTree>
+  </p:cSld>
+  <p:clrMapOvr>
+    <a:masterClrMapping/>
+  </p:clrMapOvr>
+</p:notes>
+</file>
+
+<file path=ppt/notesSlides/notesSlide3.xml><?xml version="1.0" encoding="utf-8"?>
+<p:notes xmlns:a="http://schemas.openxmlformats.org/drawingml/2006/main" xmlns:r="http://schemas.openxmlformats.org/officeDocument/2006/relationships" xmlns:p="http://schemas.openxmlformats.org/presentationml/2006/main">
+  <p:cSld>
+    <p:spTree>
+      <p:nvGrpSpPr>
+        <p:cNvPr id="1" name=""/>
+        <p:cNvGrpSpPr/>
+        <p:nvPr/>
+      </p:nvGrpSpPr>
+      <p:grpSpPr>
+        <a:xfrm>
+          <a:off x="0" y="0"/>
+          <a:ext cx="0" cy="0"/>
+          <a:chOff x="0" y="0"/>
+          <a:chExt cx="0" cy="0"/>
+        </a:xfrm>
+      </p:grpSpPr>
+      <p:sp>
+        <p:nvSpPr>
+          <p:cNvPr id="2" name="Slide Image Placeholder 1"/>
+          <p:cNvSpPr>
+            <a:spLocks noGrp="1" noRot="1" noChangeAspect="1"/>
+          </p:cNvSpPr>
+          <p:nvPr>
+            <p:ph type="sldImg"/>
+          </p:nvPr>
+        </p:nvSpPr>
+        <p:spPr/>
+      </p:sp>
+      <p:sp>
+        <p:nvSpPr>
+          <p:cNvPr id="3" name="Notes Placeholder 2"/>
+          <p:cNvSpPr>
+            <a:spLocks noGrp="1"/>
+          </p:cNvSpPr>
+          <p:nvPr>
+            <p:ph type="body" idx="1"/>
+          </p:nvPr>
+        </p:nvSpPr>
+        <p:spPr/>
+        <p:txBody>
+          <a:bodyPr/>
+          <a:lstStyle/>
+          <a:p>
+            <a:r>
+              <a:rPr lang="en-GB" dirty="0" smtClean="0">
+                <a:hlinkClick r:id="rId3"/>
+              </a:rPr>
+              <a:t>http://www.thisismoney.co.uk/money/cardsloans/article-1633399/Calculator-Credit-card-repayment-reality-check.html</a:t>
+            </a:r>
+            <a:endParaRPr lang="en-GB" dirty="0"/>
+          </a:p>
+        </p:txBody>
+      </p:sp>
+      <p:sp>
+        <p:nvSpPr>
+          <p:cNvPr id="4" name="Slide Number Placeholder 3"/>
+          <p:cNvSpPr>
+            <a:spLocks noGrp="1"/>
+          </p:cNvSpPr>
+          <p:nvPr>
+            <p:ph type="sldNum" sz="quarter" idx="10"/>
+          </p:nvPr>
+        </p:nvSpPr>
+        <p:spPr/>
+        <p:txBody>
+          <a:bodyPr/>
+          <a:lstStyle/>
+          <a:p>
+            <a:fld id="{DA0A9637-DAC6-4522-A846-CD3A4CFD6CD1}" type="slidenum">
+              <a:rPr lang="en-GB" smtClean="0"/>
+              <a:pPr/>
+              <a:t>6</a:t>
+            </a:fld>
+            <a:endParaRPr lang="en-GB"/>
+          </a:p>
+        </p:txBody>
+      </p:sp>
+    </p:spTree>
+    <p:extLst>
+      <p:ext uri="{BB962C8B-B14F-4D97-AF65-F5344CB8AC3E}">
+        <p14:creationId xmlns="" xmlns:p14="http://schemas.microsoft.com/office/powerpoint/2010/main" val="3517865856"/>
+      </p:ext>
+    </p:extLst>
+  </p:cSld>
+  <p:clrMapOvr>
+    <a:masterClrMapping/>
+  </p:clrMapOvr>
+</p:notes>
+</file>
+
+<file path=ppt/notesSlides/notesSlide4.xml><?xml version="1.0" encoding="utf-8"?>
+<p:notes xmlns:a="http://schemas.openxmlformats.org/drawingml/2006/main" xmlns:r="http://schemas.openxmlformats.org/officeDocument/2006/relationships" xmlns:p="http://schemas.openxmlformats.org/presentationml/2006/main">
+  <p:cSld>
+    <p:spTree>
+      <p:nvGrpSpPr>
+        <p:cNvPr id="1" name=""/>
+        <p:cNvGrpSpPr/>
+        <p:nvPr/>
+      </p:nvGrpSpPr>
+      <p:grpSpPr>
+        <a:xfrm>
+          <a:off x="0" y="0"/>
+          <a:ext cx="0" cy="0"/>
+          <a:chOff x="0" y="0"/>
+          <a:chExt cx="0" cy="0"/>
+        </a:xfrm>
+      </p:grpSpPr>
+      <p:sp>
+        <p:nvSpPr>
+          <p:cNvPr id="2" name="Slide Image Placeholder 1"/>
+          <p:cNvSpPr>
+            <a:spLocks noGrp="1" noRot="1" noChangeAspect="1"/>
+          </p:cNvSpPr>
+          <p:nvPr>
+            <p:ph type="sldImg"/>
+          </p:nvPr>
+        </p:nvSpPr>
+        <p:spPr/>
+      </p:sp>
+      <p:sp>
+        <p:nvSpPr>
+          <p:cNvPr id="3" name="Notes Placeholder 2"/>
+          <p:cNvSpPr>
+            <a:spLocks noGrp="1"/>
+          </p:cNvSpPr>
+          <p:nvPr>
+            <p:ph type="body" idx="1"/>
+          </p:nvPr>
+        </p:nvSpPr>
+        <p:spPr/>
+        <p:txBody>
+          <a:bodyPr>
+            <a:normAutofit/>
+          </a:bodyPr>
+          <a:lstStyle/>
+          <a:p>
+            <a:endParaRPr lang="en-GB" dirty="0"/>
+          </a:p>
+        </p:txBody>
+      </p:sp>
+      <p:sp>
+        <p:nvSpPr>
+          <p:cNvPr id="4" name="Slide Number Placeholder 3"/>
+          <p:cNvSpPr>
+            <a:spLocks noGrp="1"/>
+          </p:cNvSpPr>
+          <p:nvPr>
+            <p:ph type="sldNum" sz="quarter" idx="10"/>
+          </p:nvPr>
+        </p:nvSpPr>
+        <p:spPr/>
+        <p:txBody>
+          <a:bodyPr/>
+          <a:lstStyle/>
+          <a:p>
+            <a:fld id="{C119CCA7-8F36-4874-A533-E76BFE63B534}" type="slidenum">
+              <a:rPr lang="en-GB" smtClean="0"/>
+              <a:pPr/>
+              <a:t>15</a:t>
             </a:fld>
             <a:endParaRPr lang="en-GB"/>
           </a:p>
@@ -732,7 +1020,7 @@
             <a:fld id="{245E5DCC-A267-489E-8C4B-0C8A611A1888}" type="datetimeFigureOut">
               <a:rPr lang="en-GB" smtClean="0"/>
               <a:pPr/>
-              <a:t>15/11/2016</a:t>
+              <a:t>20/11/2016</a:t>
             </a:fld>
             <a:endParaRPr lang="en-GB"/>
           </a:p>
@@ -904,7 +1192,7 @@
             <a:fld id="{245E5DCC-A267-489E-8C4B-0C8A611A1888}" type="datetimeFigureOut">
               <a:rPr lang="en-GB" smtClean="0"/>
               <a:pPr/>
-              <a:t>15/11/2016</a:t>
+              <a:t>20/11/2016</a:t>
             </a:fld>
             <a:endParaRPr lang="en-GB"/>
           </a:p>
@@ -1086,7 +1374,7 @@
             <a:fld id="{245E5DCC-A267-489E-8C4B-0C8A611A1888}" type="datetimeFigureOut">
               <a:rPr lang="en-GB" smtClean="0"/>
               <a:pPr/>
-              <a:t>15/11/2016</a:t>
+              <a:t>20/11/2016</a:t>
             </a:fld>
             <a:endParaRPr lang="en-GB"/>
           </a:p>
@@ -1258,7 +1546,7 @@
             <a:fld id="{245E5DCC-A267-489E-8C4B-0C8A611A1888}" type="datetimeFigureOut">
               <a:rPr lang="en-GB" smtClean="0"/>
               <a:pPr/>
-              <a:t>15/11/2016</a:t>
+              <a:t>20/11/2016</a:t>
             </a:fld>
             <a:endParaRPr lang="en-GB"/>
           </a:p>
@@ -1506,7 +1794,7 @@
             <a:fld id="{245E5DCC-A267-489E-8C4B-0C8A611A1888}" type="datetimeFigureOut">
               <a:rPr lang="en-GB" smtClean="0"/>
               <a:pPr/>
-              <a:t>15/11/2016</a:t>
+              <a:t>20/11/2016</a:t>
             </a:fld>
             <a:endParaRPr lang="en-GB"/>
           </a:p>
@@ -1796,7 +2084,7 @@
             <a:fld id="{245E5DCC-A267-489E-8C4B-0C8A611A1888}" type="datetimeFigureOut">
               <a:rPr lang="en-GB" smtClean="0"/>
               <a:pPr/>
-              <a:t>15/11/2016</a:t>
+              <a:t>20/11/2016</a:t>
             </a:fld>
             <a:endParaRPr lang="en-GB"/>
           </a:p>
@@ -2220,7 +2508,7 @@
             <a:fld id="{245E5DCC-A267-489E-8C4B-0C8A611A1888}" type="datetimeFigureOut">
               <a:rPr lang="en-GB" smtClean="0"/>
               <a:pPr/>
-              <a:t>15/11/2016</a:t>
+              <a:t>20/11/2016</a:t>
             </a:fld>
             <a:endParaRPr lang="en-GB"/>
           </a:p>
@@ -2340,7 +2628,7 @@
             <a:fld id="{245E5DCC-A267-489E-8C4B-0C8A611A1888}" type="datetimeFigureOut">
               <a:rPr lang="en-GB" smtClean="0"/>
               <a:pPr/>
-              <a:t>15/11/2016</a:t>
+              <a:t>20/11/2016</a:t>
             </a:fld>
             <a:endParaRPr lang="en-GB"/>
           </a:p>
@@ -2437,7 +2725,7 @@
             <a:fld id="{245E5DCC-A267-489E-8C4B-0C8A611A1888}" type="datetimeFigureOut">
               <a:rPr lang="en-GB" smtClean="0"/>
               <a:pPr/>
-              <a:t>15/11/2016</a:t>
+              <a:t>20/11/2016</a:t>
             </a:fld>
             <a:endParaRPr lang="en-GB"/>
           </a:p>
@@ -2716,7 +3004,7 @@
             <a:fld id="{245E5DCC-A267-489E-8C4B-0C8A611A1888}" type="datetimeFigureOut">
               <a:rPr lang="en-GB" smtClean="0"/>
               <a:pPr/>
-              <a:t>15/11/2016</a:t>
+              <a:t>20/11/2016</a:t>
             </a:fld>
             <a:endParaRPr lang="en-GB"/>
           </a:p>
@@ -2971,7 +3259,7 @@
             <a:fld id="{245E5DCC-A267-489E-8C4B-0C8A611A1888}" type="datetimeFigureOut">
               <a:rPr lang="en-GB" smtClean="0"/>
               <a:pPr/>
-              <a:t>15/11/2016</a:t>
+              <a:t>20/11/2016</a:t>
             </a:fld>
             <a:endParaRPr lang="en-GB"/>
           </a:p>
@@ -3186,7 +3474,7 @@
             <a:fld id="{245E5DCC-A267-489E-8C4B-0C8A611A1888}" type="datetimeFigureOut">
               <a:rPr lang="en-GB" smtClean="0"/>
               <a:pPr/>
-              <a:t>15/11/2016</a:t>
+              <a:t>20/11/2016</a:t>
             </a:fld>
             <a:endParaRPr lang="en-GB"/>
           </a:p>
@@ -3564,335 +3852,6 @@
       </p:grpSpPr>
       <p:sp>
         <p:nvSpPr>
-          <p:cNvPr id="4" name="TextBox 3"/>
-          <p:cNvSpPr txBox="1"/>
-          <p:nvPr/>
-        </p:nvSpPr>
-        <p:spPr>
-          <a:xfrm>
-            <a:off x="0" y="5157192"/>
-            <a:ext cx="9144000" cy="1107996"/>
-          </a:xfrm>
-          <a:prstGeom prst="rect">
-            <a:avLst/>
-          </a:prstGeom>
-          <a:noFill/>
-        </p:spPr>
-        <p:txBody>
-          <a:bodyPr wrap="square" rtlCol="0">
-            <a:spAutoFit/>
-          </a:bodyPr>
-          <a:lstStyle/>
-          <a:p>
-            <a:pPr algn="ctr"/>
-            <a:r>
-              <a:rPr lang="en-GB" sz="6600" b="1" dirty="0" smtClean="0">
-                <a:solidFill>
-                  <a:srgbClr val="FF0000"/>
-                </a:solidFill>
-                <a:latin typeface="Comic Sans MS" panose="030F0702030302020204" pitchFamily="66" charset="0"/>
-              </a:rPr>
-              <a:t>Watch this clip! </a:t>
-            </a:r>
-            <a:endParaRPr lang="en-GB" sz="6600" b="1" dirty="0">
-              <a:solidFill>
-                <a:srgbClr val="FF0000"/>
-              </a:solidFill>
-              <a:latin typeface="Comic Sans MS" panose="030F0702030302020204" pitchFamily="66" charset="0"/>
-            </a:endParaRPr>
-          </a:p>
-        </p:txBody>
-      </p:sp>
-      <p:sp>
-        <p:nvSpPr>
-          <p:cNvPr id="7" name="Rectangle 6"/>
-          <p:cNvSpPr/>
-          <p:nvPr/>
-        </p:nvSpPr>
-        <p:spPr>
-          <a:xfrm>
-            <a:off x="2286000" y="6550223"/>
-            <a:ext cx="6858000" cy="307777"/>
-          </a:xfrm>
-          <a:prstGeom prst="rect">
-            <a:avLst/>
-          </a:prstGeom>
-        </p:spPr>
-        <p:txBody>
-          <a:bodyPr wrap="square">
-            <a:spAutoFit/>
-          </a:bodyPr>
-          <a:lstStyle/>
-          <a:p>
-            <a:pPr algn="r"/>
-            <a:r>
-              <a:rPr lang="en-GB" sz="1400" dirty="0" smtClean="0"/>
-              <a:t>https://www.youtube.com/watch?v=WFNXwor69-U</a:t>
-            </a:r>
-            <a:endParaRPr lang="en-GB" sz="1400" dirty="0"/>
-          </a:p>
-        </p:txBody>
-      </p:sp>
-      <p:pic>
-        <p:nvPicPr>
-          <p:cNvPr id="1027" name="Picture 3">
-            <a:hlinkClick r:id="rId2"/>
-          </p:cNvPr>
-          <p:cNvPicPr>
-            <a:picLocks noChangeAspect="1" noChangeArrowheads="1"/>
-          </p:cNvPicPr>
-          <p:nvPr/>
-        </p:nvPicPr>
-        <p:blipFill rotWithShape="1">
-          <a:blip r:embed="rId3" cstate="print">
-            <a:extLst>
-              <a:ext uri="{28A0092B-C50C-407E-A947-70E740481C1C}">
-                <a14:useLocalDpi xmlns="" xmlns:a14="http://schemas.microsoft.com/office/drawing/2010/main" val="0"/>
-              </a:ext>
-            </a:extLst>
-          </a:blip>
-          <a:srcRect l="1504" t="15706" r="2758" b="8103"/>
-          <a:stretch/>
-        </p:blipFill>
-        <p:spPr bwMode="auto">
-          <a:xfrm>
-            <a:off x="522514" y="836712"/>
-            <a:ext cx="8081934" cy="3616100"/>
-          </a:xfrm>
-          <a:prstGeom prst="rect">
-            <a:avLst/>
-          </a:prstGeom>
-          <a:noFill/>
-          <a:ln>
-            <a:noFill/>
-          </a:ln>
-          <a:extLst>
-            <a:ext uri="{909E8E84-426E-40DD-AFC4-6F175D3DCCD1}">
-              <a14:hiddenFill xmlns="" xmlns:a14="http://schemas.microsoft.com/office/drawing/2010/main">
-                <a:solidFill>
-                  <a:schemeClr val="accent1"/>
-                </a:solidFill>
-              </a14:hiddenFill>
-            </a:ext>
-            <a:ext uri="{91240B29-F687-4F45-9708-019B960494DF}">
-              <a14:hiddenLine xmlns="" xmlns:a14="http://schemas.microsoft.com/office/drawing/2010/main" w="9525">
-                <a:solidFill>
-                  <a:schemeClr val="tx1"/>
-                </a:solidFill>
-                <a:miter lim="800000"/>
-                <a:headEnd/>
-                <a:tailEnd/>
-              </a14:hiddenLine>
-            </a:ext>
-          </a:extLst>
-        </p:spPr>
-      </p:pic>
-    </p:spTree>
-    <p:extLst>
-      <p:ext uri="{BB962C8B-B14F-4D97-AF65-F5344CB8AC3E}">
-        <p14:creationId xmlns="" xmlns:p14="http://schemas.microsoft.com/office/powerpoint/2010/main" val="2713532967"/>
-      </p:ext>
-    </p:extLst>
-  </p:cSld>
-  <p:clrMapOvr>
-    <a:masterClrMapping/>
-  </p:clrMapOvr>
-  <mc:AlternateContent xmlns:mc="http://schemas.openxmlformats.org/markup-compatibility/2006">
-    <mc:Choice xmlns="" xmlns:p14="http://schemas.microsoft.com/office/powerpoint/2010/main" Requires="p14">
-      <p:transition spd="slow" p14:dur="2000"/>
-    </mc:Choice>
-    <mc:Fallback>
-      <p:transition spd="slow"/>
-    </mc:Fallback>
-  </mc:AlternateContent>
-  <p:timing>
-    <p:tnLst>
-      <p:par>
-        <p:cTn id="1" dur="indefinite" restart="never" nodeType="tmRoot"/>
-      </p:par>
-    </p:tnLst>
-  </p:timing>
-</p:sld>
-</file>
-
-<file path=ppt/slides/slide10.xml><?xml version="1.0" encoding="utf-8"?>
-<p:sld xmlns:a="http://schemas.openxmlformats.org/drawingml/2006/main" xmlns:r="http://schemas.openxmlformats.org/officeDocument/2006/relationships" xmlns:p="http://schemas.openxmlformats.org/presentationml/2006/main">
-  <p:cSld>
-    <p:spTree>
-      <p:nvGrpSpPr>
-        <p:cNvPr id="1" name=""/>
-        <p:cNvGrpSpPr/>
-        <p:nvPr/>
-      </p:nvGrpSpPr>
-      <p:grpSpPr>
-        <a:xfrm>
-          <a:off x="0" y="0"/>
-          <a:ext cx="0" cy="0"/>
-          <a:chOff x="0" y="0"/>
-          <a:chExt cx="0" cy="0"/>
-        </a:xfrm>
-      </p:grpSpPr>
-      <p:sp>
-        <p:nvSpPr>
-          <p:cNvPr id="2" name="TextBox 1"/>
-          <p:cNvSpPr txBox="1"/>
-          <p:nvPr/>
-        </p:nvSpPr>
-        <p:spPr>
-          <a:xfrm>
-            <a:off x="0" y="762963"/>
-            <a:ext cx="9144000" cy="2308324"/>
-          </a:xfrm>
-          <a:prstGeom prst="rect">
-            <a:avLst/>
-          </a:prstGeom>
-          <a:noFill/>
-        </p:spPr>
-        <p:txBody>
-          <a:bodyPr wrap="square" rtlCol="0">
-            <a:spAutoFit/>
-          </a:bodyPr>
-          <a:lstStyle/>
-          <a:p>
-            <a:pPr algn="ctr"/>
-            <a:r>
-              <a:rPr lang="en-GB" sz="7200" b="1" dirty="0" smtClean="0">
-                <a:solidFill>
-                  <a:srgbClr val="FF0000"/>
-                </a:solidFill>
-                <a:latin typeface="Comic Sans MS" panose="030F0702030302020204" pitchFamily="66" charset="0"/>
-              </a:rPr>
-              <a:t>Let’s see your credit cards </a:t>
-            </a:r>
-            <a:endParaRPr lang="en-GB" sz="7200" b="1" dirty="0">
-              <a:solidFill>
-                <a:srgbClr val="FF0000"/>
-              </a:solidFill>
-              <a:latin typeface="Comic Sans MS" panose="030F0702030302020204" pitchFamily="66" charset="0"/>
-            </a:endParaRPr>
-          </a:p>
-        </p:txBody>
-      </p:sp>
-      <p:sp>
-        <p:nvSpPr>
-          <p:cNvPr id="3" name="Rectangle 2"/>
-          <p:cNvSpPr/>
-          <p:nvPr/>
-        </p:nvSpPr>
-        <p:spPr>
-          <a:xfrm>
-            <a:off x="2051720" y="3429000"/>
-            <a:ext cx="5256584" cy="2592288"/>
-          </a:xfrm>
-          <a:prstGeom prst="rect">
-            <a:avLst/>
-          </a:prstGeom>
-          <a:noFill/>
-          <a:ln w="76200">
-            <a:solidFill>
-              <a:schemeClr val="tx1"/>
-            </a:solidFill>
-          </a:ln>
-        </p:spPr>
-        <p:style>
-          <a:lnRef idx="2">
-            <a:schemeClr val="accent1">
-              <a:shade val="50000"/>
-            </a:schemeClr>
-          </a:lnRef>
-          <a:fillRef idx="1">
-            <a:schemeClr val="accent1"/>
-          </a:fillRef>
-          <a:effectRef idx="0">
-            <a:schemeClr val="accent1"/>
-          </a:effectRef>
-          <a:fontRef idx="minor">
-            <a:schemeClr val="lt1"/>
-          </a:fontRef>
-        </p:style>
-        <p:txBody>
-          <a:bodyPr rtlCol="0" anchor="ctr"/>
-          <a:lstStyle/>
-          <a:p>
-            <a:pPr algn="ctr"/>
-            <a:endParaRPr lang="en-GB"/>
-          </a:p>
-        </p:txBody>
-      </p:sp>
-      <p:sp>
-        <p:nvSpPr>
-          <p:cNvPr id="4" name="TextBox 3"/>
-          <p:cNvSpPr txBox="1"/>
-          <p:nvPr/>
-        </p:nvSpPr>
-        <p:spPr>
-          <a:xfrm>
-            <a:off x="4283968" y="3617147"/>
-            <a:ext cx="792088" cy="2215991"/>
-          </a:xfrm>
-          <a:prstGeom prst="rect">
-            <a:avLst/>
-          </a:prstGeom>
-          <a:noFill/>
-        </p:spPr>
-        <p:txBody>
-          <a:bodyPr wrap="square" rtlCol="0">
-            <a:spAutoFit/>
-          </a:bodyPr>
-          <a:lstStyle/>
-          <a:p>
-            <a:pPr algn="ctr"/>
-            <a:r>
-              <a:rPr lang="en-GB" sz="13800" b="1" dirty="0" smtClean="0">
-                <a:latin typeface="Comic Sans MS" panose="030F0702030302020204" pitchFamily="66" charset="0"/>
-              </a:rPr>
-              <a:t>?</a:t>
-            </a:r>
-            <a:endParaRPr lang="en-GB" sz="13800" b="1" dirty="0">
-              <a:latin typeface="Comic Sans MS" panose="030F0702030302020204" pitchFamily="66" charset="0"/>
-            </a:endParaRPr>
-          </a:p>
-        </p:txBody>
-      </p:sp>
-    </p:spTree>
-    <p:extLst>
-      <p:ext uri="{BB962C8B-B14F-4D97-AF65-F5344CB8AC3E}">
-        <p14:creationId xmlns="" xmlns:p14="http://schemas.microsoft.com/office/powerpoint/2010/main" val="2946536019"/>
-      </p:ext>
-    </p:extLst>
-  </p:cSld>
-  <p:clrMapOvr>
-    <a:masterClrMapping/>
-  </p:clrMapOvr>
-  <p:timing>
-    <p:tnLst>
-      <p:par>
-        <p:cTn id="1" dur="indefinite" restart="never" nodeType="tmRoot"/>
-      </p:par>
-    </p:tnLst>
-  </p:timing>
-</p:sld>
-</file>
-
-<file path=ppt/slides/slide2.xml><?xml version="1.0" encoding="utf-8"?>
-<p:sld xmlns:a="http://schemas.openxmlformats.org/drawingml/2006/main" xmlns:r="http://schemas.openxmlformats.org/officeDocument/2006/relationships" xmlns:p="http://schemas.openxmlformats.org/presentationml/2006/main">
-  <p:cSld>
-    <p:spTree>
-      <p:nvGrpSpPr>
-        <p:cNvPr id="1" name=""/>
-        <p:cNvGrpSpPr/>
-        <p:nvPr/>
-      </p:nvGrpSpPr>
-      <p:grpSpPr>
-        <a:xfrm>
-          <a:off x="0" y="0"/>
-          <a:ext cx="0" cy="0"/>
-          <a:chOff x="0" y="0"/>
-          <a:chExt cx="0" cy="0"/>
-        </a:xfrm>
-      </p:grpSpPr>
-      <p:sp>
-        <p:nvSpPr>
           <p:cNvPr id="2" name="TextBox 1"/>
           <p:cNvSpPr txBox="1"/>
           <p:nvPr/>
@@ -3958,1205 +3917,7 @@
 </p:sld>
 </file>
 
-<file path=ppt/slides/slide3.xml><?xml version="1.0" encoding="utf-8"?>
-<p:sld xmlns:a="http://schemas.openxmlformats.org/drawingml/2006/main" xmlns:r="http://schemas.openxmlformats.org/officeDocument/2006/relationships" xmlns:p="http://schemas.openxmlformats.org/presentationml/2006/main">
-  <p:cSld>
-    <p:spTree>
-      <p:nvGrpSpPr>
-        <p:cNvPr id="1" name=""/>
-        <p:cNvGrpSpPr/>
-        <p:nvPr/>
-      </p:nvGrpSpPr>
-      <p:grpSpPr>
-        <a:xfrm>
-          <a:off x="0" y="0"/>
-          <a:ext cx="0" cy="0"/>
-          <a:chOff x="0" y="0"/>
-          <a:chExt cx="0" cy="0"/>
-        </a:xfrm>
-      </p:grpSpPr>
-      <p:sp>
-        <p:nvSpPr>
-          <p:cNvPr id="2" name="TextBox 1"/>
-          <p:cNvSpPr txBox="1"/>
-          <p:nvPr/>
-        </p:nvSpPr>
-        <p:spPr>
-          <a:xfrm>
-            <a:off x="0" y="1556792"/>
-            <a:ext cx="9252520" cy="2554545"/>
-          </a:xfrm>
-          <a:prstGeom prst="rect">
-            <a:avLst/>
-          </a:prstGeom>
-          <a:noFill/>
-        </p:spPr>
-        <p:txBody>
-          <a:bodyPr wrap="square" rtlCol="0">
-            <a:spAutoFit/>
-          </a:bodyPr>
-          <a:lstStyle/>
-          <a:p>
-            <a:r>
-              <a:rPr lang="en-GB" sz="4000" b="1" dirty="0" smtClean="0">
-                <a:solidFill>
-                  <a:srgbClr val="FF0000"/>
-                </a:solidFill>
-                <a:latin typeface="Comic Sans MS" panose="030F0702030302020204" pitchFamily="66" charset="0"/>
-              </a:rPr>
-              <a:t>A credit card is </a:t>
-            </a:r>
-            <a:r>
-              <a:rPr lang="en-GB" sz="4000" dirty="0">
-                <a:latin typeface="Comic Sans MS" panose="030F0702030302020204" pitchFamily="66" charset="0"/>
-              </a:rPr>
-              <a:t>a small plastic card issued by a bank, </a:t>
-            </a:r>
-            <a:r>
-              <a:rPr lang="en-GB" sz="4000" dirty="0" smtClean="0">
-                <a:latin typeface="Comic Sans MS" panose="030F0702030302020204" pitchFamily="66" charset="0"/>
-              </a:rPr>
-              <a:t>business, etc.  </a:t>
-            </a:r>
-            <a:r>
-              <a:rPr lang="en-GB" sz="4000" dirty="0">
-                <a:latin typeface="Comic Sans MS" panose="030F0702030302020204" pitchFamily="66" charset="0"/>
-              </a:rPr>
-              <a:t>allowing the holder to purchase goods or services on credit.</a:t>
-            </a:r>
-          </a:p>
-        </p:txBody>
-      </p:sp>
-    </p:spTree>
-    <p:extLst>
-      <p:ext uri="{BB962C8B-B14F-4D97-AF65-F5344CB8AC3E}">
-        <p14:creationId xmlns="" xmlns:p14="http://schemas.microsoft.com/office/powerpoint/2010/main" val="509015518"/>
-      </p:ext>
-    </p:extLst>
-  </p:cSld>
-  <p:clrMapOvr>
-    <a:masterClrMapping/>
-  </p:clrMapOvr>
-  <p:timing>
-    <p:tnLst>
-      <p:par>
-        <p:cTn id="1" dur="indefinite" restart="never" nodeType="tmRoot"/>
-      </p:par>
-    </p:tnLst>
-  </p:timing>
-</p:sld>
-</file>
-
-<file path=ppt/slides/slide4.xml><?xml version="1.0" encoding="utf-8"?>
-<p:sld xmlns:a="http://schemas.openxmlformats.org/drawingml/2006/main" xmlns:r="http://schemas.openxmlformats.org/officeDocument/2006/relationships" xmlns:p="http://schemas.openxmlformats.org/presentationml/2006/main">
-  <p:cSld>
-    <p:spTree>
-      <p:nvGrpSpPr>
-        <p:cNvPr id="1" name=""/>
-        <p:cNvGrpSpPr/>
-        <p:nvPr/>
-      </p:nvGrpSpPr>
-      <p:grpSpPr>
-        <a:xfrm>
-          <a:off x="0" y="0"/>
-          <a:ext cx="0" cy="0"/>
-          <a:chOff x="0" y="0"/>
-          <a:chExt cx="0" cy="0"/>
-        </a:xfrm>
-      </p:grpSpPr>
-      <p:sp>
-        <p:nvSpPr>
-          <p:cNvPr id="2" name="TextBox 1"/>
-          <p:cNvSpPr txBox="1"/>
-          <p:nvPr/>
-        </p:nvSpPr>
-        <p:spPr>
-          <a:xfrm>
-            <a:off x="-26996" y="2420888"/>
-            <a:ext cx="9144000" cy="1938992"/>
-          </a:xfrm>
-          <a:prstGeom prst="rect">
-            <a:avLst/>
-          </a:prstGeom>
-          <a:noFill/>
-        </p:spPr>
-        <p:txBody>
-          <a:bodyPr wrap="square" rtlCol="0">
-            <a:spAutoFit/>
-          </a:bodyPr>
-          <a:lstStyle/>
-          <a:p>
-            <a:pPr algn="ctr"/>
-            <a:r>
-              <a:rPr lang="en-GB" sz="4000" b="1" dirty="0" smtClean="0">
-                <a:solidFill>
-                  <a:srgbClr val="FF0000"/>
-                </a:solidFill>
-                <a:latin typeface="Comic Sans MS" panose="030F0702030302020204" pitchFamily="66" charset="0"/>
-              </a:rPr>
-              <a:t>APR stands for…</a:t>
-            </a:r>
-          </a:p>
-          <a:p>
-            <a:pPr algn="ctr"/>
-            <a:r>
-              <a:rPr lang="en-GB" sz="3600" b="1" dirty="0" smtClean="0">
-                <a:latin typeface="Comic Sans MS" panose="030F0702030302020204" pitchFamily="66" charset="0"/>
-              </a:rPr>
-              <a:t>(Complete this sentence) </a:t>
-            </a:r>
-          </a:p>
-          <a:p>
-            <a:pPr algn="ctr"/>
-            <a:r>
-              <a:rPr lang="en-GB" sz="4000" b="1" dirty="0" smtClean="0">
-                <a:solidFill>
-                  <a:srgbClr val="FF0000"/>
-                </a:solidFill>
-                <a:latin typeface="Comic Sans MS" panose="030F0702030302020204" pitchFamily="66" charset="0"/>
-              </a:rPr>
-              <a:t> </a:t>
-            </a:r>
-            <a:endParaRPr lang="en-GB" sz="4000" b="1" dirty="0">
-              <a:solidFill>
-                <a:srgbClr val="FF0000"/>
-              </a:solidFill>
-              <a:latin typeface="Comic Sans MS" panose="030F0702030302020204" pitchFamily="66" charset="0"/>
-            </a:endParaRPr>
-          </a:p>
-        </p:txBody>
-      </p:sp>
-    </p:spTree>
-    <p:extLst>
-      <p:ext uri="{BB962C8B-B14F-4D97-AF65-F5344CB8AC3E}">
-        <p14:creationId xmlns="" xmlns:p14="http://schemas.microsoft.com/office/powerpoint/2010/main" val="1087716692"/>
-      </p:ext>
-    </p:extLst>
-  </p:cSld>
-  <p:clrMapOvr>
-    <a:masterClrMapping/>
-  </p:clrMapOvr>
-  <p:timing>
-    <p:tnLst>
-      <p:par>
-        <p:cTn id="1" dur="indefinite" restart="never" nodeType="tmRoot"/>
-      </p:par>
-    </p:tnLst>
-  </p:timing>
-</p:sld>
-</file>
-
-<file path=ppt/slides/slide5.xml><?xml version="1.0" encoding="utf-8"?>
-<p:sld xmlns:a="http://schemas.openxmlformats.org/drawingml/2006/main" xmlns:r="http://schemas.openxmlformats.org/officeDocument/2006/relationships" xmlns:p="http://schemas.openxmlformats.org/presentationml/2006/main">
-  <p:cSld>
-    <p:spTree>
-      <p:nvGrpSpPr>
-        <p:cNvPr id="1" name=""/>
-        <p:cNvGrpSpPr/>
-        <p:nvPr/>
-      </p:nvGrpSpPr>
-      <p:grpSpPr>
-        <a:xfrm>
-          <a:off x="0" y="0"/>
-          <a:ext cx="0" cy="0"/>
-          <a:chOff x="0" y="0"/>
-          <a:chExt cx="0" cy="0"/>
-        </a:xfrm>
-      </p:grpSpPr>
-      <p:sp>
-        <p:nvSpPr>
-          <p:cNvPr id="2" name="TextBox 1"/>
-          <p:cNvSpPr txBox="1"/>
-          <p:nvPr/>
-        </p:nvSpPr>
-        <p:spPr>
-          <a:xfrm>
-            <a:off x="-26996" y="2060848"/>
-            <a:ext cx="9144000" cy="3170099"/>
-          </a:xfrm>
-          <a:prstGeom prst="rect">
-            <a:avLst/>
-          </a:prstGeom>
-          <a:noFill/>
-        </p:spPr>
-        <p:txBody>
-          <a:bodyPr wrap="square" rtlCol="0">
-            <a:spAutoFit/>
-          </a:bodyPr>
-          <a:lstStyle/>
-          <a:p>
-            <a:pPr algn="ctr"/>
-            <a:r>
-              <a:rPr lang="en-GB" sz="4000" b="1" dirty="0" smtClean="0">
-                <a:solidFill>
-                  <a:srgbClr val="FF0000"/>
-                </a:solidFill>
-                <a:latin typeface="Comic Sans MS" panose="030F0702030302020204" pitchFamily="66" charset="0"/>
-              </a:rPr>
-              <a:t>APR stands for </a:t>
-            </a:r>
-            <a:r>
-              <a:rPr lang="en-GB" sz="4000" dirty="0" smtClean="0">
-                <a:latin typeface="Comic Sans MS" panose="030F0702030302020204" pitchFamily="66" charset="0"/>
-              </a:rPr>
-              <a:t>Annual Percentage Rate. APR means the total amount a loan will cost across a one year period. Expressed as a single percentage. </a:t>
-            </a:r>
-            <a:endParaRPr lang="en-GB" sz="4000" b="1" dirty="0">
-              <a:solidFill>
-                <a:srgbClr val="FF0000"/>
-              </a:solidFill>
-              <a:latin typeface="Comic Sans MS" panose="030F0702030302020204" pitchFamily="66" charset="0"/>
-            </a:endParaRPr>
-          </a:p>
-        </p:txBody>
-      </p:sp>
-    </p:spTree>
-    <p:extLst>
-      <p:ext uri="{BB962C8B-B14F-4D97-AF65-F5344CB8AC3E}">
-        <p14:creationId xmlns="" xmlns:p14="http://schemas.microsoft.com/office/powerpoint/2010/main" val="2796773158"/>
-      </p:ext>
-    </p:extLst>
-  </p:cSld>
-  <p:clrMapOvr>
-    <a:masterClrMapping/>
-  </p:clrMapOvr>
-  <p:timing>
-    <p:tnLst>
-      <p:par>
-        <p:cTn id="1" dur="indefinite" restart="never" nodeType="tmRoot"/>
-      </p:par>
-    </p:tnLst>
-  </p:timing>
-</p:sld>
-</file>
-
-<file path=ppt/slides/slide6.xml><?xml version="1.0" encoding="utf-8"?>
-<p:sld xmlns:a="http://schemas.openxmlformats.org/drawingml/2006/main" xmlns:r="http://schemas.openxmlformats.org/officeDocument/2006/relationships" xmlns:p="http://schemas.openxmlformats.org/presentationml/2006/main">
-  <p:cSld>
-    <p:spTree>
-      <p:nvGrpSpPr>
-        <p:cNvPr id="1" name=""/>
-        <p:cNvGrpSpPr/>
-        <p:nvPr/>
-      </p:nvGrpSpPr>
-      <p:grpSpPr>
-        <a:xfrm>
-          <a:off x="0" y="0"/>
-          <a:ext cx="0" cy="0"/>
-          <a:chOff x="0" y="0"/>
-          <a:chExt cx="0" cy="0"/>
-        </a:xfrm>
-      </p:grpSpPr>
-      <p:cxnSp>
-        <p:nvCxnSpPr>
-          <p:cNvPr id="3" name="Straight Connector 2"/>
-          <p:cNvCxnSpPr/>
-          <p:nvPr/>
-        </p:nvCxnSpPr>
-        <p:spPr>
-          <a:xfrm>
-            <a:off x="3131840" y="0"/>
-            <a:ext cx="0" cy="4293096"/>
-          </a:xfrm>
-          <a:prstGeom prst="line">
-            <a:avLst/>
-          </a:prstGeom>
-          <a:ln w="63500">
-            <a:solidFill>
-              <a:schemeClr val="tx1"/>
-            </a:solidFill>
-          </a:ln>
-        </p:spPr>
-        <p:style>
-          <a:lnRef idx="1">
-            <a:schemeClr val="accent1"/>
-          </a:lnRef>
-          <a:fillRef idx="0">
-            <a:schemeClr val="accent1"/>
-          </a:fillRef>
-          <a:effectRef idx="0">
-            <a:schemeClr val="accent1"/>
-          </a:effectRef>
-          <a:fontRef idx="minor">
-            <a:schemeClr val="tx1"/>
-          </a:fontRef>
-        </p:style>
-      </p:cxnSp>
-      <p:cxnSp>
-        <p:nvCxnSpPr>
-          <p:cNvPr id="5" name="Straight Connector 4"/>
-          <p:cNvCxnSpPr/>
-          <p:nvPr/>
-        </p:nvCxnSpPr>
-        <p:spPr>
-          <a:xfrm>
-            <a:off x="6156176" y="0"/>
-            <a:ext cx="0" cy="4293096"/>
-          </a:xfrm>
-          <a:prstGeom prst="line">
-            <a:avLst/>
-          </a:prstGeom>
-          <a:ln w="63500">
-            <a:solidFill>
-              <a:schemeClr val="tx1"/>
-            </a:solidFill>
-          </a:ln>
-        </p:spPr>
-        <p:style>
-          <a:lnRef idx="1">
-            <a:schemeClr val="accent1"/>
-          </a:lnRef>
-          <a:fillRef idx="0">
-            <a:schemeClr val="accent1"/>
-          </a:fillRef>
-          <a:effectRef idx="0">
-            <a:schemeClr val="accent1"/>
-          </a:effectRef>
-          <a:fontRef idx="minor">
-            <a:schemeClr val="tx1"/>
-          </a:fontRef>
-        </p:style>
-      </p:cxnSp>
-      <p:sp>
-        <p:nvSpPr>
-          <p:cNvPr id="6" name="TextBox 5"/>
-          <p:cNvSpPr txBox="1"/>
-          <p:nvPr/>
-        </p:nvSpPr>
-        <p:spPr>
-          <a:xfrm>
-            <a:off x="0" y="207496"/>
-            <a:ext cx="3131840" cy="400110"/>
-          </a:xfrm>
-          <a:prstGeom prst="rect">
-            <a:avLst/>
-          </a:prstGeom>
-          <a:noFill/>
-        </p:spPr>
-        <p:txBody>
-          <a:bodyPr wrap="square" rtlCol="0">
-            <a:spAutoFit/>
-          </a:bodyPr>
-          <a:lstStyle/>
-          <a:p>
-            <a:pPr algn="ctr"/>
-            <a:r>
-              <a:rPr lang="en-GB" sz="2000" b="1" u="sng" dirty="0" smtClean="0">
-                <a:solidFill>
-                  <a:srgbClr val="FF0000"/>
-                </a:solidFill>
-                <a:latin typeface="Comic Sans MS" panose="030F0702030302020204" pitchFamily="66" charset="0"/>
-              </a:rPr>
-              <a:t>Card 1 </a:t>
-            </a:r>
-            <a:endParaRPr lang="en-GB" sz="2000" b="1" u="sng" dirty="0">
-              <a:solidFill>
-                <a:srgbClr val="FF0000"/>
-              </a:solidFill>
-              <a:latin typeface="Comic Sans MS" panose="030F0702030302020204" pitchFamily="66" charset="0"/>
-            </a:endParaRPr>
-          </a:p>
-        </p:txBody>
-      </p:sp>
-      <p:sp>
-        <p:nvSpPr>
-          <p:cNvPr id="7" name="TextBox 6"/>
-          <p:cNvSpPr txBox="1"/>
-          <p:nvPr/>
-        </p:nvSpPr>
-        <p:spPr>
-          <a:xfrm>
-            <a:off x="3131840" y="225907"/>
-            <a:ext cx="3024336" cy="400110"/>
-          </a:xfrm>
-          <a:prstGeom prst="rect">
-            <a:avLst/>
-          </a:prstGeom>
-          <a:noFill/>
-        </p:spPr>
-        <p:txBody>
-          <a:bodyPr wrap="square" rtlCol="0">
-            <a:spAutoFit/>
-          </a:bodyPr>
-          <a:lstStyle/>
-          <a:p>
-            <a:pPr algn="ctr"/>
-            <a:r>
-              <a:rPr lang="en-GB" sz="2000" b="1" u="sng" dirty="0" smtClean="0">
-                <a:solidFill>
-                  <a:srgbClr val="FF0000"/>
-                </a:solidFill>
-                <a:latin typeface="Comic Sans MS" panose="030F0702030302020204" pitchFamily="66" charset="0"/>
-              </a:rPr>
-              <a:t>Card 2 </a:t>
-            </a:r>
-            <a:endParaRPr lang="en-GB" sz="2000" b="1" u="sng" dirty="0">
-              <a:solidFill>
-                <a:srgbClr val="FF0000"/>
-              </a:solidFill>
-              <a:latin typeface="Comic Sans MS" panose="030F0702030302020204" pitchFamily="66" charset="0"/>
-            </a:endParaRPr>
-          </a:p>
-        </p:txBody>
-      </p:sp>
-      <p:sp>
-        <p:nvSpPr>
-          <p:cNvPr id="8" name="TextBox 7"/>
-          <p:cNvSpPr txBox="1"/>
-          <p:nvPr/>
-        </p:nvSpPr>
-        <p:spPr>
-          <a:xfrm>
-            <a:off x="6288004" y="244318"/>
-            <a:ext cx="2855996" cy="400110"/>
-          </a:xfrm>
-          <a:prstGeom prst="rect">
-            <a:avLst/>
-          </a:prstGeom>
-          <a:noFill/>
-        </p:spPr>
-        <p:txBody>
-          <a:bodyPr wrap="square" rtlCol="0">
-            <a:spAutoFit/>
-          </a:bodyPr>
-          <a:lstStyle/>
-          <a:p>
-            <a:pPr algn="ctr"/>
-            <a:r>
-              <a:rPr lang="en-GB" sz="2000" b="1" u="sng" dirty="0" smtClean="0">
-                <a:solidFill>
-                  <a:srgbClr val="FF0000"/>
-                </a:solidFill>
-                <a:latin typeface="Comic Sans MS" panose="030F0702030302020204" pitchFamily="66" charset="0"/>
-              </a:rPr>
-              <a:t>Card 3</a:t>
-            </a:r>
-            <a:endParaRPr lang="en-GB" sz="2000" b="1" u="sng" dirty="0">
-              <a:solidFill>
-                <a:srgbClr val="FF0000"/>
-              </a:solidFill>
-              <a:latin typeface="Comic Sans MS" panose="030F0702030302020204" pitchFamily="66" charset="0"/>
-            </a:endParaRPr>
-          </a:p>
-        </p:txBody>
-      </p:sp>
-      <p:sp>
-        <p:nvSpPr>
-          <p:cNvPr id="9" name="Rectangle 8"/>
-          <p:cNvSpPr/>
-          <p:nvPr/>
-        </p:nvSpPr>
-        <p:spPr>
-          <a:xfrm>
-            <a:off x="0" y="36822"/>
-            <a:ext cx="9144000" cy="4256274"/>
-          </a:xfrm>
-          <a:prstGeom prst="rect">
-            <a:avLst/>
-          </a:prstGeom>
-          <a:noFill/>
-          <a:ln w="50800">
-            <a:solidFill>
-              <a:schemeClr val="tx1"/>
-            </a:solidFill>
-          </a:ln>
-        </p:spPr>
-        <p:style>
-          <a:lnRef idx="2">
-            <a:schemeClr val="accent1">
-              <a:shade val="50000"/>
-            </a:schemeClr>
-          </a:lnRef>
-          <a:fillRef idx="1">
-            <a:schemeClr val="accent1"/>
-          </a:fillRef>
-          <a:effectRef idx="0">
-            <a:schemeClr val="accent1"/>
-          </a:effectRef>
-          <a:fontRef idx="minor">
-            <a:schemeClr val="lt1"/>
-          </a:fontRef>
-        </p:style>
-        <p:txBody>
-          <a:bodyPr rtlCol="0" anchor="ctr"/>
-          <a:lstStyle/>
-          <a:p>
-            <a:pPr algn="ctr"/>
-            <a:endParaRPr lang="en-GB"/>
-          </a:p>
-        </p:txBody>
-      </p:sp>
-      <p:sp>
-        <p:nvSpPr>
-          <p:cNvPr id="12" name="TextBox 11"/>
-          <p:cNvSpPr txBox="1"/>
-          <p:nvPr/>
-        </p:nvSpPr>
-        <p:spPr>
-          <a:xfrm>
-            <a:off x="0" y="764704"/>
-            <a:ext cx="2843808" cy="2308324"/>
-          </a:xfrm>
-          <a:prstGeom prst="rect">
-            <a:avLst/>
-          </a:prstGeom>
-          <a:noFill/>
-        </p:spPr>
-        <p:txBody>
-          <a:bodyPr wrap="square" rtlCol="0">
-            <a:spAutoFit/>
-          </a:bodyPr>
-          <a:lstStyle/>
-          <a:p>
-            <a:pPr lvl="1" algn="ctr"/>
-            <a:r>
-              <a:rPr lang="en-GB" b="1" i="1" u="sng" dirty="0" smtClean="0">
-                <a:effectLst/>
-                <a:latin typeface="Comic Sans MS" panose="030F0702030302020204" pitchFamily="66" charset="0"/>
-              </a:rPr>
-              <a:t>Barclaycard </a:t>
-            </a:r>
-          </a:p>
-          <a:p>
-            <a:pPr lvl="1" algn="ctr"/>
-            <a:r>
-              <a:rPr lang="en-GB" b="1" i="1" u="sng" dirty="0" smtClean="0">
-                <a:effectLst/>
-                <a:latin typeface="Comic Sans MS" panose="030F0702030302020204" pitchFamily="66" charset="0"/>
-              </a:rPr>
-              <a:t>Platinum Credit Card </a:t>
-            </a:r>
-          </a:p>
-          <a:p>
-            <a:pPr lvl="1"/>
-            <a:endParaRPr lang="en-GB" b="1" i="1" dirty="0" smtClean="0">
-              <a:solidFill>
-                <a:srgbClr val="FF0000"/>
-              </a:solidFill>
-              <a:latin typeface="Comic Sans MS" panose="030F0702030302020204" pitchFamily="66" charset="0"/>
-            </a:endParaRPr>
-          </a:p>
-          <a:p>
-            <a:r>
-              <a:rPr lang="en-GB" b="1" i="1" dirty="0" smtClean="0">
-                <a:solidFill>
-                  <a:srgbClr val="FF0000"/>
-                </a:solidFill>
-                <a:latin typeface="Comic Sans MS" panose="030F0702030302020204" pitchFamily="66" charset="0"/>
-              </a:rPr>
-              <a:t>APR:  </a:t>
-            </a:r>
-            <a:r>
-              <a:rPr lang="en-GB" b="1" i="1" dirty="0" smtClean="0">
-                <a:latin typeface="Comic Sans MS" panose="030F0702030302020204" pitchFamily="66" charset="0"/>
-              </a:rPr>
-              <a:t>18.9%</a:t>
-            </a:r>
-            <a:endParaRPr lang="en-GB" b="1" i="1" dirty="0" smtClean="0">
-              <a:solidFill>
-                <a:srgbClr val="FF0000"/>
-              </a:solidFill>
-              <a:latin typeface="Comic Sans MS" panose="030F0702030302020204" pitchFamily="66" charset="0"/>
-            </a:endParaRPr>
-          </a:p>
-          <a:p>
-            <a:r>
-              <a:rPr lang="en-GB" b="1" i="1" dirty="0" smtClean="0">
-                <a:solidFill>
-                  <a:srgbClr val="FF0000"/>
-                </a:solidFill>
-                <a:latin typeface="Comic Sans MS" panose="030F0702030302020204" pitchFamily="66" charset="0"/>
-              </a:rPr>
-              <a:t> </a:t>
-            </a:r>
-          </a:p>
-          <a:p>
-            <a:r>
-              <a:rPr lang="en-GB" b="1" i="1" dirty="0" smtClean="0">
-                <a:solidFill>
-                  <a:srgbClr val="FF0000"/>
-                </a:solidFill>
-                <a:latin typeface="Comic Sans MS" panose="030F0702030302020204" pitchFamily="66" charset="0"/>
-              </a:rPr>
-              <a:t>Limit: </a:t>
-            </a:r>
-            <a:r>
-              <a:rPr lang="en-GB" b="1" i="1" dirty="0" smtClean="0">
-                <a:latin typeface="Comic Sans MS" panose="030F0702030302020204" pitchFamily="66" charset="0"/>
-              </a:rPr>
-              <a:t>£1,200 </a:t>
-            </a:r>
-            <a:endParaRPr lang="en-GB" b="1" i="1" dirty="0" smtClean="0">
-              <a:solidFill>
-                <a:srgbClr val="FF0000"/>
-              </a:solidFill>
-              <a:latin typeface="Comic Sans MS" panose="030F0702030302020204" pitchFamily="66" charset="0"/>
-            </a:endParaRPr>
-          </a:p>
-          <a:p>
-            <a:r>
-              <a:rPr lang="en-GB" dirty="0" smtClean="0"/>
-              <a:t> </a:t>
-            </a:r>
-            <a:endParaRPr lang="en-GB" dirty="0"/>
-          </a:p>
-        </p:txBody>
-      </p:sp>
-      <p:sp>
-        <p:nvSpPr>
-          <p:cNvPr id="13" name="Rectangle 12"/>
-          <p:cNvSpPr/>
-          <p:nvPr/>
-        </p:nvSpPr>
-        <p:spPr>
-          <a:xfrm>
-            <a:off x="3144002" y="764704"/>
-            <a:ext cx="2724142" cy="2031325"/>
-          </a:xfrm>
-          <a:prstGeom prst="rect">
-            <a:avLst/>
-          </a:prstGeom>
-        </p:spPr>
-        <p:txBody>
-          <a:bodyPr wrap="square">
-            <a:spAutoFit/>
-          </a:bodyPr>
-          <a:lstStyle/>
-          <a:p>
-            <a:pPr lvl="1" algn="ctr"/>
-            <a:r>
-              <a:rPr lang="en-GB" b="1" i="1" u="sng" dirty="0" smtClean="0">
-                <a:effectLst/>
-                <a:latin typeface="Comic Sans MS" panose="030F0702030302020204" pitchFamily="66" charset="0"/>
-              </a:rPr>
-              <a:t>Capital One </a:t>
-            </a:r>
-          </a:p>
-          <a:p>
-            <a:pPr lvl="1" algn="ctr"/>
-            <a:r>
-              <a:rPr lang="en-GB" b="1" i="1" u="sng" dirty="0" smtClean="0">
-                <a:effectLst/>
-                <a:latin typeface="Comic Sans MS" panose="030F0702030302020204" pitchFamily="66" charset="0"/>
-              </a:rPr>
-              <a:t>Classic Platinum</a:t>
-            </a:r>
-          </a:p>
-          <a:p>
-            <a:endParaRPr lang="en-GB" b="1" i="1" dirty="0" smtClean="0">
-              <a:solidFill>
-                <a:srgbClr val="FF0000"/>
-              </a:solidFill>
-              <a:latin typeface="Comic Sans MS" panose="030F0702030302020204" pitchFamily="66" charset="0"/>
-            </a:endParaRPr>
-          </a:p>
-          <a:p>
-            <a:endParaRPr lang="en-GB" b="1" i="1" dirty="0" smtClean="0">
-              <a:solidFill>
-                <a:srgbClr val="FF0000"/>
-              </a:solidFill>
-              <a:latin typeface="Comic Sans MS" panose="030F0702030302020204" pitchFamily="66" charset="0"/>
-            </a:endParaRPr>
-          </a:p>
-          <a:p>
-            <a:r>
-              <a:rPr lang="en-GB" b="1" i="1" dirty="0" smtClean="0">
-                <a:solidFill>
-                  <a:srgbClr val="FF0000"/>
-                </a:solidFill>
-                <a:latin typeface="Comic Sans MS" panose="030F0702030302020204" pitchFamily="66" charset="0"/>
-              </a:rPr>
-              <a:t>APR:   </a:t>
-            </a:r>
-            <a:r>
-              <a:rPr lang="en-GB" b="1" dirty="0" smtClean="0">
-                <a:effectLst/>
-                <a:latin typeface="Comic Sans MS" panose="030F0702030302020204" pitchFamily="66" charset="0"/>
-              </a:rPr>
-              <a:t>29.8%</a:t>
-            </a:r>
-            <a:endParaRPr lang="en-GB" b="1" i="1" dirty="0" smtClean="0">
-              <a:solidFill>
-                <a:srgbClr val="FF0000"/>
-              </a:solidFill>
-              <a:latin typeface="Comic Sans MS" panose="030F0702030302020204" pitchFamily="66" charset="0"/>
-            </a:endParaRPr>
-          </a:p>
-          <a:p>
-            <a:r>
-              <a:rPr lang="en-GB" b="1" i="1" dirty="0" smtClean="0">
-                <a:solidFill>
-                  <a:srgbClr val="FF0000"/>
-                </a:solidFill>
-                <a:latin typeface="Comic Sans MS" panose="030F0702030302020204" pitchFamily="66" charset="0"/>
-              </a:rPr>
-              <a:t> </a:t>
-            </a:r>
-          </a:p>
-          <a:p>
-            <a:r>
-              <a:rPr lang="en-GB" b="1" i="1" dirty="0" smtClean="0">
-                <a:solidFill>
-                  <a:srgbClr val="FF0000"/>
-                </a:solidFill>
-                <a:latin typeface="Comic Sans MS" panose="030F0702030302020204" pitchFamily="66" charset="0"/>
-              </a:rPr>
-              <a:t>Limit: </a:t>
-            </a:r>
-            <a:r>
-              <a:rPr lang="en-GB" b="1" i="1" dirty="0" smtClean="0">
-                <a:latin typeface="Comic Sans MS" panose="030F0702030302020204" pitchFamily="66" charset="0"/>
-              </a:rPr>
-              <a:t>£1,500</a:t>
-            </a:r>
-          </a:p>
-        </p:txBody>
-      </p:sp>
-      <p:sp>
-        <p:nvSpPr>
-          <p:cNvPr id="14" name="Rectangle 13"/>
-          <p:cNvSpPr/>
-          <p:nvPr/>
-        </p:nvSpPr>
-        <p:spPr>
-          <a:xfrm>
-            <a:off x="6156176" y="764704"/>
-            <a:ext cx="2808312" cy="2031325"/>
-          </a:xfrm>
-          <a:prstGeom prst="rect">
-            <a:avLst/>
-          </a:prstGeom>
-        </p:spPr>
-        <p:txBody>
-          <a:bodyPr wrap="square">
-            <a:spAutoFit/>
-          </a:bodyPr>
-          <a:lstStyle/>
-          <a:p>
-            <a:pPr algn="ctr"/>
-            <a:r>
-              <a:rPr lang="en-GB" b="1" i="1" u="sng" dirty="0" err="1" smtClean="0">
-                <a:effectLst/>
-                <a:latin typeface="Comic Sans MS" panose="030F0702030302020204" pitchFamily="66" charset="0"/>
-              </a:rPr>
-              <a:t>Vanquis</a:t>
-            </a:r>
-            <a:r>
-              <a:rPr lang="en-GB" b="1" i="1" u="sng" dirty="0" smtClean="0">
-                <a:effectLst/>
-                <a:latin typeface="Comic Sans MS" panose="030F0702030302020204" pitchFamily="66" charset="0"/>
-              </a:rPr>
-              <a:t> Visa Credit Card </a:t>
-            </a:r>
-            <a:r>
-              <a:rPr lang="en-GB" b="1" i="1" u="sng" dirty="0" smtClean="0">
-                <a:latin typeface="Comic Sans MS" panose="030F0702030302020204" pitchFamily="66" charset="0"/>
-              </a:rPr>
-              <a:t/>
-            </a:r>
-            <a:br>
-              <a:rPr lang="en-GB" b="1" i="1" u="sng" dirty="0" smtClean="0">
-                <a:latin typeface="Comic Sans MS" panose="030F0702030302020204" pitchFamily="66" charset="0"/>
-              </a:rPr>
-            </a:br>
-            <a:r>
-              <a:rPr lang="en-GB" b="1" i="1" u="sng" dirty="0" smtClean="0">
-                <a:latin typeface="Comic Sans MS" panose="030F0702030302020204" pitchFamily="66" charset="0"/>
-              </a:rPr>
-              <a:t/>
-            </a:r>
-            <a:br>
-              <a:rPr lang="en-GB" b="1" i="1" u="sng" dirty="0" smtClean="0">
-                <a:latin typeface="Comic Sans MS" panose="030F0702030302020204" pitchFamily="66" charset="0"/>
-              </a:rPr>
-            </a:br>
-            <a:endParaRPr lang="en-GB" b="1" i="1" u="sng" dirty="0" smtClean="0">
-              <a:solidFill>
-                <a:srgbClr val="FF0000"/>
-              </a:solidFill>
-              <a:latin typeface="Comic Sans MS" panose="030F0702030302020204" pitchFamily="66" charset="0"/>
-            </a:endParaRPr>
-          </a:p>
-          <a:p>
-            <a:r>
-              <a:rPr lang="en-GB" b="1" i="1" dirty="0" smtClean="0">
-                <a:solidFill>
-                  <a:srgbClr val="FF0000"/>
-                </a:solidFill>
-                <a:latin typeface="Comic Sans MS" panose="030F0702030302020204" pitchFamily="66" charset="0"/>
-              </a:rPr>
-              <a:t>APR:   </a:t>
-            </a:r>
-            <a:r>
-              <a:rPr lang="en-GB" b="1" i="1" dirty="0" smtClean="0">
-                <a:latin typeface="Comic Sans MS" panose="030F0702030302020204" pitchFamily="66" charset="0"/>
-              </a:rPr>
-              <a:t>39.9%</a:t>
-            </a:r>
-            <a:endParaRPr lang="en-GB" b="1" i="1" dirty="0" smtClean="0">
-              <a:solidFill>
-                <a:srgbClr val="FF0000"/>
-              </a:solidFill>
-              <a:latin typeface="Comic Sans MS" panose="030F0702030302020204" pitchFamily="66" charset="0"/>
-            </a:endParaRPr>
-          </a:p>
-          <a:p>
-            <a:r>
-              <a:rPr lang="en-GB" b="1" i="1" dirty="0" smtClean="0">
-                <a:solidFill>
-                  <a:srgbClr val="FF0000"/>
-                </a:solidFill>
-                <a:latin typeface="Comic Sans MS" panose="030F0702030302020204" pitchFamily="66" charset="0"/>
-              </a:rPr>
-              <a:t> </a:t>
-            </a:r>
-          </a:p>
-          <a:p>
-            <a:r>
-              <a:rPr lang="en-GB" b="1" i="1" dirty="0" smtClean="0">
-                <a:solidFill>
-                  <a:srgbClr val="FF0000"/>
-                </a:solidFill>
-                <a:latin typeface="Comic Sans MS" panose="030F0702030302020204" pitchFamily="66" charset="0"/>
-              </a:rPr>
-              <a:t>Limit: </a:t>
-            </a:r>
-            <a:r>
-              <a:rPr lang="en-GB" b="1" i="1" dirty="0" smtClean="0">
-                <a:latin typeface="Comic Sans MS" panose="030F0702030302020204" pitchFamily="66" charset="0"/>
-              </a:rPr>
-              <a:t>£3000</a:t>
-            </a:r>
-          </a:p>
-        </p:txBody>
-      </p:sp>
-      <p:pic>
-        <p:nvPicPr>
-          <p:cNvPr id="2050" name="Picture 2" descr="Barclaycard Platinum credit card"/>
-          <p:cNvPicPr>
-            <a:picLocks noChangeAspect="1" noChangeArrowheads="1"/>
-          </p:cNvPicPr>
-          <p:nvPr/>
-        </p:nvPicPr>
-        <p:blipFill>
-          <a:blip r:embed="rId2" cstate="print">
-            <a:extLst>
-              <a:ext uri="{28A0092B-C50C-407E-A947-70E740481C1C}">
-                <a14:useLocalDpi xmlns="" xmlns:a14="http://schemas.microsoft.com/office/drawing/2010/main" val="0"/>
-              </a:ext>
-            </a:extLst>
-          </a:blip>
-          <a:srcRect/>
-          <a:stretch>
-            <a:fillRect/>
-          </a:stretch>
-        </p:blipFill>
-        <p:spPr bwMode="auto">
-          <a:xfrm>
-            <a:off x="880723" y="3068960"/>
-            <a:ext cx="1370393" cy="867917"/>
-          </a:xfrm>
-          <a:prstGeom prst="rect">
-            <a:avLst/>
-          </a:prstGeom>
-          <a:noFill/>
-          <a:ln w="25400">
-            <a:solidFill>
-              <a:schemeClr val="tx1"/>
-            </a:solidFill>
-          </a:ln>
-          <a:extLst>
-            <a:ext uri="{909E8E84-426E-40DD-AFC4-6F175D3DCCD1}">
-              <a14:hiddenFill xmlns="" xmlns:a14="http://schemas.microsoft.com/office/drawing/2010/main">
-                <a:solidFill>
-                  <a:srgbClr val="FFFFFF"/>
-                </a:solidFill>
-              </a14:hiddenFill>
-            </a:ext>
-          </a:extLst>
-        </p:spPr>
-      </p:pic>
-      <p:pic>
-        <p:nvPicPr>
-          <p:cNvPr id="2052" name="Picture 4" descr="Classic Platinum"/>
-          <p:cNvPicPr>
-            <a:picLocks noChangeAspect="1" noChangeArrowheads="1"/>
-          </p:cNvPicPr>
-          <p:nvPr/>
-        </p:nvPicPr>
-        <p:blipFill>
-          <a:blip r:embed="rId3" cstate="print">
-            <a:extLst>
-              <a:ext uri="{28A0092B-C50C-407E-A947-70E740481C1C}">
-                <a14:useLocalDpi xmlns="" xmlns:a14="http://schemas.microsoft.com/office/drawing/2010/main" val="0"/>
-              </a:ext>
-            </a:extLst>
-          </a:blip>
-          <a:srcRect/>
-          <a:stretch>
-            <a:fillRect/>
-          </a:stretch>
-        </p:blipFill>
-        <p:spPr bwMode="auto">
-          <a:xfrm>
-            <a:off x="3710086" y="3000189"/>
-            <a:ext cx="1591974" cy="1005458"/>
-          </a:xfrm>
-          <a:prstGeom prst="rect">
-            <a:avLst/>
-          </a:prstGeom>
-          <a:noFill/>
-          <a:ln w="25400">
-            <a:noFill/>
-          </a:ln>
-          <a:extLst>
-            <a:ext uri="{909E8E84-426E-40DD-AFC4-6F175D3DCCD1}">
-              <a14:hiddenFill xmlns="" xmlns:a14="http://schemas.microsoft.com/office/drawing/2010/main">
-                <a:solidFill>
-                  <a:srgbClr val="FFFFFF"/>
-                </a:solidFill>
-              </a14:hiddenFill>
-            </a:ext>
-          </a:extLst>
-        </p:spPr>
-      </p:pic>
-      <p:pic>
-        <p:nvPicPr>
-          <p:cNvPr id="2054" name="Picture 6" descr="http://t3.gstatic.com/images?q=tbn:ANd9GcQtxmehf1X0m2Vto0SVOTXSii5eU9qqy_KdUxBK_cw8v7dTsDV5utd_yA">
-            <a:hlinkClick r:id="rId4"/>
-          </p:cNvPr>
-          <p:cNvPicPr>
-            <a:picLocks noChangeAspect="1" noChangeArrowheads="1"/>
-          </p:cNvPicPr>
-          <p:nvPr/>
-        </p:nvPicPr>
-        <p:blipFill>
-          <a:blip r:embed="rId5" cstate="print">
-            <a:extLst>
-              <a:ext uri="{28A0092B-C50C-407E-A947-70E740481C1C}">
-                <a14:useLocalDpi xmlns="" xmlns:a14="http://schemas.microsoft.com/office/drawing/2010/main" val="0"/>
-              </a:ext>
-            </a:extLst>
-          </a:blip>
-          <a:srcRect/>
-          <a:stretch>
-            <a:fillRect/>
-          </a:stretch>
-        </p:blipFill>
-        <p:spPr bwMode="auto">
-          <a:xfrm>
-            <a:off x="6875899" y="3068960"/>
-            <a:ext cx="1368866" cy="863849"/>
-          </a:xfrm>
-          <a:prstGeom prst="rect">
-            <a:avLst/>
-          </a:prstGeom>
-          <a:noFill/>
-          <a:extLst>
-            <a:ext uri="{909E8E84-426E-40DD-AFC4-6F175D3DCCD1}">
-              <a14:hiddenFill xmlns="" xmlns:a14="http://schemas.microsoft.com/office/drawing/2010/main">
-                <a:solidFill>
-                  <a:srgbClr val="FFFFFF"/>
-                </a:solidFill>
-              </a14:hiddenFill>
-            </a:ext>
-          </a:extLst>
-        </p:spPr>
-      </p:pic>
-      <p:sp>
-        <p:nvSpPr>
-          <p:cNvPr id="15" name="TextBox 14"/>
-          <p:cNvSpPr txBox="1"/>
-          <p:nvPr/>
-        </p:nvSpPr>
-        <p:spPr>
-          <a:xfrm>
-            <a:off x="0" y="4327198"/>
-            <a:ext cx="9144000" cy="2308324"/>
-          </a:xfrm>
-          <a:prstGeom prst="rect">
-            <a:avLst/>
-          </a:prstGeom>
-          <a:noFill/>
-        </p:spPr>
-        <p:txBody>
-          <a:bodyPr wrap="square" rtlCol="0">
-            <a:spAutoFit/>
-          </a:bodyPr>
-          <a:lstStyle/>
-          <a:p>
-            <a:pPr algn="ctr"/>
-            <a:r>
-              <a:rPr lang="en-GB" b="1" u="sng" dirty="0" smtClean="0">
-                <a:latin typeface="Comic Sans MS" panose="030F0702030302020204" pitchFamily="66" charset="0"/>
-              </a:rPr>
-              <a:t>Your task </a:t>
-            </a:r>
-          </a:p>
-          <a:p>
-            <a:endParaRPr lang="en-GB" b="1" dirty="0">
-              <a:latin typeface="Comic Sans MS" panose="030F0702030302020204" pitchFamily="66" charset="0"/>
-            </a:endParaRPr>
-          </a:p>
-          <a:p>
-            <a:r>
-              <a:rPr lang="en-GB" b="1" dirty="0" smtClean="0">
-                <a:solidFill>
-                  <a:srgbClr val="FF0000"/>
-                </a:solidFill>
-                <a:latin typeface="Comic Sans MS" panose="030F0702030302020204" pitchFamily="66" charset="0"/>
-              </a:rPr>
-              <a:t>On each credit card you have </a:t>
-            </a:r>
-            <a:r>
-              <a:rPr lang="en-GB" b="1" dirty="0" smtClean="0">
-                <a:solidFill>
-                  <a:srgbClr val="FF0000"/>
-                </a:solidFill>
-                <a:latin typeface="Comic Sans MS" panose="030F0702030302020204" pitchFamily="66" charset="0"/>
-              </a:rPr>
-              <a:t>to borrow </a:t>
-            </a:r>
-            <a:r>
-              <a:rPr lang="en-GB" b="1" dirty="0" smtClean="0">
-                <a:solidFill>
-                  <a:srgbClr val="FF0000"/>
-                </a:solidFill>
-                <a:latin typeface="Comic Sans MS" panose="030F0702030302020204" pitchFamily="66" charset="0"/>
-              </a:rPr>
-              <a:t>£1200 .</a:t>
-            </a:r>
-          </a:p>
-          <a:p>
-            <a:r>
-              <a:rPr lang="en-GB" b="1" dirty="0" smtClean="0">
-                <a:solidFill>
-                  <a:srgbClr val="FF0000"/>
-                </a:solidFill>
-                <a:latin typeface="Comic Sans MS" panose="030F0702030302020204" pitchFamily="66" charset="0"/>
-              </a:rPr>
-              <a:t>you need to work how much you will need to repay over: </a:t>
-            </a:r>
-          </a:p>
-          <a:p>
-            <a:pPr marL="285750" indent="-285750" algn="ctr">
-              <a:buFont typeface="Arial" panose="020B0604020202020204" pitchFamily="34" charset="0"/>
-              <a:buChar char="•"/>
-            </a:pPr>
-            <a:r>
-              <a:rPr lang="en-GB" b="1" dirty="0">
-                <a:latin typeface="Comic Sans MS" panose="030F0702030302020204" pitchFamily="66" charset="0"/>
-              </a:rPr>
-              <a:t> </a:t>
-            </a:r>
-            <a:r>
-              <a:rPr lang="en-GB" b="1" dirty="0" smtClean="0">
-                <a:latin typeface="Comic Sans MS" panose="030F0702030302020204" pitchFamily="66" charset="0"/>
-              </a:rPr>
-              <a:t>1 years</a:t>
-            </a:r>
-          </a:p>
-          <a:p>
-            <a:pPr marL="285750" indent="-285750" algn="ctr">
-              <a:buFont typeface="Arial" panose="020B0604020202020204" pitchFamily="34" charset="0"/>
-              <a:buChar char="•"/>
-            </a:pPr>
-            <a:r>
-              <a:rPr lang="en-GB" b="1" dirty="0">
-                <a:latin typeface="Comic Sans MS" panose="030F0702030302020204" pitchFamily="66" charset="0"/>
-              </a:rPr>
-              <a:t> </a:t>
-            </a:r>
-            <a:r>
-              <a:rPr lang="en-GB" b="1" dirty="0" smtClean="0">
-                <a:latin typeface="Comic Sans MS" panose="030F0702030302020204" pitchFamily="66" charset="0"/>
-              </a:rPr>
-              <a:t>3 years</a:t>
-            </a:r>
-          </a:p>
-          <a:p>
-            <a:pPr marL="285750" indent="-285750" algn="ctr">
-              <a:buFont typeface="Arial" panose="020B0604020202020204" pitchFamily="34" charset="0"/>
-              <a:buChar char="•"/>
-            </a:pPr>
-            <a:r>
-              <a:rPr lang="en-GB" b="1" dirty="0">
-                <a:latin typeface="Comic Sans MS" panose="030F0702030302020204" pitchFamily="66" charset="0"/>
-              </a:rPr>
-              <a:t> </a:t>
-            </a:r>
-            <a:r>
-              <a:rPr lang="en-GB" b="1" dirty="0" smtClean="0">
-                <a:latin typeface="Comic Sans MS" panose="030F0702030302020204" pitchFamily="66" charset="0"/>
-              </a:rPr>
-              <a:t>5 years </a:t>
-            </a:r>
-          </a:p>
-          <a:p>
-            <a:pPr algn="r"/>
-            <a:r>
-              <a:rPr lang="en-GB" b="1" dirty="0" smtClean="0">
-                <a:latin typeface="Comic Sans MS" panose="030F0702030302020204" pitchFamily="66" charset="0"/>
-              </a:rPr>
-              <a:t>(Hint remember APR!) </a:t>
-            </a:r>
-            <a:endParaRPr lang="en-GB" b="1" dirty="0">
-              <a:latin typeface="Comic Sans MS" panose="030F0702030302020204" pitchFamily="66" charset="0"/>
-            </a:endParaRPr>
-          </a:p>
-        </p:txBody>
-      </p:sp>
-      <p:sp>
-        <p:nvSpPr>
-          <p:cNvPr id="16" name="TextBox 15"/>
-          <p:cNvSpPr txBox="1"/>
-          <p:nvPr/>
-        </p:nvSpPr>
-        <p:spPr>
-          <a:xfrm>
-            <a:off x="6876256" y="4653136"/>
-            <a:ext cx="2088232" cy="830997"/>
-          </a:xfrm>
-          <a:prstGeom prst="rect">
-            <a:avLst/>
-          </a:prstGeom>
-          <a:noFill/>
-        </p:spPr>
-        <p:txBody>
-          <a:bodyPr wrap="square" rtlCol="0">
-            <a:spAutoFit/>
-          </a:bodyPr>
-          <a:lstStyle/>
-          <a:p>
-            <a:r>
-              <a:rPr lang="en-GB" sz="2400" dirty="0" smtClean="0"/>
-              <a:t>Enter Answers on Next Slide</a:t>
-            </a:r>
-            <a:endParaRPr lang="en-GB" sz="2400" dirty="0"/>
-          </a:p>
-        </p:txBody>
-      </p:sp>
-    </p:spTree>
-    <p:extLst>
-      <p:ext uri="{BB962C8B-B14F-4D97-AF65-F5344CB8AC3E}">
-        <p14:creationId xmlns="" xmlns:p14="http://schemas.microsoft.com/office/powerpoint/2010/main" val="1406374480"/>
-      </p:ext>
-    </p:extLst>
-  </p:cSld>
-  <p:clrMapOvr>
-    <a:masterClrMapping/>
-  </p:clrMapOvr>
-  <p:timing>
-    <p:tnLst>
-      <p:par>
-        <p:cTn id="1" dur="indefinite" restart="never" nodeType="tmRoot"/>
-      </p:par>
-    </p:tnLst>
-  </p:timing>
-</p:sld>
-</file>
-
-<file path=ppt/slides/slide7.xml><?xml version="1.0" encoding="utf-8"?>
+<file path=ppt/slides/slide10.xml><?xml version="1.0" encoding="utf-8"?>
 <p:sld xmlns:a="http://schemas.openxmlformats.org/drawingml/2006/main" xmlns:r="http://schemas.openxmlformats.org/officeDocument/2006/relationships" xmlns:p="http://schemas.openxmlformats.org/presentationml/2006/main">
   <p:cSld>
     <p:spTree>
@@ -5474,15 +4235,52 @@
           </a:graphicData>
         </a:graphic>
       </p:graphicFrame>
+      <p:sp>
+        <p:nvSpPr>
+          <p:cNvPr id="3" name="TextBox 2"/>
+          <p:cNvSpPr txBox="1"/>
+          <p:nvPr/>
+        </p:nvSpPr>
+        <p:spPr>
+          <a:xfrm>
+            <a:off x="251520" y="6021288"/>
+            <a:ext cx="8424936" cy="461665"/>
+          </a:xfrm>
+          <a:prstGeom prst="rect">
+            <a:avLst/>
+          </a:prstGeom>
+          <a:noFill/>
+        </p:spPr>
+        <p:txBody>
+          <a:bodyPr wrap="square" rtlCol="0">
+            <a:spAutoFit/>
+          </a:bodyPr>
+          <a:lstStyle/>
+          <a:p>
+            <a:r>
+              <a:rPr lang="en-GB" sz="2400" dirty="0" smtClean="0"/>
+              <a:t>1 Year = 12 months      3 Years = 36 months    5 Years = 60 months</a:t>
+            </a:r>
+            <a:endParaRPr lang="en-GB" sz="2400" dirty="0"/>
+          </a:p>
+        </p:txBody>
+      </p:sp>
     </p:spTree>
   </p:cSld>
   <p:clrMapOvr>
     <a:masterClrMapping/>
   </p:clrMapOvr>
+  <p:timing>
+    <p:tnLst>
+      <p:par>
+        <p:cTn id="1" dur="indefinite" restart="never" nodeType="tmRoot"/>
+      </p:par>
+    </p:tnLst>
+  </p:timing>
 </p:sld>
 </file>
 
-<file path=ppt/slides/slide8.xml><?xml version="1.0" encoding="utf-8"?>
+<file path=ppt/slides/slide11.xml><?xml version="1.0" encoding="utf-8"?>
 <p:sld xmlns:a="http://schemas.openxmlformats.org/drawingml/2006/main" xmlns:r="http://schemas.openxmlformats.org/officeDocument/2006/relationships" xmlns:p="http://schemas.openxmlformats.org/presentationml/2006/main">
   <p:cSld>
     <p:spTree>
@@ -5629,7 +4427,7 @@
 </p:sld>
 </file>
 
-<file path=ppt/slides/slide9.xml><?xml version="1.0" encoding="utf-8"?>
+<file path=ppt/slides/slide12.xml><?xml version="1.0" encoding="utf-8"?>
 <p:sld xmlns:a="http://schemas.openxmlformats.org/drawingml/2006/main" xmlns:r="http://schemas.openxmlformats.org/officeDocument/2006/relationships" xmlns:p="http://schemas.openxmlformats.org/presentationml/2006/main">
   <p:cSld>
     <p:spTree>
@@ -5648,14 +4446,865 @@
       </p:grpSpPr>
       <p:sp>
         <p:nvSpPr>
-          <p:cNvPr id="2" name="TextBox 1"/>
+          <p:cNvPr id="2" name="Title 1"/>
+          <p:cNvSpPr>
+            <a:spLocks noGrp="1"/>
+          </p:cNvSpPr>
+          <p:nvPr>
+            <p:ph type="title"/>
+          </p:nvPr>
+        </p:nvSpPr>
+        <p:spPr/>
+        <p:txBody>
+          <a:bodyPr>
+            <a:normAutofit/>
+          </a:bodyPr>
+          <a:lstStyle/>
+          <a:p>
+            <a:r>
+              <a:rPr lang="en-GB" dirty="0" smtClean="0"/>
+              <a:t>What are the Pros of a Credit Card?</a:t>
+            </a:r>
+            <a:endParaRPr lang="en-GB" dirty="0"/>
+          </a:p>
+        </p:txBody>
+      </p:sp>
+      <p:sp>
+        <p:nvSpPr>
+          <p:cNvPr id="6" name="Content Placeholder 5"/>
+          <p:cNvSpPr>
+            <a:spLocks noGrp="1"/>
+          </p:cNvSpPr>
+          <p:nvPr>
+            <p:ph sz="quarter" idx="4"/>
+          </p:nvPr>
+        </p:nvSpPr>
+        <p:spPr>
+          <a:xfrm>
+            <a:off x="395535" y="1772816"/>
+            <a:ext cx="8291265" cy="4353346"/>
+          </a:xfrm>
+        </p:spPr>
+        <p:txBody>
+          <a:bodyPr>
+            <a:normAutofit/>
+          </a:bodyPr>
+          <a:lstStyle/>
+          <a:p>
+            <a:r>
+              <a:rPr lang="en-GB" sz="3200" dirty="0" smtClean="0"/>
+              <a:t>Good for emergencies</a:t>
+            </a:r>
+          </a:p>
+          <a:p>
+            <a:r>
+              <a:rPr lang="en-GB" sz="3200" dirty="0" smtClean="0"/>
+              <a:t>Good for treating yourself</a:t>
+            </a:r>
+          </a:p>
+          <a:p>
+            <a:r>
+              <a:rPr lang="en-GB" sz="3200" dirty="0" smtClean="0"/>
+              <a:t>Help you to manage your money better</a:t>
+            </a:r>
+          </a:p>
+          <a:p>
+            <a:r>
+              <a:rPr lang="en-GB" sz="3200" dirty="0" smtClean="0"/>
+              <a:t>Can assist with getting you a good credit rating. </a:t>
+            </a:r>
+            <a:endParaRPr lang="en-GB" sz="3200" dirty="0"/>
+          </a:p>
+        </p:txBody>
+      </p:sp>
+    </p:spTree>
+    <p:extLst>
+      <p:ext uri="{BB962C8B-B14F-4D97-AF65-F5344CB8AC3E}">
+        <p14:creationId xmlns="" xmlns:p14="http://schemas.microsoft.com/office/powerpoint/2010/main" val="3410360413"/>
+      </p:ext>
+    </p:extLst>
+  </p:cSld>
+  <p:clrMapOvr>
+    <a:masterClrMapping/>
+  </p:clrMapOvr>
+  <p:timing>
+    <p:tnLst>
+      <p:par>
+        <p:cTn id="1" dur="indefinite" restart="never" nodeType="tmRoot">
+          <p:childTnLst>
+            <p:seq concurrent="1" nextAc="seek">
+              <p:cTn id="2" dur="indefinite" nodeType="mainSeq">
+                <p:childTnLst>
+                  <p:par>
+                    <p:cTn id="3" fill="hold">
+                      <p:stCondLst>
+                        <p:cond delay="indefinite"/>
+                      </p:stCondLst>
+                      <p:childTnLst>
+                        <p:par>
+                          <p:cTn id="4" fill="hold">
+                            <p:stCondLst>
+                              <p:cond delay="0"/>
+                            </p:stCondLst>
+                            <p:childTnLst>
+                              <p:par>
+                                <p:cTn id="5" presetID="4" presetClass="entr" presetSubtype="16" fill="hold" nodeType="clickEffect">
+                                  <p:stCondLst>
+                                    <p:cond delay="0"/>
+                                  </p:stCondLst>
+                                  <p:childTnLst>
+                                    <p:set>
+                                      <p:cBhvr>
+                                        <p:cTn id="6" dur="1" fill="hold">
+                                          <p:stCondLst>
+                                            <p:cond delay="0"/>
+                                          </p:stCondLst>
+                                        </p:cTn>
+                                        <p:tgtEl>
+                                          <p:spTgt spid="6">
+                                            <p:txEl>
+                                              <p:pRg st="0" end="0"/>
+                                            </p:txEl>
+                                          </p:spTgt>
+                                        </p:tgtEl>
+                                        <p:attrNameLst>
+                                          <p:attrName>style.visibility</p:attrName>
+                                        </p:attrNameLst>
+                                      </p:cBhvr>
+                                      <p:to>
+                                        <p:strVal val="visible"/>
+                                      </p:to>
+                                    </p:set>
+                                    <p:animEffect transition="in" filter="box(in)">
+                                      <p:cBhvr>
+                                        <p:cTn id="7" dur="500"/>
+                                        <p:tgtEl>
+                                          <p:spTgt spid="6">
+                                            <p:txEl>
+                                              <p:pRg st="0" end="0"/>
+                                            </p:txEl>
+                                          </p:spTgt>
+                                        </p:tgtEl>
+                                      </p:cBhvr>
+                                    </p:animEffect>
+                                  </p:childTnLst>
+                                </p:cTn>
+                              </p:par>
+                            </p:childTnLst>
+                          </p:cTn>
+                        </p:par>
+                      </p:childTnLst>
+                    </p:cTn>
+                  </p:par>
+                  <p:par>
+                    <p:cTn id="8" fill="hold">
+                      <p:stCondLst>
+                        <p:cond delay="indefinite"/>
+                      </p:stCondLst>
+                      <p:childTnLst>
+                        <p:par>
+                          <p:cTn id="9" fill="hold">
+                            <p:stCondLst>
+                              <p:cond delay="0"/>
+                            </p:stCondLst>
+                            <p:childTnLst>
+                              <p:par>
+                                <p:cTn id="10" presetID="8" presetClass="entr" presetSubtype="16" fill="hold" nodeType="clickEffect">
+                                  <p:stCondLst>
+                                    <p:cond delay="0"/>
+                                  </p:stCondLst>
+                                  <p:childTnLst>
+                                    <p:set>
+                                      <p:cBhvr>
+                                        <p:cTn id="11" dur="1" fill="hold">
+                                          <p:stCondLst>
+                                            <p:cond delay="0"/>
+                                          </p:stCondLst>
+                                        </p:cTn>
+                                        <p:tgtEl>
+                                          <p:spTgt spid="6">
+                                            <p:txEl>
+                                              <p:pRg st="1" end="1"/>
+                                            </p:txEl>
+                                          </p:spTgt>
+                                        </p:tgtEl>
+                                        <p:attrNameLst>
+                                          <p:attrName>style.visibility</p:attrName>
+                                        </p:attrNameLst>
+                                      </p:cBhvr>
+                                      <p:to>
+                                        <p:strVal val="visible"/>
+                                      </p:to>
+                                    </p:set>
+                                    <p:animEffect transition="in" filter="diamond(in)">
+                                      <p:cBhvr>
+                                        <p:cTn id="12" dur="2000"/>
+                                        <p:tgtEl>
+                                          <p:spTgt spid="6">
+                                            <p:txEl>
+                                              <p:pRg st="1" end="1"/>
+                                            </p:txEl>
+                                          </p:spTgt>
+                                        </p:tgtEl>
+                                      </p:cBhvr>
+                                    </p:animEffect>
+                                  </p:childTnLst>
+                                </p:cTn>
+                              </p:par>
+                            </p:childTnLst>
+                          </p:cTn>
+                        </p:par>
+                      </p:childTnLst>
+                    </p:cTn>
+                  </p:par>
+                  <p:par>
+                    <p:cTn id="13" fill="hold">
+                      <p:stCondLst>
+                        <p:cond delay="indefinite"/>
+                      </p:stCondLst>
+                      <p:childTnLst>
+                        <p:par>
+                          <p:cTn id="14" fill="hold">
+                            <p:stCondLst>
+                              <p:cond delay="0"/>
+                            </p:stCondLst>
+                            <p:childTnLst>
+                              <p:par>
+                                <p:cTn id="15" presetID="12" presetClass="entr" presetSubtype="4" fill="hold" nodeType="clickEffect">
+                                  <p:stCondLst>
+                                    <p:cond delay="0"/>
+                                  </p:stCondLst>
+                                  <p:childTnLst>
+                                    <p:set>
+                                      <p:cBhvr>
+                                        <p:cTn id="16" dur="1" fill="hold">
+                                          <p:stCondLst>
+                                            <p:cond delay="0"/>
+                                          </p:stCondLst>
+                                        </p:cTn>
+                                        <p:tgtEl>
+                                          <p:spTgt spid="6">
+                                            <p:txEl>
+                                              <p:pRg st="2" end="2"/>
+                                            </p:txEl>
+                                          </p:spTgt>
+                                        </p:tgtEl>
+                                        <p:attrNameLst>
+                                          <p:attrName>style.visibility</p:attrName>
+                                        </p:attrNameLst>
+                                      </p:cBhvr>
+                                      <p:to>
+                                        <p:strVal val="visible"/>
+                                      </p:to>
+                                    </p:set>
+                                    <p:animEffect transition="in" filter="slide(fromBottom)">
+                                      <p:cBhvr>
+                                        <p:cTn id="17" dur="500"/>
+                                        <p:tgtEl>
+                                          <p:spTgt spid="6">
+                                            <p:txEl>
+                                              <p:pRg st="2" end="2"/>
+                                            </p:txEl>
+                                          </p:spTgt>
+                                        </p:tgtEl>
+                                      </p:cBhvr>
+                                    </p:animEffect>
+                                  </p:childTnLst>
+                                </p:cTn>
+                              </p:par>
+                            </p:childTnLst>
+                          </p:cTn>
+                        </p:par>
+                      </p:childTnLst>
+                    </p:cTn>
+                  </p:par>
+                  <p:par>
+                    <p:cTn id="18" fill="hold">
+                      <p:stCondLst>
+                        <p:cond delay="indefinite"/>
+                      </p:stCondLst>
+                      <p:childTnLst>
+                        <p:par>
+                          <p:cTn id="19" fill="hold">
+                            <p:stCondLst>
+                              <p:cond delay="0"/>
+                            </p:stCondLst>
+                            <p:childTnLst>
+                              <p:par>
+                                <p:cTn id="20" presetID="3" presetClass="entr" presetSubtype="10" fill="hold" nodeType="clickEffect">
+                                  <p:stCondLst>
+                                    <p:cond delay="0"/>
+                                  </p:stCondLst>
+                                  <p:childTnLst>
+                                    <p:set>
+                                      <p:cBhvr>
+                                        <p:cTn id="21" dur="1" fill="hold">
+                                          <p:stCondLst>
+                                            <p:cond delay="0"/>
+                                          </p:stCondLst>
+                                        </p:cTn>
+                                        <p:tgtEl>
+                                          <p:spTgt spid="6">
+                                            <p:txEl>
+                                              <p:pRg st="3" end="3"/>
+                                            </p:txEl>
+                                          </p:spTgt>
+                                        </p:tgtEl>
+                                        <p:attrNameLst>
+                                          <p:attrName>style.visibility</p:attrName>
+                                        </p:attrNameLst>
+                                      </p:cBhvr>
+                                      <p:to>
+                                        <p:strVal val="visible"/>
+                                      </p:to>
+                                    </p:set>
+                                    <p:animEffect transition="in" filter="blinds(horizontal)">
+                                      <p:cBhvr>
+                                        <p:cTn id="22" dur="500"/>
+                                        <p:tgtEl>
+                                          <p:spTgt spid="6">
+                                            <p:txEl>
+                                              <p:pRg st="3" end="3"/>
+                                            </p:txEl>
+                                          </p:spTgt>
+                                        </p:tgtEl>
+                                      </p:cBhvr>
+                                    </p:animEffect>
+                                  </p:childTnLst>
+                                </p:cTn>
+                              </p:par>
+                            </p:childTnLst>
+                          </p:cTn>
+                        </p:par>
+                      </p:childTnLst>
+                    </p:cTn>
+                  </p:par>
+                </p:childTnLst>
+              </p:cTn>
+              <p:prevCondLst>
+                <p:cond evt="onPrev" delay="0">
+                  <p:tgtEl>
+                    <p:sldTgt/>
+                  </p:tgtEl>
+                </p:cond>
+              </p:prevCondLst>
+              <p:nextCondLst>
+                <p:cond evt="onNext" delay="0">
+                  <p:tgtEl>
+                    <p:sldTgt/>
+                  </p:tgtEl>
+                </p:cond>
+              </p:nextCondLst>
+            </p:seq>
+          </p:childTnLst>
+        </p:cTn>
+      </p:par>
+    </p:tnLst>
+  </p:timing>
+</p:sld>
+</file>
+
+<file path=ppt/slides/slide13.xml><?xml version="1.0" encoding="utf-8"?>
+<p:sld xmlns:a="http://schemas.openxmlformats.org/drawingml/2006/main" xmlns:r="http://schemas.openxmlformats.org/officeDocument/2006/relationships" xmlns:p="http://schemas.openxmlformats.org/presentationml/2006/main">
+  <p:cSld>
+    <p:spTree>
+      <p:nvGrpSpPr>
+        <p:cNvPr id="1" name=""/>
+        <p:cNvGrpSpPr/>
+        <p:nvPr/>
+      </p:nvGrpSpPr>
+      <p:grpSpPr>
+        <a:xfrm>
+          <a:off x="0" y="0"/>
+          <a:ext cx="0" cy="0"/>
+          <a:chOff x="0" y="0"/>
+          <a:chExt cx="0" cy="0"/>
+        </a:xfrm>
+      </p:grpSpPr>
+      <p:sp>
+        <p:nvSpPr>
+          <p:cNvPr id="2" name="Title 1"/>
+          <p:cNvSpPr>
+            <a:spLocks noGrp="1"/>
+          </p:cNvSpPr>
+          <p:nvPr>
+            <p:ph type="title"/>
+          </p:nvPr>
+        </p:nvSpPr>
+        <p:spPr/>
+        <p:txBody>
+          <a:bodyPr>
+            <a:normAutofit fontScale="90000"/>
+          </a:bodyPr>
+          <a:lstStyle/>
+          <a:p>
+            <a:r>
+              <a:rPr lang="en-GB" dirty="0" smtClean="0"/>
+              <a:t> What might the problems be with a credit card?</a:t>
+            </a:r>
+            <a:endParaRPr lang="en-GB" dirty="0"/>
+          </a:p>
+        </p:txBody>
+      </p:sp>
+      <p:sp>
+        <p:nvSpPr>
+          <p:cNvPr id="4" name="Content Placeholder 3"/>
+          <p:cNvSpPr>
+            <a:spLocks noGrp="1"/>
+          </p:cNvSpPr>
+          <p:nvPr>
+            <p:ph sz="half" idx="2"/>
+          </p:nvPr>
+        </p:nvSpPr>
+        <p:spPr>
+          <a:xfrm>
+            <a:off x="426128" y="1844824"/>
+            <a:ext cx="8178320" cy="2592288"/>
+          </a:xfrm>
+        </p:spPr>
+        <p:txBody>
+          <a:bodyPr>
+            <a:normAutofit fontScale="92500"/>
+          </a:bodyPr>
+          <a:lstStyle/>
+          <a:p>
+            <a:r>
+              <a:rPr lang="en-GB" sz="3200" dirty="0" smtClean="0"/>
+              <a:t>Irresponsible spending.</a:t>
+            </a:r>
+          </a:p>
+          <a:p>
+            <a:r>
+              <a:rPr lang="en-GB" sz="3200" dirty="0" smtClean="0"/>
+              <a:t>Running out of money because you are paying off debts, so having to spend more on the card. </a:t>
+            </a:r>
+          </a:p>
+          <a:p>
+            <a:r>
+              <a:rPr lang="en-GB" sz="3200" dirty="0" smtClean="0"/>
+              <a:t>If you miss a re-payment, you will get charged a fee/fine.</a:t>
+            </a:r>
+          </a:p>
+          <a:p>
+            <a:pPr marL="114300" indent="0">
+              <a:buNone/>
+            </a:pPr>
+            <a:endParaRPr lang="en-GB" dirty="0"/>
+          </a:p>
+        </p:txBody>
+      </p:sp>
+    </p:spTree>
+    <p:extLst>
+      <p:ext uri="{BB962C8B-B14F-4D97-AF65-F5344CB8AC3E}">
+        <p14:creationId xmlns="" xmlns:p14="http://schemas.microsoft.com/office/powerpoint/2010/main" val="1780648371"/>
+      </p:ext>
+    </p:extLst>
+  </p:cSld>
+  <p:clrMapOvr>
+    <a:masterClrMapping/>
+  </p:clrMapOvr>
+  <p:timing>
+    <p:tnLst>
+      <p:par>
+        <p:cTn id="1" dur="indefinite" restart="never" nodeType="tmRoot">
+          <p:childTnLst>
+            <p:seq concurrent="1" nextAc="seek">
+              <p:cTn id="2" dur="indefinite" nodeType="mainSeq">
+                <p:childTnLst>
+                  <p:par>
+                    <p:cTn id="3" fill="hold">
+                      <p:stCondLst>
+                        <p:cond delay="indefinite"/>
+                      </p:stCondLst>
+                      <p:childTnLst>
+                        <p:par>
+                          <p:cTn id="4" fill="hold">
+                            <p:stCondLst>
+                              <p:cond delay="0"/>
+                            </p:stCondLst>
+                            <p:childTnLst>
+                              <p:par>
+                                <p:cTn id="5" presetID="5" presetClass="entr" presetSubtype="10" fill="hold" nodeType="clickEffect">
+                                  <p:stCondLst>
+                                    <p:cond delay="0"/>
+                                  </p:stCondLst>
+                                  <p:childTnLst>
+                                    <p:set>
+                                      <p:cBhvr>
+                                        <p:cTn id="6" dur="1" fill="hold">
+                                          <p:stCondLst>
+                                            <p:cond delay="0"/>
+                                          </p:stCondLst>
+                                        </p:cTn>
+                                        <p:tgtEl>
+                                          <p:spTgt spid="4">
+                                            <p:txEl>
+                                              <p:pRg st="0" end="0"/>
+                                            </p:txEl>
+                                          </p:spTgt>
+                                        </p:tgtEl>
+                                        <p:attrNameLst>
+                                          <p:attrName>style.visibility</p:attrName>
+                                        </p:attrNameLst>
+                                      </p:cBhvr>
+                                      <p:to>
+                                        <p:strVal val="visible"/>
+                                      </p:to>
+                                    </p:set>
+                                    <p:animEffect transition="in" filter="checkerboard(across)">
+                                      <p:cBhvr>
+                                        <p:cTn id="7" dur="500"/>
+                                        <p:tgtEl>
+                                          <p:spTgt spid="4">
+                                            <p:txEl>
+                                              <p:pRg st="0" end="0"/>
+                                            </p:txEl>
+                                          </p:spTgt>
+                                        </p:tgtEl>
+                                      </p:cBhvr>
+                                    </p:animEffect>
+                                  </p:childTnLst>
+                                </p:cTn>
+                              </p:par>
+                            </p:childTnLst>
+                          </p:cTn>
+                        </p:par>
+                      </p:childTnLst>
+                    </p:cTn>
+                  </p:par>
+                  <p:par>
+                    <p:cTn id="8" fill="hold">
+                      <p:stCondLst>
+                        <p:cond delay="indefinite"/>
+                      </p:stCondLst>
+                      <p:childTnLst>
+                        <p:par>
+                          <p:cTn id="9" fill="hold">
+                            <p:stCondLst>
+                              <p:cond delay="0"/>
+                            </p:stCondLst>
+                            <p:childTnLst>
+                              <p:par>
+                                <p:cTn id="10" presetID="8" presetClass="entr" presetSubtype="16" fill="hold" nodeType="clickEffect">
+                                  <p:stCondLst>
+                                    <p:cond delay="0"/>
+                                  </p:stCondLst>
+                                  <p:childTnLst>
+                                    <p:set>
+                                      <p:cBhvr>
+                                        <p:cTn id="11" dur="1" fill="hold">
+                                          <p:stCondLst>
+                                            <p:cond delay="0"/>
+                                          </p:stCondLst>
+                                        </p:cTn>
+                                        <p:tgtEl>
+                                          <p:spTgt spid="4">
+                                            <p:txEl>
+                                              <p:pRg st="1" end="1"/>
+                                            </p:txEl>
+                                          </p:spTgt>
+                                        </p:tgtEl>
+                                        <p:attrNameLst>
+                                          <p:attrName>style.visibility</p:attrName>
+                                        </p:attrNameLst>
+                                      </p:cBhvr>
+                                      <p:to>
+                                        <p:strVal val="visible"/>
+                                      </p:to>
+                                    </p:set>
+                                    <p:animEffect transition="in" filter="diamond(in)">
+                                      <p:cBhvr>
+                                        <p:cTn id="12" dur="2000"/>
+                                        <p:tgtEl>
+                                          <p:spTgt spid="4">
+                                            <p:txEl>
+                                              <p:pRg st="1" end="1"/>
+                                            </p:txEl>
+                                          </p:spTgt>
+                                        </p:tgtEl>
+                                      </p:cBhvr>
+                                    </p:animEffect>
+                                  </p:childTnLst>
+                                </p:cTn>
+                              </p:par>
+                            </p:childTnLst>
+                          </p:cTn>
+                        </p:par>
+                      </p:childTnLst>
+                    </p:cTn>
+                  </p:par>
+                  <p:par>
+                    <p:cTn id="13" fill="hold">
+                      <p:stCondLst>
+                        <p:cond delay="indefinite"/>
+                      </p:stCondLst>
+                      <p:childTnLst>
+                        <p:par>
+                          <p:cTn id="14" fill="hold">
+                            <p:stCondLst>
+                              <p:cond delay="0"/>
+                            </p:stCondLst>
+                            <p:childTnLst>
+                              <p:par>
+                                <p:cTn id="15" presetID="20" presetClass="entr" presetSubtype="0" fill="hold" nodeType="clickEffect">
+                                  <p:stCondLst>
+                                    <p:cond delay="0"/>
+                                  </p:stCondLst>
+                                  <p:childTnLst>
+                                    <p:set>
+                                      <p:cBhvr>
+                                        <p:cTn id="16" dur="1" fill="hold">
+                                          <p:stCondLst>
+                                            <p:cond delay="0"/>
+                                          </p:stCondLst>
+                                        </p:cTn>
+                                        <p:tgtEl>
+                                          <p:spTgt spid="4">
+                                            <p:txEl>
+                                              <p:pRg st="2" end="2"/>
+                                            </p:txEl>
+                                          </p:spTgt>
+                                        </p:tgtEl>
+                                        <p:attrNameLst>
+                                          <p:attrName>style.visibility</p:attrName>
+                                        </p:attrNameLst>
+                                      </p:cBhvr>
+                                      <p:to>
+                                        <p:strVal val="visible"/>
+                                      </p:to>
+                                    </p:set>
+                                    <p:animEffect transition="in" filter="wedge">
+                                      <p:cBhvr>
+                                        <p:cTn id="17" dur="2000"/>
+                                        <p:tgtEl>
+                                          <p:spTgt spid="4">
+                                            <p:txEl>
+                                              <p:pRg st="2" end="2"/>
+                                            </p:txEl>
+                                          </p:spTgt>
+                                        </p:tgtEl>
+                                      </p:cBhvr>
+                                    </p:animEffect>
+                                  </p:childTnLst>
+                                </p:cTn>
+                              </p:par>
+                            </p:childTnLst>
+                          </p:cTn>
+                        </p:par>
+                      </p:childTnLst>
+                    </p:cTn>
+                  </p:par>
+                </p:childTnLst>
+              </p:cTn>
+              <p:prevCondLst>
+                <p:cond evt="onPrev" delay="0">
+                  <p:tgtEl>
+                    <p:sldTgt/>
+                  </p:tgtEl>
+                </p:cond>
+              </p:prevCondLst>
+              <p:nextCondLst>
+                <p:cond evt="onNext" delay="0">
+                  <p:tgtEl>
+                    <p:sldTgt/>
+                  </p:tgtEl>
+                </p:cond>
+              </p:nextCondLst>
+            </p:seq>
+          </p:childTnLst>
+        </p:cTn>
+      </p:par>
+    </p:tnLst>
+  </p:timing>
+</p:sld>
+</file>
+
+<file path=ppt/slides/slide14.xml><?xml version="1.0" encoding="utf-8"?>
+<p:sld xmlns:a="http://schemas.openxmlformats.org/drawingml/2006/main" xmlns:r="http://schemas.openxmlformats.org/officeDocument/2006/relationships" xmlns:p="http://schemas.openxmlformats.org/presentationml/2006/main">
+  <p:cSld>
+    <p:spTree>
+      <p:nvGrpSpPr>
+        <p:cNvPr id="1" name=""/>
+        <p:cNvGrpSpPr/>
+        <p:nvPr/>
+      </p:nvGrpSpPr>
+      <p:grpSpPr>
+        <a:xfrm>
+          <a:off x="0" y="0"/>
+          <a:ext cx="0" cy="0"/>
+          <a:chOff x="0" y="0"/>
+          <a:chExt cx="0" cy="0"/>
+        </a:xfrm>
+      </p:grpSpPr>
+      <p:sp>
+        <p:nvSpPr>
+          <p:cNvPr id="2" name="Title 1"/>
+          <p:cNvSpPr>
+            <a:spLocks noGrp="1"/>
+          </p:cNvSpPr>
+          <p:nvPr>
+            <p:ph type="title"/>
+          </p:nvPr>
+        </p:nvSpPr>
+        <p:spPr>
+          <a:xfrm>
+            <a:off x="395536" y="0"/>
+            <a:ext cx="8229600" cy="980728"/>
+          </a:xfrm>
+        </p:spPr>
+        <p:txBody>
+          <a:bodyPr/>
+          <a:lstStyle/>
+          <a:p>
+            <a:r>
+              <a:rPr lang="en-GB" dirty="0" smtClean="0"/>
+              <a:t>A quick Online Credit Card quiz</a:t>
+            </a:r>
+            <a:endParaRPr lang="en-GB" dirty="0"/>
+          </a:p>
+        </p:txBody>
+      </p:sp>
+      <p:sp>
+        <p:nvSpPr>
+          <p:cNvPr id="3" name="Content Placeholder 2"/>
+          <p:cNvSpPr>
+            <a:spLocks noGrp="1"/>
+          </p:cNvSpPr>
+          <p:nvPr>
+            <p:ph idx="1"/>
+          </p:nvPr>
+        </p:nvSpPr>
+        <p:spPr>
+          <a:xfrm>
+            <a:off x="457200" y="980728"/>
+            <a:ext cx="8229600" cy="5145435"/>
+          </a:xfrm>
+        </p:spPr>
+        <p:txBody>
+          <a:bodyPr/>
+          <a:lstStyle/>
+          <a:p>
+            <a:r>
+              <a:rPr lang="en-GB" dirty="0" smtClean="0"/>
+              <a:t>Follow the link below and take the quiz </a:t>
+            </a:r>
+          </a:p>
+          <a:p>
+            <a:pPr lvl="1"/>
+            <a:r>
+              <a:rPr lang="en-GB" dirty="0" smtClean="0"/>
+              <a:t>Note your final score</a:t>
+            </a:r>
+          </a:p>
+          <a:p>
+            <a:r>
+              <a:rPr lang="en-GB" dirty="0" smtClean="0">
+                <a:hlinkClick r:id="rId2"/>
+              </a:rPr>
+              <a:t>http://money.howstuffworks.com/personal-finance/debt-management/credit-card-quiz.htm</a:t>
+            </a:r>
+            <a:endParaRPr lang="en-GB" dirty="0" smtClean="0"/>
+          </a:p>
+          <a:p>
+            <a:endParaRPr lang="en-GB" dirty="0"/>
+          </a:p>
+        </p:txBody>
+      </p:sp>
+      <p:pic>
+        <p:nvPicPr>
+          <p:cNvPr id="1026" name="Picture 2"/>
+          <p:cNvPicPr>
+            <a:picLocks noChangeAspect="1" noChangeArrowheads="1"/>
+          </p:cNvPicPr>
+          <p:nvPr/>
+        </p:nvPicPr>
+        <p:blipFill>
+          <a:blip r:embed="rId3" cstate="print"/>
+          <a:srcRect l="7261" t="54430" r="71570"/>
+          <a:stretch>
+            <a:fillRect/>
+          </a:stretch>
+        </p:blipFill>
+        <p:spPr bwMode="auto">
+          <a:xfrm>
+            <a:off x="1259632" y="3789040"/>
+            <a:ext cx="4320480" cy="2614560"/>
+          </a:xfrm>
+          <a:prstGeom prst="rect">
+            <a:avLst/>
+          </a:prstGeom>
+          <a:noFill/>
+          <a:ln w="9525">
+            <a:noFill/>
+            <a:miter lim="800000"/>
+            <a:headEnd/>
+            <a:tailEnd/>
+          </a:ln>
+          <a:effectLst>
+            <a:outerShdw blurRad="50800" dist="38100" dir="2700000" algn="tl" rotWithShape="0">
+              <a:prstClr val="black">
+                <a:alpha val="40000"/>
+              </a:prstClr>
+            </a:outerShdw>
+          </a:effectLst>
+        </p:spPr>
+      </p:pic>
+      <p:sp>
+        <p:nvSpPr>
+          <p:cNvPr id="5" name="Oval 4"/>
+          <p:cNvSpPr/>
+          <p:nvPr/>
+        </p:nvSpPr>
+        <p:spPr>
+          <a:xfrm>
+            <a:off x="1619672" y="5805264"/>
+            <a:ext cx="1440160" cy="504056"/>
+          </a:xfrm>
+          <a:prstGeom prst="ellipse">
+            <a:avLst/>
+          </a:prstGeom>
+          <a:noFill/>
+          <a:ln w="34925">
+            <a:solidFill>
+              <a:srgbClr val="FF0000"/>
+            </a:solidFill>
+          </a:ln>
+        </p:spPr>
+        <p:style>
+          <a:lnRef idx="2">
+            <a:schemeClr val="accent1">
+              <a:shade val="50000"/>
+            </a:schemeClr>
+          </a:lnRef>
+          <a:fillRef idx="1">
+            <a:schemeClr val="accent1"/>
+          </a:fillRef>
+          <a:effectRef idx="0">
+            <a:schemeClr val="accent1"/>
+          </a:effectRef>
+          <a:fontRef idx="minor">
+            <a:schemeClr val="lt1"/>
+          </a:fontRef>
+        </p:style>
+        <p:txBody>
+          <a:bodyPr rtlCol="0" anchor="ctr"/>
+          <a:lstStyle/>
+          <a:p>
+            <a:pPr algn="ctr"/>
+            <a:endParaRPr lang="en-GB"/>
+          </a:p>
+        </p:txBody>
+      </p:sp>
+      <p:sp>
+        <p:nvSpPr>
+          <p:cNvPr id="6" name="TextBox 5"/>
           <p:cNvSpPr txBox="1"/>
           <p:nvPr/>
         </p:nvSpPr>
         <p:spPr>
           <a:xfrm>
-            <a:off x="0" y="0"/>
-            <a:ext cx="9144000" cy="1323439"/>
+            <a:off x="6156177" y="3933056"/>
+            <a:ext cx="2808311" cy="1569660"/>
           </a:xfrm>
           <a:prstGeom prst="rect">
             <a:avLst/>
@@ -5668,9 +5317,147 @@
           </a:bodyPr>
           <a:lstStyle/>
           <a:p>
+            <a:r>
+              <a:rPr lang="en-GB" sz="3200" dirty="0" smtClean="0"/>
+              <a:t>This Link is also on the finance web site</a:t>
+            </a:r>
+            <a:endParaRPr lang="en-GB" sz="3200" dirty="0"/>
+          </a:p>
+        </p:txBody>
+      </p:sp>
+      <p:cxnSp>
+        <p:nvCxnSpPr>
+          <p:cNvPr id="8" name="Straight Arrow Connector 7"/>
+          <p:cNvCxnSpPr/>
+          <p:nvPr/>
+        </p:nvCxnSpPr>
+        <p:spPr>
+          <a:xfrm flipH="1" flipV="1">
+            <a:off x="4499992" y="3140968"/>
+            <a:ext cx="1656184" cy="792088"/>
+          </a:xfrm>
+          <a:prstGeom prst="straightConnector1">
+            <a:avLst/>
+          </a:prstGeom>
+          <a:ln w="31750">
+            <a:solidFill>
+              <a:srgbClr val="0070C0"/>
+            </a:solidFill>
+            <a:prstDash val="sysDash"/>
+            <a:tailEnd type="arrow"/>
+          </a:ln>
+        </p:spPr>
+        <p:style>
+          <a:lnRef idx="1">
+            <a:schemeClr val="accent1"/>
+          </a:lnRef>
+          <a:fillRef idx="0">
+            <a:schemeClr val="accent1"/>
+          </a:fillRef>
+          <a:effectRef idx="0">
+            <a:schemeClr val="accent1"/>
+          </a:effectRef>
+          <a:fontRef idx="minor">
+            <a:schemeClr val="tx1"/>
+          </a:fontRef>
+        </p:style>
+      </p:cxnSp>
+      <p:cxnSp>
+        <p:nvCxnSpPr>
+          <p:cNvPr id="9" name="Straight Arrow Connector 8"/>
+          <p:cNvCxnSpPr>
+            <a:endCxn id="5" idx="6"/>
+          </p:cNvCxnSpPr>
+          <p:nvPr/>
+        </p:nvCxnSpPr>
+        <p:spPr>
+          <a:xfrm flipH="1">
+            <a:off x="3059832" y="5373216"/>
+            <a:ext cx="3024336" cy="684076"/>
+          </a:xfrm>
+          <a:prstGeom prst="straightConnector1">
+            <a:avLst/>
+          </a:prstGeom>
+          <a:ln w="31750">
+            <a:solidFill>
+              <a:srgbClr val="0070C0"/>
+            </a:solidFill>
+            <a:prstDash val="sysDash"/>
+            <a:tailEnd type="arrow"/>
+          </a:ln>
+        </p:spPr>
+        <p:style>
+          <a:lnRef idx="1">
+            <a:schemeClr val="accent1"/>
+          </a:lnRef>
+          <a:fillRef idx="0">
+            <a:schemeClr val="accent1"/>
+          </a:fillRef>
+          <a:effectRef idx="0">
+            <a:schemeClr val="accent1"/>
+          </a:effectRef>
+          <a:fontRef idx="minor">
+            <a:schemeClr val="tx1"/>
+          </a:fontRef>
+        </p:style>
+      </p:cxnSp>
+    </p:spTree>
+  </p:cSld>
+  <p:clrMapOvr>
+    <a:masterClrMapping/>
+  </p:clrMapOvr>
+  <p:timing>
+    <p:tnLst>
+      <p:par>
+        <p:cTn id="1" dur="indefinite" restart="never" nodeType="tmRoot"/>
+      </p:par>
+    </p:tnLst>
+  </p:timing>
+</p:sld>
+</file>
+
+<file path=ppt/slides/slide15.xml><?xml version="1.0" encoding="utf-8"?>
+<p:sld xmlns:a="http://schemas.openxmlformats.org/drawingml/2006/main" xmlns:r="http://schemas.openxmlformats.org/officeDocument/2006/relationships" xmlns:p="http://schemas.openxmlformats.org/presentationml/2006/main">
+  <p:cSld>
+    <p:spTree>
+      <p:nvGrpSpPr>
+        <p:cNvPr id="1" name=""/>
+        <p:cNvGrpSpPr/>
+        <p:nvPr/>
+      </p:nvGrpSpPr>
+      <p:grpSpPr>
+        <a:xfrm>
+          <a:off x="0" y="0"/>
+          <a:ext cx="0" cy="0"/>
+          <a:chOff x="0" y="0"/>
+          <a:chExt cx="0" cy="0"/>
+        </a:xfrm>
+      </p:grpSpPr>
+      <p:sp>
+        <p:nvSpPr>
+          <p:cNvPr id="2" name="TextBox 1"/>
+          <p:cNvSpPr txBox="1"/>
+          <p:nvPr/>
+        </p:nvSpPr>
+        <p:spPr>
+          <a:xfrm>
+            <a:off x="0" y="0"/>
+            <a:ext cx="9144000" cy="1384995"/>
+          </a:xfrm>
+          <a:prstGeom prst="rect">
+            <a:avLst/>
+          </a:prstGeom>
+          <a:noFill/>
+        </p:spPr>
+        <p:txBody>
+          <a:bodyPr wrap="square" rtlCol="0">
+            <a:spAutoFit/>
+          </a:bodyPr>
+          <a:lstStyle/>
+          <a:p>
             <a:pPr algn="ctr"/>
             <a:r>
-              <a:rPr lang="en-GB" sz="2000" b="1" u="sng" dirty="0" smtClean="0">
+              <a:rPr lang="en-GB" sz="2400" b="1" u="sng" dirty="0" smtClean="0">
                 <a:solidFill>
                   <a:srgbClr val="FF0000"/>
                 </a:solidFill>
@@ -5679,7 +5466,7 @@
               <a:t>Your task</a:t>
             </a:r>
             <a:r>
-              <a:rPr lang="en-GB" sz="2000" b="1" dirty="0" smtClean="0">
+              <a:rPr lang="en-GB" sz="2400" b="1" dirty="0" smtClean="0">
                 <a:solidFill>
                   <a:srgbClr val="FF0000"/>
                 </a:solidFill>
@@ -5703,7 +5490,7 @@
               <a:rPr lang="en-GB" sz="2000" b="1" dirty="0" smtClean="0">
                 <a:latin typeface="Comic Sans MS" panose="030F0702030302020204" pitchFamily="66" charset="0"/>
               </a:rPr>
-              <a:t>To design your own Credit Card </a:t>
+              <a:t>To design your own Credit Card [Choose only one option] </a:t>
             </a:r>
           </a:p>
           <a:p>
@@ -5726,7 +5513,7 @@
         <p:spPr>
           <a:xfrm>
             <a:off x="12010" y="998057"/>
-            <a:ext cx="4032448" cy="2585323"/>
+            <a:ext cx="4032448" cy="2523768"/>
           </a:xfrm>
           <a:prstGeom prst="rect">
             <a:avLst/>
@@ -5741,20 +5528,20 @@
           <a:p>
             <a:pPr algn="ctr"/>
             <a:r>
-              <a:rPr lang="en-GB" b="1" u="sng" dirty="0" smtClean="0">
+              <a:rPr lang="en-GB" sz="2000" b="1" u="sng" dirty="0" smtClean="0">
                 <a:latin typeface="Comic Sans MS" panose="030F0702030302020204" pitchFamily="66" charset="0"/>
               </a:rPr>
               <a:t>Option 1</a:t>
             </a:r>
             <a:r>
-              <a:rPr lang="en-GB" b="1" dirty="0" smtClean="0">
+              <a:rPr lang="en-GB" sz="2000" b="1" dirty="0" smtClean="0">
                 <a:latin typeface="Comic Sans MS" panose="030F0702030302020204" pitchFamily="66" charset="0"/>
               </a:rPr>
               <a:t> </a:t>
             </a:r>
           </a:p>
           <a:p>
-            <a:endParaRPr lang="en-GB" b="1" dirty="0">
+            <a:endParaRPr lang="en-GB" sz="2000" b="1" dirty="0">
               <a:latin typeface="Comic Sans MS" panose="030F0702030302020204" pitchFamily="66" charset="0"/>
             </a:endParaRPr>
           </a:p>
@@ -5764,7 +5551,7 @@
               <a:buChar char="•"/>
             </a:pPr>
             <a:r>
-              <a:rPr lang="en-GB" b="1" dirty="0" smtClean="0">
+              <a:rPr lang="en-GB" sz="2000" b="1" dirty="0" smtClean="0">
                 <a:solidFill>
                   <a:srgbClr val="FF0000"/>
                 </a:solidFill>
@@ -5772,32 +5559,17 @@
               </a:rPr>
               <a:t>Design a credit card with high borrowing and high APR</a:t>
             </a:r>
+            <a:endParaRPr lang="en-GB" sz="2000" b="1" dirty="0" smtClean="0">
+              <a:latin typeface="Comic Sans MS" panose="030F0702030302020204" pitchFamily="66" charset="0"/>
+            </a:endParaRPr>
           </a:p>
           <a:p>
             <a:pPr marL="285750" indent="-285750">
               <a:buFont typeface="Arial" panose="020B0604020202020204" pitchFamily="34" charset="0"/>
               <a:buChar char="•"/>
             </a:pPr>
-            <a:endParaRPr lang="en-GB" b="1" dirty="0">
-              <a:latin typeface="Comic Sans MS" panose="030F0702030302020204" pitchFamily="66" charset="0"/>
-            </a:endParaRPr>
-          </a:p>
-          <a:p>
-            <a:pPr marL="285750" indent="-285750">
-              <a:buFont typeface="Arial" panose="020B0604020202020204" pitchFamily="34" charset="0"/>
-              <a:buChar char="•"/>
-            </a:pPr>
-            <a:endParaRPr lang="en-GB" b="1" dirty="0" smtClean="0">
-              <a:latin typeface="Comic Sans MS" panose="030F0702030302020204" pitchFamily="66" charset="0"/>
-            </a:endParaRPr>
-          </a:p>
-          <a:p>
-            <a:pPr marL="285750" indent="-285750">
-              <a:buFont typeface="Arial" panose="020B0604020202020204" pitchFamily="34" charset="0"/>
-              <a:buChar char="•"/>
-            </a:pPr>
-            <a:r>
-              <a:rPr lang="en-GB" b="1" dirty="0" smtClean="0">
+            <a:r>
+              <a:rPr lang="en-GB" sz="2000" b="1" dirty="0" smtClean="0">
                 <a:latin typeface="Comic Sans MS" panose="030F0702030302020204" pitchFamily="66" charset="0"/>
               </a:rPr>
               <a:t>Describe the advantages and disadvantages of your card  </a:t>
@@ -5817,7 +5589,7 @@
         <p:spPr>
           <a:xfrm>
             <a:off x="4716016" y="980728"/>
-            <a:ext cx="4427984" cy="2585323"/>
+            <a:ext cx="4427984" cy="2215991"/>
           </a:xfrm>
           <a:prstGeom prst="rect">
             <a:avLst/>
@@ -5832,20 +5604,20 @@
           <a:p>
             <a:pPr algn="ctr"/>
             <a:r>
-              <a:rPr lang="en-GB" b="1" u="sng" dirty="0" smtClean="0">
+              <a:rPr lang="en-GB" sz="2000" b="1" u="sng" dirty="0" smtClean="0">
                 <a:latin typeface="Comic Sans MS" panose="030F0702030302020204" pitchFamily="66" charset="0"/>
               </a:rPr>
               <a:t>Option 2</a:t>
             </a:r>
             <a:r>
-              <a:rPr lang="en-GB" b="1" dirty="0" smtClean="0">
+              <a:rPr lang="en-GB" sz="2000" b="1" dirty="0" smtClean="0">
                 <a:latin typeface="Comic Sans MS" panose="030F0702030302020204" pitchFamily="66" charset="0"/>
               </a:rPr>
               <a:t> </a:t>
             </a:r>
           </a:p>
           <a:p>
-            <a:endParaRPr lang="en-GB" b="1" dirty="0">
+            <a:endParaRPr lang="en-GB" sz="2000" b="1" dirty="0">
               <a:latin typeface="Comic Sans MS" panose="030F0702030302020204" pitchFamily="66" charset="0"/>
             </a:endParaRPr>
           </a:p>
@@ -5855,7 +5627,7 @@
               <a:buChar char="•"/>
             </a:pPr>
             <a:r>
-              <a:rPr lang="en-GB" b="1" dirty="0" smtClean="0">
+              <a:rPr lang="en-GB" sz="2000" b="1" dirty="0" smtClean="0">
                 <a:solidFill>
                   <a:srgbClr val="FF0000"/>
                 </a:solidFill>
@@ -5863,32 +5635,17 @@
               </a:rPr>
               <a:t>Design a credit card with low borrowing and low APR </a:t>
             </a:r>
+            <a:endParaRPr lang="en-GB" sz="2000" b="1" dirty="0" smtClean="0">
+              <a:latin typeface="Comic Sans MS" panose="030F0702030302020204" pitchFamily="66" charset="0"/>
+            </a:endParaRPr>
           </a:p>
           <a:p>
             <a:pPr marL="285750" indent="-285750">
               <a:buFont typeface="Arial" panose="020B0604020202020204" pitchFamily="34" charset="0"/>
               <a:buChar char="•"/>
             </a:pPr>
-            <a:endParaRPr lang="en-GB" b="1" dirty="0">
-              <a:latin typeface="Comic Sans MS" panose="030F0702030302020204" pitchFamily="66" charset="0"/>
-            </a:endParaRPr>
-          </a:p>
-          <a:p>
-            <a:pPr marL="285750" indent="-285750">
-              <a:buFont typeface="Arial" panose="020B0604020202020204" pitchFamily="34" charset="0"/>
-              <a:buChar char="•"/>
-            </a:pPr>
-            <a:endParaRPr lang="en-GB" b="1" dirty="0" smtClean="0">
-              <a:latin typeface="Comic Sans MS" panose="030F0702030302020204" pitchFamily="66" charset="0"/>
-            </a:endParaRPr>
-          </a:p>
-          <a:p>
-            <a:pPr marL="285750" indent="-285750">
-              <a:buFont typeface="Arial" panose="020B0604020202020204" pitchFamily="34" charset="0"/>
-              <a:buChar char="•"/>
-            </a:pPr>
-            <a:r>
-              <a:rPr lang="en-GB" b="1" dirty="0" smtClean="0">
+            <a:r>
+              <a:rPr lang="en-GB" sz="2000" b="1" dirty="0" smtClean="0">
                 <a:latin typeface="Comic Sans MS" panose="030F0702030302020204" pitchFamily="66" charset="0"/>
               </a:rPr>
               <a:t>Describe the advantages and disadvantages of your card  </a:t>
@@ -6146,7 +5903,7 @@
                     <a:bodyPr/>
                     <a:lstStyle/>
                     <a:p>
-                      <a:endParaRPr lang="en-GB"/>
+                      <a:endParaRPr lang="en-GB" dirty="0"/>
                     </a:p>
                   </a:txBody>
                   <a:tcPr/>
@@ -6170,6 +5927,2653 @@
     <p:extLst>
       <p:ext uri="{BB962C8B-B14F-4D97-AF65-F5344CB8AC3E}">
         <p14:creationId xmlns="" xmlns:p14="http://schemas.microsoft.com/office/powerpoint/2010/main" val="1053858350"/>
+      </p:ext>
+    </p:extLst>
+  </p:cSld>
+  <p:clrMapOvr>
+    <a:masterClrMapping/>
+  </p:clrMapOvr>
+  <p:timing>
+    <p:tnLst>
+      <p:par>
+        <p:cTn id="1" dur="indefinite" restart="never" nodeType="tmRoot"/>
+      </p:par>
+    </p:tnLst>
+  </p:timing>
+</p:sld>
+</file>
+
+<file path=ppt/slides/slide16.xml><?xml version="1.0" encoding="utf-8"?>
+<p:sld xmlns:a="http://schemas.openxmlformats.org/drawingml/2006/main" xmlns:r="http://schemas.openxmlformats.org/officeDocument/2006/relationships" xmlns:p="http://schemas.openxmlformats.org/presentationml/2006/main">
+  <p:cSld>
+    <p:spTree>
+      <p:nvGrpSpPr>
+        <p:cNvPr id="1" name=""/>
+        <p:cNvGrpSpPr/>
+        <p:nvPr/>
+      </p:nvGrpSpPr>
+      <p:grpSpPr>
+        <a:xfrm>
+          <a:off x="0" y="0"/>
+          <a:ext cx="0" cy="0"/>
+          <a:chOff x="0" y="0"/>
+          <a:chExt cx="0" cy="0"/>
+        </a:xfrm>
+      </p:grpSpPr>
+      <p:sp>
+        <p:nvSpPr>
+          <p:cNvPr id="2" name="TextBox 1"/>
+          <p:cNvSpPr txBox="1"/>
+          <p:nvPr/>
+        </p:nvSpPr>
+        <p:spPr>
+          <a:xfrm>
+            <a:off x="0" y="762963"/>
+            <a:ext cx="9144000" cy="2308324"/>
+          </a:xfrm>
+          <a:prstGeom prst="rect">
+            <a:avLst/>
+          </a:prstGeom>
+          <a:noFill/>
+        </p:spPr>
+        <p:txBody>
+          <a:bodyPr wrap="square" rtlCol="0">
+            <a:spAutoFit/>
+          </a:bodyPr>
+          <a:lstStyle/>
+          <a:p>
+            <a:pPr algn="ctr"/>
+            <a:r>
+              <a:rPr lang="en-GB" sz="7200" b="1" dirty="0" smtClean="0">
+                <a:solidFill>
+                  <a:srgbClr val="FF0000"/>
+                </a:solidFill>
+                <a:latin typeface="Comic Sans MS" panose="030F0702030302020204" pitchFamily="66" charset="0"/>
+              </a:rPr>
+              <a:t>Let’s see your credit cards </a:t>
+            </a:r>
+            <a:endParaRPr lang="en-GB" sz="7200" b="1" dirty="0">
+              <a:solidFill>
+                <a:srgbClr val="FF0000"/>
+              </a:solidFill>
+              <a:latin typeface="Comic Sans MS" panose="030F0702030302020204" pitchFamily="66" charset="0"/>
+            </a:endParaRPr>
+          </a:p>
+        </p:txBody>
+      </p:sp>
+      <p:sp>
+        <p:nvSpPr>
+          <p:cNvPr id="3" name="Rectangle 2"/>
+          <p:cNvSpPr/>
+          <p:nvPr/>
+        </p:nvSpPr>
+        <p:spPr>
+          <a:xfrm>
+            <a:off x="2051720" y="3429000"/>
+            <a:ext cx="5256584" cy="2592288"/>
+          </a:xfrm>
+          <a:prstGeom prst="rect">
+            <a:avLst/>
+          </a:prstGeom>
+          <a:noFill/>
+          <a:ln w="76200">
+            <a:solidFill>
+              <a:schemeClr val="tx1"/>
+            </a:solidFill>
+          </a:ln>
+        </p:spPr>
+        <p:style>
+          <a:lnRef idx="2">
+            <a:schemeClr val="accent1">
+              <a:shade val="50000"/>
+            </a:schemeClr>
+          </a:lnRef>
+          <a:fillRef idx="1">
+            <a:schemeClr val="accent1"/>
+          </a:fillRef>
+          <a:effectRef idx="0">
+            <a:schemeClr val="accent1"/>
+          </a:effectRef>
+          <a:fontRef idx="minor">
+            <a:schemeClr val="lt1"/>
+          </a:fontRef>
+        </p:style>
+        <p:txBody>
+          <a:bodyPr rtlCol="0" anchor="ctr"/>
+          <a:lstStyle/>
+          <a:p>
+            <a:pPr algn="ctr"/>
+            <a:endParaRPr lang="en-GB"/>
+          </a:p>
+        </p:txBody>
+      </p:sp>
+      <p:sp>
+        <p:nvSpPr>
+          <p:cNvPr id="4" name="TextBox 3"/>
+          <p:cNvSpPr txBox="1"/>
+          <p:nvPr/>
+        </p:nvSpPr>
+        <p:spPr>
+          <a:xfrm>
+            <a:off x="4283968" y="3617147"/>
+            <a:ext cx="792088" cy="2215991"/>
+          </a:xfrm>
+          <a:prstGeom prst="rect">
+            <a:avLst/>
+          </a:prstGeom>
+          <a:noFill/>
+        </p:spPr>
+        <p:txBody>
+          <a:bodyPr wrap="square" rtlCol="0">
+            <a:spAutoFit/>
+          </a:bodyPr>
+          <a:lstStyle/>
+          <a:p>
+            <a:pPr algn="ctr"/>
+            <a:r>
+              <a:rPr lang="en-GB" sz="13800" b="1" dirty="0" smtClean="0">
+                <a:latin typeface="Comic Sans MS" panose="030F0702030302020204" pitchFamily="66" charset="0"/>
+              </a:rPr>
+              <a:t>?</a:t>
+            </a:r>
+            <a:endParaRPr lang="en-GB" sz="13800" b="1" dirty="0">
+              <a:latin typeface="Comic Sans MS" panose="030F0702030302020204" pitchFamily="66" charset="0"/>
+            </a:endParaRPr>
+          </a:p>
+        </p:txBody>
+      </p:sp>
+    </p:spTree>
+    <p:extLst>
+      <p:ext uri="{BB962C8B-B14F-4D97-AF65-F5344CB8AC3E}">
+        <p14:creationId xmlns="" xmlns:p14="http://schemas.microsoft.com/office/powerpoint/2010/main" val="2946536019"/>
+      </p:ext>
+    </p:extLst>
+  </p:cSld>
+  <p:clrMapOvr>
+    <a:masterClrMapping/>
+  </p:clrMapOvr>
+  <p:timing>
+    <p:tnLst>
+      <p:par>
+        <p:cTn id="1" dur="indefinite" restart="never" nodeType="tmRoot"/>
+      </p:par>
+    </p:tnLst>
+  </p:timing>
+</p:sld>
+</file>
+
+<file path=ppt/slides/slide2.xml><?xml version="1.0" encoding="utf-8"?>
+<p:sld xmlns:a="http://schemas.openxmlformats.org/drawingml/2006/main" xmlns:r="http://schemas.openxmlformats.org/officeDocument/2006/relationships" xmlns:p="http://schemas.openxmlformats.org/presentationml/2006/main">
+  <p:cSld>
+    <p:spTree>
+      <p:nvGrpSpPr>
+        <p:cNvPr id="1" name=""/>
+        <p:cNvGrpSpPr/>
+        <p:nvPr/>
+      </p:nvGrpSpPr>
+      <p:grpSpPr>
+        <a:xfrm>
+          <a:off x="0" y="0"/>
+          <a:ext cx="0" cy="0"/>
+          <a:chOff x="0" y="0"/>
+          <a:chExt cx="0" cy="0"/>
+        </a:xfrm>
+      </p:grpSpPr>
+      <p:sp>
+        <p:nvSpPr>
+          <p:cNvPr id="2" name="TextBox 1"/>
+          <p:cNvSpPr txBox="1"/>
+          <p:nvPr/>
+        </p:nvSpPr>
+        <p:spPr>
+          <a:xfrm>
+            <a:off x="0" y="1556792"/>
+            <a:ext cx="9252520" cy="2554545"/>
+          </a:xfrm>
+          <a:prstGeom prst="rect">
+            <a:avLst/>
+          </a:prstGeom>
+          <a:noFill/>
+        </p:spPr>
+        <p:txBody>
+          <a:bodyPr wrap="square" rtlCol="0">
+            <a:spAutoFit/>
+          </a:bodyPr>
+          <a:lstStyle/>
+          <a:p>
+            <a:r>
+              <a:rPr lang="en-GB" sz="4000" b="1" dirty="0" smtClean="0">
+                <a:solidFill>
+                  <a:srgbClr val="FF0000"/>
+                </a:solidFill>
+                <a:latin typeface="Comic Sans MS" panose="030F0702030302020204" pitchFamily="66" charset="0"/>
+              </a:rPr>
+              <a:t>A credit card is </a:t>
+            </a:r>
+            <a:r>
+              <a:rPr lang="en-GB" sz="4000" dirty="0">
+                <a:latin typeface="Comic Sans MS" panose="030F0702030302020204" pitchFamily="66" charset="0"/>
+              </a:rPr>
+              <a:t>a small plastic card issued by a bank, </a:t>
+            </a:r>
+            <a:r>
+              <a:rPr lang="en-GB" sz="4000" dirty="0" smtClean="0">
+                <a:latin typeface="Comic Sans MS" panose="030F0702030302020204" pitchFamily="66" charset="0"/>
+              </a:rPr>
+              <a:t>business, etc.  </a:t>
+            </a:r>
+            <a:r>
+              <a:rPr lang="en-GB" sz="4000" dirty="0">
+                <a:latin typeface="Comic Sans MS" panose="030F0702030302020204" pitchFamily="66" charset="0"/>
+              </a:rPr>
+              <a:t>allowing the holder to purchase goods or services on credit.</a:t>
+            </a:r>
+          </a:p>
+        </p:txBody>
+      </p:sp>
+    </p:spTree>
+    <p:extLst>
+      <p:ext uri="{BB962C8B-B14F-4D97-AF65-F5344CB8AC3E}">
+        <p14:creationId xmlns="" xmlns:p14="http://schemas.microsoft.com/office/powerpoint/2010/main" val="509015518"/>
+      </p:ext>
+    </p:extLst>
+  </p:cSld>
+  <p:clrMapOvr>
+    <a:masterClrMapping/>
+  </p:clrMapOvr>
+  <p:timing>
+    <p:tnLst>
+      <p:par>
+        <p:cTn id="1" dur="indefinite" restart="never" nodeType="tmRoot"/>
+      </p:par>
+    </p:tnLst>
+  </p:timing>
+</p:sld>
+</file>
+
+<file path=ppt/slides/slide3.xml><?xml version="1.0" encoding="utf-8"?>
+<p:sld xmlns:a="http://schemas.openxmlformats.org/drawingml/2006/main" xmlns:r="http://schemas.openxmlformats.org/officeDocument/2006/relationships" xmlns:p="http://schemas.openxmlformats.org/presentationml/2006/main">
+  <p:cSld>
+    <p:spTree>
+      <p:nvGrpSpPr>
+        <p:cNvPr id="1" name=""/>
+        <p:cNvGrpSpPr/>
+        <p:nvPr/>
+      </p:nvGrpSpPr>
+      <p:grpSpPr>
+        <a:xfrm>
+          <a:off x="0" y="0"/>
+          <a:ext cx="0" cy="0"/>
+          <a:chOff x="0" y="0"/>
+          <a:chExt cx="0" cy="0"/>
+        </a:xfrm>
+      </p:grpSpPr>
+      <p:sp>
+        <p:nvSpPr>
+          <p:cNvPr id="2" name="TextBox 1"/>
+          <p:cNvSpPr txBox="1"/>
+          <p:nvPr/>
+        </p:nvSpPr>
+        <p:spPr>
+          <a:xfrm>
+            <a:off x="-26996" y="2420888"/>
+            <a:ext cx="9144000" cy="1938992"/>
+          </a:xfrm>
+          <a:prstGeom prst="rect">
+            <a:avLst/>
+          </a:prstGeom>
+          <a:noFill/>
+        </p:spPr>
+        <p:txBody>
+          <a:bodyPr wrap="square" rtlCol="0">
+            <a:spAutoFit/>
+          </a:bodyPr>
+          <a:lstStyle/>
+          <a:p>
+            <a:pPr algn="ctr"/>
+            <a:r>
+              <a:rPr lang="en-GB" sz="4000" b="1" dirty="0" smtClean="0">
+                <a:solidFill>
+                  <a:srgbClr val="FF0000"/>
+                </a:solidFill>
+                <a:latin typeface="Comic Sans MS" panose="030F0702030302020204" pitchFamily="66" charset="0"/>
+              </a:rPr>
+              <a:t>APR stands for…</a:t>
+            </a:r>
+          </a:p>
+          <a:p>
+            <a:pPr algn="ctr"/>
+            <a:r>
+              <a:rPr lang="en-GB" sz="3600" b="1" dirty="0" smtClean="0">
+                <a:latin typeface="Comic Sans MS" panose="030F0702030302020204" pitchFamily="66" charset="0"/>
+              </a:rPr>
+              <a:t>(Complete this sentence) </a:t>
+            </a:r>
+          </a:p>
+          <a:p>
+            <a:pPr algn="ctr"/>
+            <a:r>
+              <a:rPr lang="en-GB" sz="4000" b="1" dirty="0" smtClean="0">
+                <a:solidFill>
+                  <a:srgbClr val="FF0000"/>
+                </a:solidFill>
+                <a:latin typeface="Comic Sans MS" panose="030F0702030302020204" pitchFamily="66" charset="0"/>
+              </a:rPr>
+              <a:t> </a:t>
+            </a:r>
+            <a:endParaRPr lang="en-GB" sz="4000" b="1" dirty="0">
+              <a:solidFill>
+                <a:srgbClr val="FF0000"/>
+              </a:solidFill>
+              <a:latin typeface="Comic Sans MS" panose="030F0702030302020204" pitchFamily="66" charset="0"/>
+            </a:endParaRPr>
+          </a:p>
+        </p:txBody>
+      </p:sp>
+    </p:spTree>
+    <p:extLst>
+      <p:ext uri="{BB962C8B-B14F-4D97-AF65-F5344CB8AC3E}">
+        <p14:creationId xmlns="" xmlns:p14="http://schemas.microsoft.com/office/powerpoint/2010/main" val="1087716692"/>
+      </p:ext>
+    </p:extLst>
+  </p:cSld>
+  <p:clrMapOvr>
+    <a:masterClrMapping/>
+  </p:clrMapOvr>
+  <p:timing>
+    <p:tnLst>
+      <p:par>
+        <p:cTn id="1" dur="indefinite" restart="never" nodeType="tmRoot"/>
+      </p:par>
+    </p:tnLst>
+  </p:timing>
+</p:sld>
+</file>
+
+<file path=ppt/slides/slide4.xml><?xml version="1.0" encoding="utf-8"?>
+<p:sld xmlns:a="http://schemas.openxmlformats.org/drawingml/2006/main" xmlns:r="http://schemas.openxmlformats.org/officeDocument/2006/relationships" xmlns:p="http://schemas.openxmlformats.org/presentationml/2006/main">
+  <p:cSld>
+    <p:spTree>
+      <p:nvGrpSpPr>
+        <p:cNvPr id="1" name=""/>
+        <p:cNvGrpSpPr/>
+        <p:nvPr/>
+      </p:nvGrpSpPr>
+      <p:grpSpPr>
+        <a:xfrm>
+          <a:off x="0" y="0"/>
+          <a:ext cx="0" cy="0"/>
+          <a:chOff x="0" y="0"/>
+          <a:chExt cx="0" cy="0"/>
+        </a:xfrm>
+      </p:grpSpPr>
+      <p:sp>
+        <p:nvSpPr>
+          <p:cNvPr id="2" name="TextBox 1"/>
+          <p:cNvSpPr txBox="1"/>
+          <p:nvPr/>
+        </p:nvSpPr>
+        <p:spPr>
+          <a:xfrm>
+            <a:off x="-26996" y="2060848"/>
+            <a:ext cx="9144000" cy="3170099"/>
+          </a:xfrm>
+          <a:prstGeom prst="rect">
+            <a:avLst/>
+          </a:prstGeom>
+          <a:noFill/>
+        </p:spPr>
+        <p:txBody>
+          <a:bodyPr wrap="square" rtlCol="0">
+            <a:spAutoFit/>
+          </a:bodyPr>
+          <a:lstStyle/>
+          <a:p>
+            <a:pPr algn="ctr"/>
+            <a:r>
+              <a:rPr lang="en-GB" sz="4000" b="1" dirty="0" smtClean="0">
+                <a:solidFill>
+                  <a:srgbClr val="FF0000"/>
+                </a:solidFill>
+                <a:latin typeface="Comic Sans MS" panose="030F0702030302020204" pitchFamily="66" charset="0"/>
+              </a:rPr>
+              <a:t>APR stands for </a:t>
+            </a:r>
+            <a:r>
+              <a:rPr lang="en-GB" sz="4000" dirty="0" smtClean="0">
+                <a:latin typeface="Comic Sans MS" panose="030F0702030302020204" pitchFamily="66" charset="0"/>
+              </a:rPr>
+              <a:t>Annual Percentage Rate. APR means the total amount a loan will cost across a one year period. Expressed as a single percentage. </a:t>
+            </a:r>
+            <a:endParaRPr lang="en-GB" sz="4000" b="1" dirty="0">
+              <a:solidFill>
+                <a:srgbClr val="FF0000"/>
+              </a:solidFill>
+              <a:latin typeface="Comic Sans MS" panose="030F0702030302020204" pitchFamily="66" charset="0"/>
+            </a:endParaRPr>
+          </a:p>
+        </p:txBody>
+      </p:sp>
+    </p:spTree>
+    <p:extLst>
+      <p:ext uri="{BB962C8B-B14F-4D97-AF65-F5344CB8AC3E}">
+        <p14:creationId xmlns="" xmlns:p14="http://schemas.microsoft.com/office/powerpoint/2010/main" val="2796773158"/>
+      </p:ext>
+    </p:extLst>
+  </p:cSld>
+  <p:clrMapOvr>
+    <a:masterClrMapping/>
+  </p:clrMapOvr>
+  <p:timing>
+    <p:tnLst>
+      <p:par>
+        <p:cTn id="1" dur="indefinite" restart="never" nodeType="tmRoot"/>
+      </p:par>
+    </p:tnLst>
+  </p:timing>
+</p:sld>
+</file>
+
+<file path=ppt/slides/slide5.xml><?xml version="1.0" encoding="utf-8"?>
+<p:sld xmlns:a="http://schemas.openxmlformats.org/drawingml/2006/main" xmlns:r="http://schemas.openxmlformats.org/officeDocument/2006/relationships" xmlns:p="http://schemas.openxmlformats.org/presentationml/2006/main">
+  <p:cSld>
+    <p:spTree>
+      <p:nvGrpSpPr>
+        <p:cNvPr id="1" name=""/>
+        <p:cNvGrpSpPr/>
+        <p:nvPr/>
+      </p:nvGrpSpPr>
+      <p:grpSpPr>
+        <a:xfrm>
+          <a:off x="0" y="0"/>
+          <a:ext cx="0" cy="0"/>
+          <a:chOff x="0" y="0"/>
+          <a:chExt cx="0" cy="0"/>
+        </a:xfrm>
+      </p:grpSpPr>
+      <p:sp>
+        <p:nvSpPr>
+          <p:cNvPr id="2" name="Title 1"/>
+          <p:cNvSpPr>
+            <a:spLocks noGrp="1"/>
+          </p:cNvSpPr>
+          <p:nvPr>
+            <p:ph type="title"/>
+          </p:nvPr>
+        </p:nvSpPr>
+        <p:spPr/>
+        <p:txBody>
+          <a:bodyPr/>
+          <a:lstStyle/>
+          <a:p>
+            <a:r>
+              <a:rPr lang="en-GB" dirty="0" smtClean="0"/>
+              <a:t>So when you need more </a:t>
+            </a:r>
+            <a:r>
+              <a:rPr lang="en-GB" dirty="0" err="1" smtClean="0"/>
+              <a:t>moneY</a:t>
+            </a:r>
+            <a:r>
+              <a:rPr lang="en-GB" dirty="0" smtClean="0"/>
+              <a:t>!</a:t>
+            </a:r>
+            <a:endParaRPr lang="en-GB" dirty="0"/>
+          </a:p>
+        </p:txBody>
+      </p:sp>
+      <p:pic>
+        <p:nvPicPr>
+          <p:cNvPr id="7170" name="Picture 2" descr="http://www.ptglobal.net/wp-content/uploads/2012/10/httpwww.ptglobal.net-2.jpg"/>
+          <p:cNvPicPr>
+            <a:picLocks noChangeAspect="1" noChangeArrowheads="1"/>
+          </p:cNvPicPr>
+          <p:nvPr/>
+        </p:nvPicPr>
+        <p:blipFill>
+          <a:blip r:embed="rId2" cstate="print">
+            <a:extLst>
+              <a:ext uri="{28A0092B-C50C-407E-A947-70E740481C1C}">
+                <a14:useLocalDpi xmlns="" xmlns:a14="http://schemas.microsoft.com/office/drawing/2010/main" val="0"/>
+              </a:ext>
+            </a:extLst>
+          </a:blip>
+          <a:srcRect/>
+          <a:stretch>
+            <a:fillRect/>
+          </a:stretch>
+        </p:blipFill>
+        <p:spPr bwMode="auto">
+          <a:xfrm>
+            <a:off x="27887" y="2276872"/>
+            <a:ext cx="5590928" cy="4193196"/>
+          </a:xfrm>
+          <a:prstGeom prst="rect">
+            <a:avLst/>
+          </a:prstGeom>
+          <a:noFill/>
+          <a:extLst>
+            <a:ext uri="{909E8E84-426E-40DD-AFC4-6F175D3DCCD1}">
+              <a14:hiddenFill xmlns="" xmlns:a14="http://schemas.microsoft.com/office/drawing/2010/main">
+                <a:solidFill>
+                  <a:srgbClr val="FFFFFF"/>
+                </a:solidFill>
+              </a14:hiddenFill>
+            </a:ext>
+          </a:extLst>
+        </p:spPr>
+      </p:pic>
+      <p:pic>
+        <p:nvPicPr>
+          <p:cNvPr id="7172" name="Picture 4" descr="http://www.londonlovesbusiness.com/pictures/462xAny/7/6/3/3763_Wonga.png"/>
+          <p:cNvPicPr>
+            <a:picLocks noChangeAspect="1" noChangeArrowheads="1"/>
+          </p:cNvPicPr>
+          <p:nvPr/>
+        </p:nvPicPr>
+        <p:blipFill>
+          <a:blip r:embed="rId3" cstate="print">
+            <a:extLst>
+              <a:ext uri="{28A0092B-C50C-407E-A947-70E740481C1C}">
+                <a14:useLocalDpi xmlns="" xmlns:a14="http://schemas.microsoft.com/office/drawing/2010/main" val="0"/>
+              </a:ext>
+            </a:extLst>
+          </a:blip>
+          <a:srcRect/>
+          <a:stretch>
+            <a:fillRect/>
+          </a:stretch>
+        </p:blipFill>
+        <p:spPr bwMode="auto">
+          <a:xfrm>
+            <a:off x="4534243" y="1484784"/>
+            <a:ext cx="4400550" cy="3295651"/>
+          </a:xfrm>
+          <a:prstGeom prst="rect">
+            <a:avLst/>
+          </a:prstGeom>
+          <a:noFill/>
+          <a:extLst>
+            <a:ext uri="{909E8E84-426E-40DD-AFC4-6F175D3DCCD1}">
+              <a14:hiddenFill xmlns="" xmlns:a14="http://schemas.microsoft.com/office/drawing/2010/main">
+                <a:solidFill>
+                  <a:srgbClr val="FFFFFF"/>
+                </a:solidFill>
+              </a14:hiddenFill>
+            </a:ext>
+          </a:extLst>
+        </p:spPr>
+      </p:pic>
+      <p:pic>
+        <p:nvPicPr>
+          <p:cNvPr id="7174" name="Picture 6" descr="http://www.blottr.com/sites/default/files/3-month-payday-loans-12-month-payday-loans-and-1-month-loans-httppaydaycashloanstoday.co.uk.jpg"/>
+          <p:cNvPicPr>
+            <a:picLocks noChangeAspect="1" noChangeArrowheads="1"/>
+          </p:cNvPicPr>
+          <p:nvPr/>
+        </p:nvPicPr>
+        <p:blipFill>
+          <a:blip r:embed="rId4" cstate="print">
+            <a:extLst>
+              <a:ext uri="{28A0092B-C50C-407E-A947-70E740481C1C}">
+                <a14:useLocalDpi xmlns="" xmlns:a14="http://schemas.microsoft.com/office/drawing/2010/main" val="0"/>
+              </a:ext>
+            </a:extLst>
+          </a:blip>
+          <a:srcRect/>
+          <a:stretch>
+            <a:fillRect/>
+          </a:stretch>
+        </p:blipFill>
+        <p:spPr bwMode="auto">
+          <a:xfrm>
+            <a:off x="4066973" y="4221088"/>
+            <a:ext cx="4889168" cy="2448272"/>
+          </a:xfrm>
+          <a:prstGeom prst="rect">
+            <a:avLst/>
+          </a:prstGeom>
+          <a:noFill/>
+          <a:extLst>
+            <a:ext uri="{909E8E84-426E-40DD-AFC4-6F175D3DCCD1}">
+              <a14:hiddenFill xmlns="" xmlns:a14="http://schemas.microsoft.com/office/drawing/2010/main">
+                <a:solidFill>
+                  <a:srgbClr val="FFFFFF"/>
+                </a:solidFill>
+              </a14:hiddenFill>
+            </a:ext>
+          </a:extLst>
+        </p:spPr>
+      </p:pic>
+    </p:spTree>
+    <p:extLst>
+      <p:ext uri="{BB962C8B-B14F-4D97-AF65-F5344CB8AC3E}">
+        <p14:creationId xmlns="" xmlns:p14="http://schemas.microsoft.com/office/powerpoint/2010/main" val="3365826456"/>
+      </p:ext>
+    </p:extLst>
+  </p:cSld>
+  <p:clrMapOvr>
+    <a:masterClrMapping/>
+  </p:clrMapOvr>
+  <p:timing>
+    <p:tnLst>
+      <p:par>
+        <p:cTn id="1" dur="indefinite" restart="never" nodeType="tmRoot"/>
+      </p:par>
+    </p:tnLst>
+  </p:timing>
+</p:sld>
+</file>
+
+<file path=ppt/slides/slide6.xml><?xml version="1.0" encoding="utf-8"?>
+<p:sld xmlns:a="http://schemas.openxmlformats.org/drawingml/2006/main" xmlns:r="http://schemas.openxmlformats.org/officeDocument/2006/relationships" xmlns:p="http://schemas.openxmlformats.org/presentationml/2006/main">
+  <p:cSld>
+    <p:spTree>
+      <p:nvGrpSpPr>
+        <p:cNvPr id="1" name=""/>
+        <p:cNvGrpSpPr/>
+        <p:nvPr/>
+      </p:nvGrpSpPr>
+      <p:grpSpPr>
+        <a:xfrm>
+          <a:off x="0" y="0"/>
+          <a:ext cx="0" cy="0"/>
+          <a:chOff x="0" y="0"/>
+          <a:chExt cx="0" cy="0"/>
+        </a:xfrm>
+      </p:grpSpPr>
+      <p:sp>
+        <p:nvSpPr>
+          <p:cNvPr id="2" name="Title 1"/>
+          <p:cNvSpPr>
+            <a:spLocks noGrp="1"/>
+          </p:cNvSpPr>
+          <p:nvPr>
+            <p:ph type="title"/>
+          </p:nvPr>
+        </p:nvSpPr>
+        <p:spPr/>
+        <p:txBody>
+          <a:bodyPr/>
+          <a:lstStyle/>
+          <a:p>
+            <a:r>
+              <a:rPr lang="en-GB" dirty="0" smtClean="0"/>
+              <a:t>Credit Cards</a:t>
+            </a:r>
+            <a:endParaRPr lang="en-GB" dirty="0"/>
+          </a:p>
+        </p:txBody>
+      </p:sp>
+      <p:sp>
+        <p:nvSpPr>
+          <p:cNvPr id="3" name="Content Placeholder 2"/>
+          <p:cNvSpPr>
+            <a:spLocks noGrp="1"/>
+          </p:cNvSpPr>
+          <p:nvPr>
+            <p:ph idx="1"/>
+          </p:nvPr>
+        </p:nvSpPr>
+        <p:spPr/>
+        <p:txBody>
+          <a:bodyPr>
+            <a:normAutofit fontScale="85000" lnSpcReduction="10000"/>
+          </a:bodyPr>
+          <a:lstStyle/>
+          <a:p>
+            <a:r>
+              <a:rPr lang="en-GB" dirty="0" smtClean="0"/>
+              <a:t>How much do you know about credit cards?</a:t>
+            </a:r>
+          </a:p>
+          <a:p>
+            <a:pPr marL="114300" indent="0">
+              <a:buNone/>
+            </a:pPr>
+            <a:endParaRPr lang="en-GB" dirty="0" smtClean="0"/>
+          </a:p>
+          <a:p>
+            <a:pPr marL="114300" indent="0">
+              <a:buNone/>
+            </a:pPr>
+            <a:r>
+              <a:rPr lang="en-GB" dirty="0" smtClean="0"/>
+              <a:t>Credit cards are like a loan from a bank or company. </a:t>
+            </a:r>
+          </a:p>
+          <a:p>
+            <a:pPr marL="114300" indent="0">
+              <a:buNone/>
+            </a:pPr>
+            <a:endParaRPr lang="en-GB" dirty="0"/>
+          </a:p>
+          <a:p>
+            <a:pPr marL="114300" indent="0">
+              <a:buNone/>
+            </a:pPr>
+            <a:r>
+              <a:rPr lang="en-GB" dirty="0" smtClean="0"/>
+              <a:t>Each credit card has an amount of money attached that you are allowed to spend. This is called a </a:t>
+            </a:r>
+            <a:r>
+              <a:rPr lang="en-GB" b="1" dirty="0" smtClean="0"/>
+              <a:t>Limit</a:t>
+            </a:r>
+            <a:r>
+              <a:rPr lang="en-GB" dirty="0" smtClean="0"/>
+              <a:t>.</a:t>
+            </a:r>
+          </a:p>
+          <a:p>
+            <a:pPr marL="114300" indent="0">
+              <a:buNone/>
+            </a:pPr>
+            <a:endParaRPr lang="en-GB" b="1" dirty="0"/>
+          </a:p>
+          <a:p>
+            <a:pPr marL="114300" indent="0">
+              <a:buNone/>
+            </a:pPr>
+            <a:r>
+              <a:rPr lang="en-GB" dirty="0" smtClean="0"/>
+              <a:t>When you spend on a credit card, you are effectively borrowing money from the company, which you will eventually have to pay back.</a:t>
+            </a:r>
+            <a:endParaRPr lang="en-GB" dirty="0"/>
+          </a:p>
+        </p:txBody>
+      </p:sp>
+      <p:pic>
+        <p:nvPicPr>
+          <p:cNvPr id="8194" name="Picture 2" descr="http://www.thedrum.com/uploads/drum_basic_article/83311/main_images/rbs-logo.jpg"/>
+          <p:cNvPicPr>
+            <a:picLocks noChangeAspect="1" noChangeArrowheads="1"/>
+          </p:cNvPicPr>
+          <p:nvPr/>
+        </p:nvPicPr>
+        <p:blipFill>
+          <a:blip r:embed="rId3" cstate="print">
+            <a:extLst>
+              <a:ext uri="{28A0092B-C50C-407E-A947-70E740481C1C}">
+                <a14:useLocalDpi xmlns="" xmlns:a14="http://schemas.microsoft.com/office/drawing/2010/main" val="0"/>
+              </a:ext>
+            </a:extLst>
+          </a:blip>
+          <a:srcRect/>
+          <a:stretch>
+            <a:fillRect/>
+          </a:stretch>
+        </p:blipFill>
+        <p:spPr bwMode="auto">
+          <a:xfrm>
+            <a:off x="179512" y="188640"/>
+            <a:ext cx="1778140" cy="1323268"/>
+          </a:xfrm>
+          <a:prstGeom prst="rect">
+            <a:avLst/>
+          </a:prstGeom>
+          <a:noFill/>
+          <a:extLst>
+            <a:ext uri="{909E8E84-426E-40DD-AFC4-6F175D3DCCD1}">
+              <a14:hiddenFill xmlns="" xmlns:a14="http://schemas.microsoft.com/office/drawing/2010/main">
+                <a:solidFill>
+                  <a:srgbClr val="FFFFFF"/>
+                </a:solidFill>
+              </a14:hiddenFill>
+            </a:ext>
+          </a:extLst>
+        </p:spPr>
+      </p:pic>
+      <p:pic>
+        <p:nvPicPr>
+          <p:cNvPr id="8196" name="Picture 4" descr="http://www.fakenhamtimes.co.uk/polopoly_fs/natwest_1_1419678!image/4260636696.jpg_gen/derivatives/landscape_630/4260636696.jpg"/>
+          <p:cNvPicPr>
+            <a:picLocks noChangeAspect="1" noChangeArrowheads="1"/>
+          </p:cNvPicPr>
+          <p:nvPr/>
+        </p:nvPicPr>
+        <p:blipFill rotWithShape="1">
+          <a:blip r:embed="rId4" cstate="print">
+            <a:extLst>
+              <a:ext uri="{28A0092B-C50C-407E-A947-70E740481C1C}">
+                <a14:useLocalDpi xmlns="" xmlns:a14="http://schemas.microsoft.com/office/drawing/2010/main" val="0"/>
+              </a:ext>
+            </a:extLst>
+          </a:blip>
+          <a:srcRect l="1493" t="25674" r="1362" b="35164"/>
+          <a:stretch/>
+        </p:blipFill>
+        <p:spPr bwMode="auto">
+          <a:xfrm>
+            <a:off x="6444207" y="188640"/>
+            <a:ext cx="2688673" cy="756479"/>
+          </a:xfrm>
+          <a:prstGeom prst="rect">
+            <a:avLst/>
+          </a:prstGeom>
+          <a:noFill/>
+          <a:extLst>
+            <a:ext uri="{909E8E84-426E-40DD-AFC4-6F175D3DCCD1}">
+              <a14:hiddenFill xmlns="" xmlns:a14="http://schemas.microsoft.com/office/drawing/2010/main">
+                <a:solidFill>
+                  <a:srgbClr val="FFFFFF"/>
+                </a:solidFill>
+              </a14:hiddenFill>
+            </a:ext>
+          </a:extLst>
+        </p:spPr>
+      </p:pic>
+      <p:pic>
+        <p:nvPicPr>
+          <p:cNvPr id="8198" name="Picture 6" descr="http://upload.wikimedia.org/wikipedia/en/thumb/b/b7/MasterCard_Logo.svg/220px-MasterCard_Logo.svg.png"/>
+          <p:cNvPicPr>
+            <a:picLocks noChangeAspect="1" noChangeArrowheads="1"/>
+          </p:cNvPicPr>
+          <p:nvPr/>
+        </p:nvPicPr>
+        <p:blipFill>
+          <a:blip r:embed="rId5" cstate="print">
+            <a:extLst>
+              <a:ext uri="{28A0092B-C50C-407E-A947-70E740481C1C}">
+                <a14:useLocalDpi xmlns="" xmlns:a14="http://schemas.microsoft.com/office/drawing/2010/main" val="0"/>
+              </a:ext>
+            </a:extLst>
+          </a:blip>
+          <a:srcRect/>
+          <a:stretch>
+            <a:fillRect/>
+          </a:stretch>
+        </p:blipFill>
+        <p:spPr bwMode="auto">
+          <a:xfrm>
+            <a:off x="6740793" y="5567666"/>
+            <a:ext cx="2095500" cy="1257301"/>
+          </a:xfrm>
+          <a:prstGeom prst="rect">
+            <a:avLst/>
+          </a:prstGeom>
+          <a:noFill/>
+          <a:extLst>
+            <a:ext uri="{909E8E84-426E-40DD-AFC4-6F175D3DCCD1}">
+              <a14:hiddenFill xmlns="" xmlns:a14="http://schemas.microsoft.com/office/drawing/2010/main">
+                <a:solidFill>
+                  <a:srgbClr val="FFFFFF"/>
+                </a:solidFill>
+              </a14:hiddenFill>
+            </a:ext>
+          </a:extLst>
+        </p:spPr>
+      </p:pic>
+      <p:pic>
+        <p:nvPicPr>
+          <p:cNvPr id="8202" name="Picture 10" descr="http://www.thebudgetingtool.com/wp-content/uploads/american-express-platinum-card.jpg"/>
+          <p:cNvPicPr>
+            <a:picLocks noChangeAspect="1" noChangeArrowheads="1"/>
+          </p:cNvPicPr>
+          <p:nvPr/>
+        </p:nvPicPr>
+        <p:blipFill>
+          <a:blip r:embed="rId6" cstate="print">
+            <a:extLst>
+              <a:ext uri="{28A0092B-C50C-407E-A947-70E740481C1C}">
+                <a14:useLocalDpi xmlns="" xmlns:a14="http://schemas.microsoft.com/office/drawing/2010/main" val="0"/>
+              </a:ext>
+            </a:extLst>
+          </a:blip>
+          <a:srcRect/>
+          <a:stretch>
+            <a:fillRect/>
+          </a:stretch>
+        </p:blipFill>
+        <p:spPr bwMode="auto">
+          <a:xfrm>
+            <a:off x="0" y="5846744"/>
+            <a:ext cx="1549506" cy="1011256"/>
+          </a:xfrm>
+          <a:prstGeom prst="rect">
+            <a:avLst/>
+          </a:prstGeom>
+          <a:noFill/>
+          <a:extLst>
+            <a:ext uri="{909E8E84-426E-40DD-AFC4-6F175D3DCCD1}">
+              <a14:hiddenFill xmlns="" xmlns:a14="http://schemas.microsoft.com/office/drawing/2010/main">
+                <a:solidFill>
+                  <a:srgbClr val="FFFFFF"/>
+                </a:solidFill>
+              </a14:hiddenFill>
+            </a:ext>
+          </a:extLst>
+        </p:spPr>
+      </p:pic>
+    </p:spTree>
+    <p:extLst>
+      <p:ext uri="{BB962C8B-B14F-4D97-AF65-F5344CB8AC3E}">
+        <p14:creationId xmlns="" xmlns:p14="http://schemas.microsoft.com/office/powerpoint/2010/main" val="310215174"/>
+      </p:ext>
+    </p:extLst>
+  </p:cSld>
+  <p:clrMapOvr>
+    <a:masterClrMapping/>
+  </p:clrMapOvr>
+  <p:timing>
+    <p:tnLst>
+      <p:par>
+        <p:cTn id="1" dur="indefinite" restart="never" nodeType="tmRoot">
+          <p:childTnLst>
+            <p:seq concurrent="1" nextAc="seek">
+              <p:cTn id="2" dur="indefinite" nodeType="mainSeq">
+                <p:childTnLst>
+                  <p:par>
+                    <p:cTn id="3" fill="hold">
+                      <p:stCondLst>
+                        <p:cond delay="indefinite"/>
+                      </p:stCondLst>
+                      <p:childTnLst>
+                        <p:par>
+                          <p:cTn id="4" fill="hold">
+                            <p:stCondLst>
+                              <p:cond delay="0"/>
+                            </p:stCondLst>
+                            <p:childTnLst>
+                              <p:par>
+                                <p:cTn id="5" presetID="1" presetClass="entr" presetSubtype="0" fill="hold" nodeType="clickEffect">
+                                  <p:stCondLst>
+                                    <p:cond delay="0"/>
+                                  </p:stCondLst>
+                                  <p:childTnLst>
+                                    <p:set>
+                                      <p:cBhvr>
+                                        <p:cTn id="6" dur="1" fill="hold">
+                                          <p:stCondLst>
+                                            <p:cond delay="0"/>
+                                          </p:stCondLst>
+                                        </p:cTn>
+                                        <p:tgtEl>
+                                          <p:spTgt spid="3">
+                                            <p:txEl>
+                                              <p:pRg st="2" end="2"/>
+                                            </p:txEl>
+                                          </p:spTgt>
+                                        </p:tgtEl>
+                                        <p:attrNameLst>
+                                          <p:attrName>style.visibility</p:attrName>
+                                        </p:attrNameLst>
+                                      </p:cBhvr>
+                                      <p:to>
+                                        <p:strVal val="visible"/>
+                                      </p:to>
+                                    </p:set>
+                                  </p:childTnLst>
+                                </p:cTn>
+                              </p:par>
+                            </p:childTnLst>
+                          </p:cTn>
+                        </p:par>
+                      </p:childTnLst>
+                    </p:cTn>
+                  </p:par>
+                  <p:par>
+                    <p:cTn id="7" fill="hold">
+                      <p:stCondLst>
+                        <p:cond delay="indefinite"/>
+                      </p:stCondLst>
+                      <p:childTnLst>
+                        <p:par>
+                          <p:cTn id="8" fill="hold">
+                            <p:stCondLst>
+                              <p:cond delay="0"/>
+                            </p:stCondLst>
+                            <p:childTnLst>
+                              <p:par>
+                                <p:cTn id="9" presetID="1" presetClass="entr" presetSubtype="0" fill="hold" nodeType="clickEffect">
+                                  <p:stCondLst>
+                                    <p:cond delay="0"/>
+                                  </p:stCondLst>
+                                  <p:childTnLst>
+                                    <p:set>
+                                      <p:cBhvr>
+                                        <p:cTn id="10" dur="1" fill="hold">
+                                          <p:stCondLst>
+                                            <p:cond delay="0"/>
+                                          </p:stCondLst>
+                                        </p:cTn>
+                                        <p:tgtEl>
+                                          <p:spTgt spid="3">
+                                            <p:txEl>
+                                              <p:pRg st="4" end="4"/>
+                                            </p:txEl>
+                                          </p:spTgt>
+                                        </p:tgtEl>
+                                        <p:attrNameLst>
+                                          <p:attrName>style.visibility</p:attrName>
+                                        </p:attrNameLst>
+                                      </p:cBhvr>
+                                      <p:to>
+                                        <p:strVal val="visible"/>
+                                      </p:to>
+                                    </p:set>
+                                  </p:childTnLst>
+                                </p:cTn>
+                              </p:par>
+                            </p:childTnLst>
+                          </p:cTn>
+                        </p:par>
+                      </p:childTnLst>
+                    </p:cTn>
+                  </p:par>
+                  <p:par>
+                    <p:cTn id="11" fill="hold">
+                      <p:stCondLst>
+                        <p:cond delay="indefinite"/>
+                      </p:stCondLst>
+                      <p:childTnLst>
+                        <p:par>
+                          <p:cTn id="12" fill="hold">
+                            <p:stCondLst>
+                              <p:cond delay="0"/>
+                            </p:stCondLst>
+                            <p:childTnLst>
+                              <p:par>
+                                <p:cTn id="13" presetID="1" presetClass="entr" presetSubtype="0" fill="hold" nodeType="clickEffect">
+                                  <p:stCondLst>
+                                    <p:cond delay="0"/>
+                                  </p:stCondLst>
+                                  <p:childTnLst>
+                                    <p:set>
+                                      <p:cBhvr>
+                                        <p:cTn id="14" dur="1" fill="hold">
+                                          <p:stCondLst>
+                                            <p:cond delay="0"/>
+                                          </p:stCondLst>
+                                        </p:cTn>
+                                        <p:tgtEl>
+                                          <p:spTgt spid="3">
+                                            <p:txEl>
+                                              <p:pRg st="6" end="6"/>
+                                            </p:txEl>
+                                          </p:spTgt>
+                                        </p:tgtEl>
+                                        <p:attrNameLst>
+                                          <p:attrName>style.visibility</p:attrName>
+                                        </p:attrNameLst>
+                                      </p:cBhvr>
+                                      <p:to>
+                                        <p:strVal val="visible"/>
+                                      </p:to>
+                                    </p:set>
+                                  </p:childTnLst>
+                                </p:cTn>
+                              </p:par>
+                            </p:childTnLst>
+                          </p:cTn>
+                        </p:par>
+                      </p:childTnLst>
+                    </p:cTn>
+                  </p:par>
+                </p:childTnLst>
+              </p:cTn>
+              <p:prevCondLst>
+                <p:cond evt="onPrev" delay="0">
+                  <p:tgtEl>
+                    <p:sldTgt/>
+                  </p:tgtEl>
+                </p:cond>
+              </p:prevCondLst>
+              <p:nextCondLst>
+                <p:cond evt="onNext" delay="0">
+                  <p:tgtEl>
+                    <p:sldTgt/>
+                  </p:tgtEl>
+                </p:cond>
+              </p:nextCondLst>
+            </p:seq>
+          </p:childTnLst>
+        </p:cTn>
+      </p:par>
+    </p:tnLst>
+  </p:timing>
+</p:sld>
+</file>
+
+<file path=ppt/slides/slide7.xml><?xml version="1.0" encoding="utf-8"?>
+<p:sld xmlns:a="http://schemas.openxmlformats.org/drawingml/2006/main" xmlns:r="http://schemas.openxmlformats.org/officeDocument/2006/relationships" xmlns:p="http://schemas.openxmlformats.org/presentationml/2006/main">
+  <p:cSld>
+    <p:spTree>
+      <p:nvGrpSpPr>
+        <p:cNvPr id="1" name=""/>
+        <p:cNvGrpSpPr/>
+        <p:nvPr/>
+      </p:nvGrpSpPr>
+      <p:grpSpPr>
+        <a:xfrm>
+          <a:off x="0" y="0"/>
+          <a:ext cx="0" cy="0"/>
+          <a:chOff x="0" y="0"/>
+          <a:chExt cx="0" cy="0"/>
+        </a:xfrm>
+      </p:grpSpPr>
+      <p:sp>
+        <p:nvSpPr>
+          <p:cNvPr id="3" name="Content Placeholder 2"/>
+          <p:cNvSpPr>
+            <a:spLocks noGrp="1"/>
+          </p:cNvSpPr>
+          <p:nvPr>
+            <p:ph idx="1"/>
+          </p:nvPr>
+        </p:nvSpPr>
+        <p:spPr/>
+        <p:txBody>
+          <a:bodyPr>
+            <a:normAutofit/>
+          </a:bodyPr>
+          <a:lstStyle/>
+          <a:p>
+            <a:pPr fontAlgn="base"/>
+            <a:r>
+              <a:rPr lang="en-GB" dirty="0" smtClean="0"/>
+              <a:t>If </a:t>
+            </a:r>
+            <a:r>
+              <a:rPr lang="en-GB" dirty="0"/>
+              <a:t>you don't pay off the balance in full each month, you will have to pay interest. Remember, if you only pay off the minimum required each month, credit cards can be an expensive form of debt.</a:t>
+            </a:r>
+          </a:p>
+          <a:p>
+            <a:pPr fontAlgn="base"/>
+            <a:r>
+              <a:rPr lang="en-GB" dirty="0"/>
+              <a:t>Not all cards are the same. </a:t>
+            </a:r>
+            <a:r>
+              <a:rPr lang="en-GB" dirty="0" smtClean="0"/>
+              <a:t>Some </a:t>
+            </a:r>
+            <a:r>
+              <a:rPr lang="en-GB" dirty="0"/>
+              <a:t>charge an annual fee, some don't. And interest and APR rates can vary a lot. </a:t>
+            </a:r>
+          </a:p>
+          <a:p>
+            <a:pPr marL="114300" indent="0" fontAlgn="base">
+              <a:buNone/>
+            </a:pPr>
+            <a:endParaRPr lang="en-GB" b="1" dirty="0" smtClean="0"/>
+          </a:p>
+          <a:p>
+            <a:pPr fontAlgn="base"/>
+            <a:endParaRPr lang="en-GB" dirty="0"/>
+          </a:p>
+        </p:txBody>
+      </p:sp>
+      <p:pic>
+        <p:nvPicPr>
+          <p:cNvPr id="4" name="Picture 2" descr="http://www.thedrum.com/uploads/drum_basic_article/83311/main_images/rbs-logo.jpg"/>
+          <p:cNvPicPr>
+            <a:picLocks noChangeAspect="1" noChangeArrowheads="1"/>
+          </p:cNvPicPr>
+          <p:nvPr/>
+        </p:nvPicPr>
+        <p:blipFill>
+          <a:blip r:embed="rId2" cstate="print">
+            <a:extLst>
+              <a:ext uri="{28A0092B-C50C-407E-A947-70E740481C1C}">
+                <a14:useLocalDpi xmlns="" xmlns:a14="http://schemas.microsoft.com/office/drawing/2010/main" val="0"/>
+              </a:ext>
+            </a:extLst>
+          </a:blip>
+          <a:srcRect/>
+          <a:stretch>
+            <a:fillRect/>
+          </a:stretch>
+        </p:blipFill>
+        <p:spPr bwMode="auto">
+          <a:xfrm>
+            <a:off x="179512" y="188640"/>
+            <a:ext cx="1778140" cy="1323268"/>
+          </a:xfrm>
+          <a:prstGeom prst="rect">
+            <a:avLst/>
+          </a:prstGeom>
+          <a:noFill/>
+          <a:extLst>
+            <a:ext uri="{909E8E84-426E-40DD-AFC4-6F175D3DCCD1}">
+              <a14:hiddenFill xmlns="" xmlns:a14="http://schemas.microsoft.com/office/drawing/2010/main">
+                <a:solidFill>
+                  <a:srgbClr val="FFFFFF"/>
+                </a:solidFill>
+              </a14:hiddenFill>
+            </a:ext>
+          </a:extLst>
+        </p:spPr>
+      </p:pic>
+      <p:pic>
+        <p:nvPicPr>
+          <p:cNvPr id="5" name="Picture 4" descr="http://www.fakenhamtimes.co.uk/polopoly_fs/natwest_1_1419678!image/4260636696.jpg_gen/derivatives/landscape_630/4260636696.jpg"/>
+          <p:cNvPicPr>
+            <a:picLocks noChangeAspect="1" noChangeArrowheads="1"/>
+          </p:cNvPicPr>
+          <p:nvPr/>
+        </p:nvPicPr>
+        <p:blipFill rotWithShape="1">
+          <a:blip r:embed="rId3" cstate="print">
+            <a:extLst>
+              <a:ext uri="{28A0092B-C50C-407E-A947-70E740481C1C}">
+                <a14:useLocalDpi xmlns="" xmlns:a14="http://schemas.microsoft.com/office/drawing/2010/main" val="0"/>
+              </a:ext>
+            </a:extLst>
+          </a:blip>
+          <a:srcRect l="1493" t="25674" r="1362" b="35164"/>
+          <a:stretch/>
+        </p:blipFill>
+        <p:spPr bwMode="auto">
+          <a:xfrm>
+            <a:off x="6444207" y="188640"/>
+            <a:ext cx="2688673" cy="756479"/>
+          </a:xfrm>
+          <a:prstGeom prst="rect">
+            <a:avLst/>
+          </a:prstGeom>
+          <a:noFill/>
+          <a:extLst>
+            <a:ext uri="{909E8E84-426E-40DD-AFC4-6F175D3DCCD1}">
+              <a14:hiddenFill xmlns="" xmlns:a14="http://schemas.microsoft.com/office/drawing/2010/main">
+                <a:solidFill>
+                  <a:srgbClr val="FFFFFF"/>
+                </a:solidFill>
+              </a14:hiddenFill>
+            </a:ext>
+          </a:extLst>
+        </p:spPr>
+      </p:pic>
+      <p:pic>
+        <p:nvPicPr>
+          <p:cNvPr id="6" name="Picture 6" descr="http://upload.wikimedia.org/wikipedia/en/thumb/b/b7/MasterCard_Logo.svg/220px-MasterCard_Logo.svg.png"/>
+          <p:cNvPicPr>
+            <a:picLocks noChangeAspect="1" noChangeArrowheads="1"/>
+          </p:cNvPicPr>
+          <p:nvPr/>
+        </p:nvPicPr>
+        <p:blipFill>
+          <a:blip r:embed="rId4" cstate="print">
+            <a:extLst>
+              <a:ext uri="{28A0092B-C50C-407E-A947-70E740481C1C}">
+                <a14:useLocalDpi xmlns="" xmlns:a14="http://schemas.microsoft.com/office/drawing/2010/main" val="0"/>
+              </a:ext>
+            </a:extLst>
+          </a:blip>
+          <a:srcRect/>
+          <a:stretch>
+            <a:fillRect/>
+          </a:stretch>
+        </p:blipFill>
+        <p:spPr bwMode="auto">
+          <a:xfrm>
+            <a:off x="6740793" y="5567666"/>
+            <a:ext cx="2095500" cy="1257301"/>
+          </a:xfrm>
+          <a:prstGeom prst="rect">
+            <a:avLst/>
+          </a:prstGeom>
+          <a:noFill/>
+          <a:extLst>
+            <a:ext uri="{909E8E84-426E-40DD-AFC4-6F175D3DCCD1}">
+              <a14:hiddenFill xmlns="" xmlns:a14="http://schemas.microsoft.com/office/drawing/2010/main">
+                <a:solidFill>
+                  <a:srgbClr val="FFFFFF"/>
+                </a:solidFill>
+              </a14:hiddenFill>
+            </a:ext>
+          </a:extLst>
+        </p:spPr>
+      </p:pic>
+      <p:pic>
+        <p:nvPicPr>
+          <p:cNvPr id="7" name="Picture 10" descr="http://www.thebudgetingtool.com/wp-content/uploads/american-express-platinum-card.jpg"/>
+          <p:cNvPicPr>
+            <a:picLocks noChangeAspect="1" noChangeArrowheads="1"/>
+          </p:cNvPicPr>
+          <p:nvPr/>
+        </p:nvPicPr>
+        <p:blipFill>
+          <a:blip r:embed="rId5" cstate="print">
+            <a:extLst>
+              <a:ext uri="{28A0092B-C50C-407E-A947-70E740481C1C}">
+                <a14:useLocalDpi xmlns="" xmlns:a14="http://schemas.microsoft.com/office/drawing/2010/main" val="0"/>
+              </a:ext>
+            </a:extLst>
+          </a:blip>
+          <a:srcRect/>
+          <a:stretch>
+            <a:fillRect/>
+          </a:stretch>
+        </p:blipFill>
+        <p:spPr bwMode="auto">
+          <a:xfrm>
+            <a:off x="0" y="5846744"/>
+            <a:ext cx="1549506" cy="1011256"/>
+          </a:xfrm>
+          <a:prstGeom prst="rect">
+            <a:avLst/>
+          </a:prstGeom>
+          <a:noFill/>
+          <a:extLst>
+            <a:ext uri="{909E8E84-426E-40DD-AFC4-6F175D3DCCD1}">
+              <a14:hiddenFill xmlns="" xmlns:a14="http://schemas.microsoft.com/office/drawing/2010/main">
+                <a:solidFill>
+                  <a:srgbClr val="FFFFFF"/>
+                </a:solidFill>
+              </a14:hiddenFill>
+            </a:ext>
+          </a:extLst>
+        </p:spPr>
+      </p:pic>
+    </p:spTree>
+    <p:extLst>
+      <p:ext uri="{BB962C8B-B14F-4D97-AF65-F5344CB8AC3E}">
+        <p14:creationId xmlns="" xmlns:p14="http://schemas.microsoft.com/office/powerpoint/2010/main" val="292801570"/>
+      </p:ext>
+    </p:extLst>
+  </p:cSld>
+  <p:clrMapOvr>
+    <a:masterClrMapping/>
+  </p:clrMapOvr>
+  <p:timing>
+    <p:tnLst>
+      <p:par>
+        <p:cTn id="1" dur="indefinite" restart="never" nodeType="tmRoot">
+          <p:childTnLst>
+            <p:seq concurrent="1" nextAc="seek">
+              <p:cTn id="2" dur="indefinite" nodeType="mainSeq">
+                <p:childTnLst>
+                  <p:par>
+                    <p:cTn id="3" fill="hold">
+                      <p:stCondLst>
+                        <p:cond delay="indefinite"/>
+                      </p:stCondLst>
+                      <p:childTnLst>
+                        <p:par>
+                          <p:cTn id="4" fill="hold">
+                            <p:stCondLst>
+                              <p:cond delay="0"/>
+                            </p:stCondLst>
+                            <p:childTnLst>
+                              <p:par>
+                                <p:cTn id="5" presetID="1" presetClass="entr" presetSubtype="0" fill="hold" nodeType="clickEffect">
+                                  <p:stCondLst>
+                                    <p:cond delay="0"/>
+                                  </p:stCondLst>
+                                  <p:childTnLst>
+                                    <p:set>
+                                      <p:cBhvr>
+                                        <p:cTn id="6" dur="1" fill="hold">
+                                          <p:stCondLst>
+                                            <p:cond delay="0"/>
+                                          </p:stCondLst>
+                                        </p:cTn>
+                                        <p:tgtEl>
+                                          <p:spTgt spid="3">
+                                            <p:txEl>
+                                              <p:pRg st="0" end="0"/>
+                                            </p:txEl>
+                                          </p:spTgt>
+                                        </p:tgtEl>
+                                        <p:attrNameLst>
+                                          <p:attrName>style.visibility</p:attrName>
+                                        </p:attrNameLst>
+                                      </p:cBhvr>
+                                      <p:to>
+                                        <p:strVal val="visible"/>
+                                      </p:to>
+                                    </p:set>
+                                  </p:childTnLst>
+                                </p:cTn>
+                              </p:par>
+                            </p:childTnLst>
+                          </p:cTn>
+                        </p:par>
+                      </p:childTnLst>
+                    </p:cTn>
+                  </p:par>
+                  <p:par>
+                    <p:cTn id="7" fill="hold">
+                      <p:stCondLst>
+                        <p:cond delay="indefinite"/>
+                      </p:stCondLst>
+                      <p:childTnLst>
+                        <p:par>
+                          <p:cTn id="8" fill="hold">
+                            <p:stCondLst>
+                              <p:cond delay="0"/>
+                            </p:stCondLst>
+                            <p:childTnLst>
+                              <p:par>
+                                <p:cTn id="9" presetID="1" presetClass="entr" presetSubtype="0" fill="hold" nodeType="clickEffect">
+                                  <p:stCondLst>
+                                    <p:cond delay="0"/>
+                                  </p:stCondLst>
+                                  <p:childTnLst>
+                                    <p:set>
+                                      <p:cBhvr>
+                                        <p:cTn id="10" dur="1" fill="hold">
+                                          <p:stCondLst>
+                                            <p:cond delay="0"/>
+                                          </p:stCondLst>
+                                        </p:cTn>
+                                        <p:tgtEl>
+                                          <p:spTgt spid="3">
+                                            <p:txEl>
+                                              <p:pRg st="1" end="1"/>
+                                            </p:txEl>
+                                          </p:spTgt>
+                                        </p:tgtEl>
+                                        <p:attrNameLst>
+                                          <p:attrName>style.visibility</p:attrName>
+                                        </p:attrNameLst>
+                                      </p:cBhvr>
+                                      <p:to>
+                                        <p:strVal val="visible"/>
+                                      </p:to>
+                                    </p:set>
+                                  </p:childTnLst>
+                                </p:cTn>
+                              </p:par>
+                            </p:childTnLst>
+                          </p:cTn>
+                        </p:par>
+                      </p:childTnLst>
+                    </p:cTn>
+                  </p:par>
+                </p:childTnLst>
+              </p:cTn>
+              <p:prevCondLst>
+                <p:cond evt="onPrev" delay="0">
+                  <p:tgtEl>
+                    <p:sldTgt/>
+                  </p:tgtEl>
+                </p:cond>
+              </p:prevCondLst>
+              <p:nextCondLst>
+                <p:cond evt="onNext" delay="0">
+                  <p:tgtEl>
+                    <p:sldTgt/>
+                  </p:tgtEl>
+                </p:cond>
+              </p:nextCondLst>
+            </p:seq>
+          </p:childTnLst>
+        </p:cTn>
+      </p:par>
+    </p:tnLst>
+  </p:timing>
+</p:sld>
+</file>
+
+<file path=ppt/slides/slide8.xml><?xml version="1.0" encoding="utf-8"?>
+<p:sld xmlns:a="http://schemas.openxmlformats.org/drawingml/2006/main" xmlns:r="http://schemas.openxmlformats.org/officeDocument/2006/relationships" xmlns:p="http://schemas.openxmlformats.org/presentationml/2006/main">
+  <p:cSld>
+    <p:spTree>
+      <p:nvGrpSpPr>
+        <p:cNvPr id="1" name=""/>
+        <p:cNvGrpSpPr/>
+        <p:nvPr/>
+      </p:nvGrpSpPr>
+      <p:grpSpPr>
+        <a:xfrm>
+          <a:off x="0" y="0"/>
+          <a:ext cx="0" cy="0"/>
+          <a:chOff x="0" y="0"/>
+          <a:chExt cx="0" cy="0"/>
+        </a:xfrm>
+      </p:grpSpPr>
+      <p:sp>
+        <p:nvSpPr>
+          <p:cNvPr id="3" name="Content Placeholder 2"/>
+          <p:cNvSpPr>
+            <a:spLocks noGrp="1"/>
+          </p:cNvSpPr>
+          <p:nvPr>
+            <p:ph idx="1"/>
+          </p:nvPr>
+        </p:nvSpPr>
+        <p:spPr/>
+        <p:txBody>
+          <a:bodyPr>
+            <a:normAutofit/>
+          </a:bodyPr>
+          <a:lstStyle/>
+          <a:p>
+            <a:r>
+              <a:rPr lang="en-GB" dirty="0"/>
+              <a:t>It stands for Annual Percentage Rate and illustrates how much your credit card, loan, or other form of credit will cost per year.</a:t>
+            </a:r>
+          </a:p>
+          <a:p>
+            <a:r>
+              <a:rPr lang="en-GB" dirty="0"/>
+              <a:t>For example, if you had </a:t>
+            </a:r>
+            <a:r>
+              <a:rPr lang="en-GB" dirty="0" smtClean="0"/>
+              <a:t>a loan </a:t>
+            </a:r>
+            <a:r>
+              <a:rPr lang="en-GB" dirty="0"/>
+              <a:t>with an APR of 7.7%, this would mean that for each year that the loan was outstanding, 7.7% of the amount borrowed would be added to the total amount you would have to repay</a:t>
+            </a:r>
+            <a:r>
+              <a:rPr lang="en-GB" dirty="0" smtClean="0"/>
+              <a:t>.</a:t>
+            </a:r>
+            <a:endParaRPr lang="en-GB" dirty="0"/>
+          </a:p>
+        </p:txBody>
+      </p:sp>
+      <p:pic>
+        <p:nvPicPr>
+          <p:cNvPr id="4" name="Picture 2" descr="http://www.thedrum.com/uploads/drum_basic_article/83311/main_images/rbs-logo.jpg"/>
+          <p:cNvPicPr>
+            <a:picLocks noChangeAspect="1" noChangeArrowheads="1"/>
+          </p:cNvPicPr>
+          <p:nvPr/>
+        </p:nvPicPr>
+        <p:blipFill>
+          <a:blip r:embed="rId2" cstate="print">
+            <a:extLst>
+              <a:ext uri="{28A0092B-C50C-407E-A947-70E740481C1C}">
+                <a14:useLocalDpi xmlns="" xmlns:a14="http://schemas.microsoft.com/office/drawing/2010/main" val="0"/>
+              </a:ext>
+            </a:extLst>
+          </a:blip>
+          <a:srcRect/>
+          <a:stretch>
+            <a:fillRect/>
+          </a:stretch>
+        </p:blipFill>
+        <p:spPr bwMode="auto">
+          <a:xfrm>
+            <a:off x="179512" y="188640"/>
+            <a:ext cx="1778140" cy="1323268"/>
+          </a:xfrm>
+          <a:prstGeom prst="rect">
+            <a:avLst/>
+          </a:prstGeom>
+          <a:noFill/>
+          <a:extLst>
+            <a:ext uri="{909E8E84-426E-40DD-AFC4-6F175D3DCCD1}">
+              <a14:hiddenFill xmlns="" xmlns:a14="http://schemas.microsoft.com/office/drawing/2010/main">
+                <a:solidFill>
+                  <a:srgbClr val="FFFFFF"/>
+                </a:solidFill>
+              </a14:hiddenFill>
+            </a:ext>
+          </a:extLst>
+        </p:spPr>
+      </p:pic>
+      <p:pic>
+        <p:nvPicPr>
+          <p:cNvPr id="5" name="Picture 4" descr="http://www.fakenhamtimes.co.uk/polopoly_fs/natwest_1_1419678!image/4260636696.jpg_gen/derivatives/landscape_630/4260636696.jpg"/>
+          <p:cNvPicPr>
+            <a:picLocks noChangeAspect="1" noChangeArrowheads="1"/>
+          </p:cNvPicPr>
+          <p:nvPr/>
+        </p:nvPicPr>
+        <p:blipFill rotWithShape="1">
+          <a:blip r:embed="rId3" cstate="print">
+            <a:extLst>
+              <a:ext uri="{28A0092B-C50C-407E-A947-70E740481C1C}">
+                <a14:useLocalDpi xmlns="" xmlns:a14="http://schemas.microsoft.com/office/drawing/2010/main" val="0"/>
+              </a:ext>
+            </a:extLst>
+          </a:blip>
+          <a:srcRect l="1493" t="25674" r="1362" b="35164"/>
+          <a:stretch/>
+        </p:blipFill>
+        <p:spPr bwMode="auto">
+          <a:xfrm>
+            <a:off x="6444207" y="188640"/>
+            <a:ext cx="2688673" cy="756479"/>
+          </a:xfrm>
+          <a:prstGeom prst="rect">
+            <a:avLst/>
+          </a:prstGeom>
+          <a:noFill/>
+          <a:extLst>
+            <a:ext uri="{909E8E84-426E-40DD-AFC4-6F175D3DCCD1}">
+              <a14:hiddenFill xmlns="" xmlns:a14="http://schemas.microsoft.com/office/drawing/2010/main">
+                <a:solidFill>
+                  <a:srgbClr val="FFFFFF"/>
+                </a:solidFill>
+              </a14:hiddenFill>
+            </a:ext>
+          </a:extLst>
+        </p:spPr>
+      </p:pic>
+      <p:pic>
+        <p:nvPicPr>
+          <p:cNvPr id="6" name="Picture 6" descr="http://upload.wikimedia.org/wikipedia/en/thumb/b/b7/MasterCard_Logo.svg/220px-MasterCard_Logo.svg.png"/>
+          <p:cNvPicPr>
+            <a:picLocks noChangeAspect="1" noChangeArrowheads="1"/>
+          </p:cNvPicPr>
+          <p:nvPr/>
+        </p:nvPicPr>
+        <p:blipFill>
+          <a:blip r:embed="rId4" cstate="print">
+            <a:extLst>
+              <a:ext uri="{28A0092B-C50C-407E-A947-70E740481C1C}">
+                <a14:useLocalDpi xmlns="" xmlns:a14="http://schemas.microsoft.com/office/drawing/2010/main" val="0"/>
+              </a:ext>
+            </a:extLst>
+          </a:blip>
+          <a:srcRect/>
+          <a:stretch>
+            <a:fillRect/>
+          </a:stretch>
+        </p:blipFill>
+        <p:spPr bwMode="auto">
+          <a:xfrm>
+            <a:off x="6740793" y="5567666"/>
+            <a:ext cx="2095500" cy="1257301"/>
+          </a:xfrm>
+          <a:prstGeom prst="rect">
+            <a:avLst/>
+          </a:prstGeom>
+          <a:noFill/>
+          <a:extLst>
+            <a:ext uri="{909E8E84-426E-40DD-AFC4-6F175D3DCCD1}">
+              <a14:hiddenFill xmlns="" xmlns:a14="http://schemas.microsoft.com/office/drawing/2010/main">
+                <a:solidFill>
+                  <a:srgbClr val="FFFFFF"/>
+                </a:solidFill>
+              </a14:hiddenFill>
+            </a:ext>
+          </a:extLst>
+        </p:spPr>
+      </p:pic>
+      <p:pic>
+        <p:nvPicPr>
+          <p:cNvPr id="7" name="Picture 10" descr="http://www.thebudgetingtool.com/wp-content/uploads/american-express-platinum-card.jpg"/>
+          <p:cNvPicPr>
+            <a:picLocks noChangeAspect="1" noChangeArrowheads="1"/>
+          </p:cNvPicPr>
+          <p:nvPr/>
+        </p:nvPicPr>
+        <p:blipFill>
+          <a:blip r:embed="rId5" cstate="print">
+            <a:extLst>
+              <a:ext uri="{28A0092B-C50C-407E-A947-70E740481C1C}">
+                <a14:useLocalDpi xmlns="" xmlns:a14="http://schemas.microsoft.com/office/drawing/2010/main" val="0"/>
+              </a:ext>
+            </a:extLst>
+          </a:blip>
+          <a:srcRect/>
+          <a:stretch>
+            <a:fillRect/>
+          </a:stretch>
+        </p:blipFill>
+        <p:spPr bwMode="auto">
+          <a:xfrm>
+            <a:off x="0" y="5846744"/>
+            <a:ext cx="1549506" cy="1011256"/>
+          </a:xfrm>
+          <a:prstGeom prst="rect">
+            <a:avLst/>
+          </a:prstGeom>
+          <a:noFill/>
+          <a:extLst>
+            <a:ext uri="{909E8E84-426E-40DD-AFC4-6F175D3DCCD1}">
+              <a14:hiddenFill xmlns="" xmlns:a14="http://schemas.microsoft.com/office/drawing/2010/main">
+                <a:solidFill>
+                  <a:srgbClr val="FFFFFF"/>
+                </a:solidFill>
+              </a14:hiddenFill>
+            </a:ext>
+          </a:extLst>
+        </p:spPr>
+      </p:pic>
+      <p:sp>
+        <p:nvSpPr>
+          <p:cNvPr id="2" name="TextBox 1"/>
+          <p:cNvSpPr txBox="1"/>
+          <p:nvPr/>
+        </p:nvSpPr>
+        <p:spPr>
+          <a:xfrm>
+            <a:off x="2339752" y="260648"/>
+            <a:ext cx="3672408" cy="1015663"/>
+          </a:xfrm>
+          <a:prstGeom prst="rect">
+            <a:avLst/>
+          </a:prstGeom>
+          <a:noFill/>
+        </p:spPr>
+        <p:txBody>
+          <a:bodyPr wrap="square" rtlCol="0">
+            <a:spAutoFit/>
+          </a:bodyPr>
+          <a:lstStyle/>
+          <a:p>
+            <a:pPr algn="ctr"/>
+            <a:r>
+              <a:rPr lang="en-GB" sz="6000" b="1" dirty="0" smtClean="0"/>
+              <a:t>APR</a:t>
+            </a:r>
+            <a:endParaRPr lang="en-GB" sz="6000" b="1" dirty="0"/>
+          </a:p>
+        </p:txBody>
+      </p:sp>
+    </p:spTree>
+    <p:extLst>
+      <p:ext uri="{BB962C8B-B14F-4D97-AF65-F5344CB8AC3E}">
+        <p14:creationId xmlns="" xmlns:p14="http://schemas.microsoft.com/office/powerpoint/2010/main" val="4051213271"/>
+      </p:ext>
+    </p:extLst>
+  </p:cSld>
+  <p:clrMapOvr>
+    <a:masterClrMapping/>
+  </p:clrMapOvr>
+  <p:timing>
+    <p:tnLst>
+      <p:par>
+        <p:cTn id="1" dur="indefinite" restart="never" nodeType="tmRoot"/>
+      </p:par>
+    </p:tnLst>
+  </p:timing>
+</p:sld>
+</file>
+
+<file path=ppt/slides/slide9.xml><?xml version="1.0" encoding="utf-8"?>
+<p:sld xmlns:a="http://schemas.openxmlformats.org/drawingml/2006/main" xmlns:r="http://schemas.openxmlformats.org/officeDocument/2006/relationships" xmlns:p="http://schemas.openxmlformats.org/presentationml/2006/main">
+  <p:cSld>
+    <p:spTree>
+      <p:nvGrpSpPr>
+        <p:cNvPr id="1" name=""/>
+        <p:cNvGrpSpPr/>
+        <p:nvPr/>
+      </p:nvGrpSpPr>
+      <p:grpSpPr>
+        <a:xfrm>
+          <a:off x="0" y="0"/>
+          <a:ext cx="0" cy="0"/>
+          <a:chOff x="0" y="0"/>
+          <a:chExt cx="0" cy="0"/>
+        </a:xfrm>
+      </p:grpSpPr>
+      <p:cxnSp>
+        <p:nvCxnSpPr>
+          <p:cNvPr id="3" name="Straight Connector 2"/>
+          <p:cNvCxnSpPr/>
+          <p:nvPr/>
+        </p:nvCxnSpPr>
+        <p:spPr>
+          <a:xfrm>
+            <a:off x="3131840" y="0"/>
+            <a:ext cx="0" cy="4293096"/>
+          </a:xfrm>
+          <a:prstGeom prst="line">
+            <a:avLst/>
+          </a:prstGeom>
+          <a:ln w="63500">
+            <a:solidFill>
+              <a:schemeClr val="tx1"/>
+            </a:solidFill>
+          </a:ln>
+        </p:spPr>
+        <p:style>
+          <a:lnRef idx="1">
+            <a:schemeClr val="accent1"/>
+          </a:lnRef>
+          <a:fillRef idx="0">
+            <a:schemeClr val="accent1"/>
+          </a:fillRef>
+          <a:effectRef idx="0">
+            <a:schemeClr val="accent1"/>
+          </a:effectRef>
+          <a:fontRef idx="minor">
+            <a:schemeClr val="tx1"/>
+          </a:fontRef>
+        </p:style>
+      </p:cxnSp>
+      <p:cxnSp>
+        <p:nvCxnSpPr>
+          <p:cNvPr id="5" name="Straight Connector 4"/>
+          <p:cNvCxnSpPr/>
+          <p:nvPr/>
+        </p:nvCxnSpPr>
+        <p:spPr>
+          <a:xfrm>
+            <a:off x="6156176" y="0"/>
+            <a:ext cx="0" cy="4293096"/>
+          </a:xfrm>
+          <a:prstGeom prst="line">
+            <a:avLst/>
+          </a:prstGeom>
+          <a:ln w="63500">
+            <a:solidFill>
+              <a:schemeClr val="tx1"/>
+            </a:solidFill>
+          </a:ln>
+        </p:spPr>
+        <p:style>
+          <a:lnRef idx="1">
+            <a:schemeClr val="accent1"/>
+          </a:lnRef>
+          <a:fillRef idx="0">
+            <a:schemeClr val="accent1"/>
+          </a:fillRef>
+          <a:effectRef idx="0">
+            <a:schemeClr val="accent1"/>
+          </a:effectRef>
+          <a:fontRef idx="minor">
+            <a:schemeClr val="tx1"/>
+          </a:fontRef>
+        </p:style>
+      </p:cxnSp>
+      <p:sp>
+        <p:nvSpPr>
+          <p:cNvPr id="6" name="TextBox 5"/>
+          <p:cNvSpPr txBox="1"/>
+          <p:nvPr/>
+        </p:nvSpPr>
+        <p:spPr>
+          <a:xfrm>
+            <a:off x="0" y="207496"/>
+            <a:ext cx="3131840" cy="400110"/>
+          </a:xfrm>
+          <a:prstGeom prst="rect">
+            <a:avLst/>
+          </a:prstGeom>
+          <a:noFill/>
+        </p:spPr>
+        <p:txBody>
+          <a:bodyPr wrap="square" rtlCol="0">
+            <a:spAutoFit/>
+          </a:bodyPr>
+          <a:lstStyle/>
+          <a:p>
+            <a:pPr algn="ctr"/>
+            <a:r>
+              <a:rPr lang="en-GB" sz="2000" b="1" u="sng" dirty="0" smtClean="0">
+                <a:solidFill>
+                  <a:srgbClr val="FF0000"/>
+                </a:solidFill>
+                <a:latin typeface="Comic Sans MS" panose="030F0702030302020204" pitchFamily="66" charset="0"/>
+              </a:rPr>
+              <a:t>Card 1 </a:t>
+            </a:r>
+            <a:endParaRPr lang="en-GB" sz="2000" b="1" u="sng" dirty="0">
+              <a:solidFill>
+                <a:srgbClr val="FF0000"/>
+              </a:solidFill>
+              <a:latin typeface="Comic Sans MS" panose="030F0702030302020204" pitchFamily="66" charset="0"/>
+            </a:endParaRPr>
+          </a:p>
+        </p:txBody>
+      </p:sp>
+      <p:sp>
+        <p:nvSpPr>
+          <p:cNvPr id="7" name="TextBox 6"/>
+          <p:cNvSpPr txBox="1"/>
+          <p:nvPr/>
+        </p:nvSpPr>
+        <p:spPr>
+          <a:xfrm>
+            <a:off x="3131840" y="225907"/>
+            <a:ext cx="3024336" cy="400110"/>
+          </a:xfrm>
+          <a:prstGeom prst="rect">
+            <a:avLst/>
+          </a:prstGeom>
+          <a:noFill/>
+        </p:spPr>
+        <p:txBody>
+          <a:bodyPr wrap="square" rtlCol="0">
+            <a:spAutoFit/>
+          </a:bodyPr>
+          <a:lstStyle/>
+          <a:p>
+            <a:pPr algn="ctr"/>
+            <a:r>
+              <a:rPr lang="en-GB" sz="2000" b="1" u="sng" dirty="0" smtClean="0">
+                <a:solidFill>
+                  <a:srgbClr val="FF0000"/>
+                </a:solidFill>
+                <a:latin typeface="Comic Sans MS" panose="030F0702030302020204" pitchFamily="66" charset="0"/>
+              </a:rPr>
+              <a:t>Card 2 </a:t>
+            </a:r>
+            <a:endParaRPr lang="en-GB" sz="2000" b="1" u="sng" dirty="0">
+              <a:solidFill>
+                <a:srgbClr val="FF0000"/>
+              </a:solidFill>
+              <a:latin typeface="Comic Sans MS" panose="030F0702030302020204" pitchFamily="66" charset="0"/>
+            </a:endParaRPr>
+          </a:p>
+        </p:txBody>
+      </p:sp>
+      <p:sp>
+        <p:nvSpPr>
+          <p:cNvPr id="8" name="TextBox 7"/>
+          <p:cNvSpPr txBox="1"/>
+          <p:nvPr/>
+        </p:nvSpPr>
+        <p:spPr>
+          <a:xfrm>
+            <a:off x="6288004" y="244318"/>
+            <a:ext cx="2855996" cy="400110"/>
+          </a:xfrm>
+          <a:prstGeom prst="rect">
+            <a:avLst/>
+          </a:prstGeom>
+          <a:noFill/>
+        </p:spPr>
+        <p:txBody>
+          <a:bodyPr wrap="square" rtlCol="0">
+            <a:spAutoFit/>
+          </a:bodyPr>
+          <a:lstStyle/>
+          <a:p>
+            <a:pPr algn="ctr"/>
+            <a:r>
+              <a:rPr lang="en-GB" sz="2000" b="1" u="sng" dirty="0" smtClean="0">
+                <a:solidFill>
+                  <a:srgbClr val="FF0000"/>
+                </a:solidFill>
+                <a:latin typeface="Comic Sans MS" panose="030F0702030302020204" pitchFamily="66" charset="0"/>
+              </a:rPr>
+              <a:t>Card 3</a:t>
+            </a:r>
+            <a:endParaRPr lang="en-GB" sz="2000" b="1" u="sng" dirty="0">
+              <a:solidFill>
+                <a:srgbClr val="FF0000"/>
+              </a:solidFill>
+              <a:latin typeface="Comic Sans MS" panose="030F0702030302020204" pitchFamily="66" charset="0"/>
+            </a:endParaRPr>
+          </a:p>
+        </p:txBody>
+      </p:sp>
+      <p:sp>
+        <p:nvSpPr>
+          <p:cNvPr id="9" name="Rectangle 8"/>
+          <p:cNvSpPr/>
+          <p:nvPr/>
+        </p:nvSpPr>
+        <p:spPr>
+          <a:xfrm>
+            <a:off x="0" y="36822"/>
+            <a:ext cx="9144000" cy="4256274"/>
+          </a:xfrm>
+          <a:prstGeom prst="rect">
+            <a:avLst/>
+          </a:prstGeom>
+          <a:noFill/>
+          <a:ln w="50800">
+            <a:solidFill>
+              <a:schemeClr val="tx1"/>
+            </a:solidFill>
+          </a:ln>
+        </p:spPr>
+        <p:style>
+          <a:lnRef idx="2">
+            <a:schemeClr val="accent1">
+              <a:shade val="50000"/>
+            </a:schemeClr>
+          </a:lnRef>
+          <a:fillRef idx="1">
+            <a:schemeClr val="accent1"/>
+          </a:fillRef>
+          <a:effectRef idx="0">
+            <a:schemeClr val="accent1"/>
+          </a:effectRef>
+          <a:fontRef idx="minor">
+            <a:schemeClr val="lt1"/>
+          </a:fontRef>
+        </p:style>
+        <p:txBody>
+          <a:bodyPr rtlCol="0" anchor="ctr"/>
+          <a:lstStyle/>
+          <a:p>
+            <a:pPr algn="ctr"/>
+            <a:endParaRPr lang="en-GB"/>
+          </a:p>
+        </p:txBody>
+      </p:sp>
+      <p:sp>
+        <p:nvSpPr>
+          <p:cNvPr id="12" name="TextBox 11"/>
+          <p:cNvSpPr txBox="1"/>
+          <p:nvPr/>
+        </p:nvSpPr>
+        <p:spPr>
+          <a:xfrm>
+            <a:off x="0" y="764704"/>
+            <a:ext cx="2843808" cy="2308324"/>
+          </a:xfrm>
+          <a:prstGeom prst="rect">
+            <a:avLst/>
+          </a:prstGeom>
+          <a:noFill/>
+        </p:spPr>
+        <p:txBody>
+          <a:bodyPr wrap="square" rtlCol="0">
+            <a:spAutoFit/>
+          </a:bodyPr>
+          <a:lstStyle/>
+          <a:p>
+            <a:pPr lvl="1" algn="ctr"/>
+            <a:r>
+              <a:rPr lang="en-GB" b="1" i="1" u="sng" dirty="0" smtClean="0">
+                <a:effectLst/>
+                <a:latin typeface="Comic Sans MS" panose="030F0702030302020204" pitchFamily="66" charset="0"/>
+              </a:rPr>
+              <a:t>Barclaycard </a:t>
+            </a:r>
+          </a:p>
+          <a:p>
+            <a:pPr lvl="1" algn="ctr"/>
+            <a:r>
+              <a:rPr lang="en-GB" b="1" i="1" u="sng" dirty="0" smtClean="0">
+                <a:effectLst/>
+                <a:latin typeface="Comic Sans MS" panose="030F0702030302020204" pitchFamily="66" charset="0"/>
+              </a:rPr>
+              <a:t>Platinum Credit Card </a:t>
+            </a:r>
+          </a:p>
+          <a:p>
+            <a:pPr lvl="1"/>
+            <a:endParaRPr lang="en-GB" b="1" i="1" dirty="0" smtClean="0">
+              <a:solidFill>
+                <a:srgbClr val="FF0000"/>
+              </a:solidFill>
+              <a:latin typeface="Comic Sans MS" panose="030F0702030302020204" pitchFamily="66" charset="0"/>
+            </a:endParaRPr>
+          </a:p>
+          <a:p>
+            <a:r>
+              <a:rPr lang="en-GB" b="1" i="1" dirty="0" smtClean="0">
+                <a:solidFill>
+                  <a:srgbClr val="FF0000"/>
+                </a:solidFill>
+                <a:latin typeface="Comic Sans MS" panose="030F0702030302020204" pitchFamily="66" charset="0"/>
+              </a:rPr>
+              <a:t>APR:  </a:t>
+            </a:r>
+            <a:r>
+              <a:rPr lang="en-GB" b="1" i="1" dirty="0" smtClean="0">
+                <a:latin typeface="Comic Sans MS" panose="030F0702030302020204" pitchFamily="66" charset="0"/>
+              </a:rPr>
+              <a:t>18.9%</a:t>
+            </a:r>
+            <a:endParaRPr lang="en-GB" b="1" i="1" dirty="0" smtClean="0">
+              <a:solidFill>
+                <a:srgbClr val="FF0000"/>
+              </a:solidFill>
+              <a:latin typeface="Comic Sans MS" panose="030F0702030302020204" pitchFamily="66" charset="0"/>
+            </a:endParaRPr>
+          </a:p>
+          <a:p>
+            <a:r>
+              <a:rPr lang="en-GB" b="1" i="1" dirty="0" smtClean="0">
+                <a:solidFill>
+                  <a:srgbClr val="FF0000"/>
+                </a:solidFill>
+                <a:latin typeface="Comic Sans MS" panose="030F0702030302020204" pitchFamily="66" charset="0"/>
+              </a:rPr>
+              <a:t> </a:t>
+            </a:r>
+          </a:p>
+          <a:p>
+            <a:r>
+              <a:rPr lang="en-GB" b="1" i="1" dirty="0" smtClean="0">
+                <a:solidFill>
+                  <a:srgbClr val="FF0000"/>
+                </a:solidFill>
+                <a:latin typeface="Comic Sans MS" panose="030F0702030302020204" pitchFamily="66" charset="0"/>
+              </a:rPr>
+              <a:t>Limit: </a:t>
+            </a:r>
+            <a:r>
+              <a:rPr lang="en-GB" b="1" i="1" dirty="0" smtClean="0">
+                <a:latin typeface="Comic Sans MS" panose="030F0702030302020204" pitchFamily="66" charset="0"/>
+              </a:rPr>
+              <a:t>£1,200 </a:t>
+            </a:r>
+            <a:endParaRPr lang="en-GB" b="1" i="1" dirty="0" smtClean="0">
+              <a:solidFill>
+                <a:srgbClr val="FF0000"/>
+              </a:solidFill>
+              <a:latin typeface="Comic Sans MS" panose="030F0702030302020204" pitchFamily="66" charset="0"/>
+            </a:endParaRPr>
+          </a:p>
+          <a:p>
+            <a:r>
+              <a:rPr lang="en-GB" dirty="0" smtClean="0"/>
+              <a:t> </a:t>
+            </a:r>
+            <a:endParaRPr lang="en-GB" dirty="0"/>
+          </a:p>
+        </p:txBody>
+      </p:sp>
+      <p:sp>
+        <p:nvSpPr>
+          <p:cNvPr id="13" name="Rectangle 12"/>
+          <p:cNvSpPr/>
+          <p:nvPr/>
+        </p:nvSpPr>
+        <p:spPr>
+          <a:xfrm>
+            <a:off x="3144002" y="764704"/>
+            <a:ext cx="2724142" cy="2031325"/>
+          </a:xfrm>
+          <a:prstGeom prst="rect">
+            <a:avLst/>
+          </a:prstGeom>
+        </p:spPr>
+        <p:txBody>
+          <a:bodyPr wrap="square">
+            <a:spAutoFit/>
+          </a:bodyPr>
+          <a:lstStyle/>
+          <a:p>
+            <a:pPr lvl="1" algn="ctr"/>
+            <a:r>
+              <a:rPr lang="en-GB" b="1" i="1" u="sng" dirty="0" smtClean="0">
+                <a:effectLst/>
+                <a:latin typeface="Comic Sans MS" panose="030F0702030302020204" pitchFamily="66" charset="0"/>
+              </a:rPr>
+              <a:t>Capital One </a:t>
+            </a:r>
+          </a:p>
+          <a:p>
+            <a:pPr lvl="1" algn="ctr"/>
+            <a:r>
+              <a:rPr lang="en-GB" b="1" i="1" u="sng" dirty="0" smtClean="0">
+                <a:effectLst/>
+                <a:latin typeface="Comic Sans MS" panose="030F0702030302020204" pitchFamily="66" charset="0"/>
+              </a:rPr>
+              <a:t>Classic Platinum</a:t>
+            </a:r>
+          </a:p>
+          <a:p>
+            <a:endParaRPr lang="en-GB" b="1" i="1" dirty="0" smtClean="0">
+              <a:solidFill>
+                <a:srgbClr val="FF0000"/>
+              </a:solidFill>
+              <a:latin typeface="Comic Sans MS" panose="030F0702030302020204" pitchFamily="66" charset="0"/>
+            </a:endParaRPr>
+          </a:p>
+          <a:p>
+            <a:endParaRPr lang="en-GB" b="1" i="1" dirty="0" smtClean="0">
+              <a:solidFill>
+                <a:srgbClr val="FF0000"/>
+              </a:solidFill>
+              <a:latin typeface="Comic Sans MS" panose="030F0702030302020204" pitchFamily="66" charset="0"/>
+            </a:endParaRPr>
+          </a:p>
+          <a:p>
+            <a:r>
+              <a:rPr lang="en-GB" b="1" i="1" dirty="0" smtClean="0">
+                <a:solidFill>
+                  <a:srgbClr val="FF0000"/>
+                </a:solidFill>
+                <a:latin typeface="Comic Sans MS" panose="030F0702030302020204" pitchFamily="66" charset="0"/>
+              </a:rPr>
+              <a:t>APR:   </a:t>
+            </a:r>
+            <a:r>
+              <a:rPr lang="en-GB" b="1" dirty="0" smtClean="0">
+                <a:effectLst/>
+                <a:latin typeface="Comic Sans MS" panose="030F0702030302020204" pitchFamily="66" charset="0"/>
+              </a:rPr>
+              <a:t>29.8%</a:t>
+            </a:r>
+            <a:endParaRPr lang="en-GB" b="1" i="1" dirty="0" smtClean="0">
+              <a:solidFill>
+                <a:srgbClr val="FF0000"/>
+              </a:solidFill>
+              <a:latin typeface="Comic Sans MS" panose="030F0702030302020204" pitchFamily="66" charset="0"/>
+            </a:endParaRPr>
+          </a:p>
+          <a:p>
+            <a:r>
+              <a:rPr lang="en-GB" b="1" i="1" dirty="0" smtClean="0">
+                <a:solidFill>
+                  <a:srgbClr val="FF0000"/>
+                </a:solidFill>
+                <a:latin typeface="Comic Sans MS" panose="030F0702030302020204" pitchFamily="66" charset="0"/>
+              </a:rPr>
+              <a:t> </a:t>
+            </a:r>
+          </a:p>
+          <a:p>
+            <a:r>
+              <a:rPr lang="en-GB" b="1" i="1" dirty="0" smtClean="0">
+                <a:solidFill>
+                  <a:srgbClr val="FF0000"/>
+                </a:solidFill>
+                <a:latin typeface="Comic Sans MS" panose="030F0702030302020204" pitchFamily="66" charset="0"/>
+              </a:rPr>
+              <a:t>Limit: </a:t>
+            </a:r>
+            <a:r>
+              <a:rPr lang="en-GB" b="1" i="1" dirty="0" smtClean="0">
+                <a:latin typeface="Comic Sans MS" panose="030F0702030302020204" pitchFamily="66" charset="0"/>
+              </a:rPr>
+              <a:t>£1,500</a:t>
+            </a:r>
+          </a:p>
+        </p:txBody>
+      </p:sp>
+      <p:sp>
+        <p:nvSpPr>
+          <p:cNvPr id="14" name="Rectangle 13"/>
+          <p:cNvSpPr/>
+          <p:nvPr/>
+        </p:nvSpPr>
+        <p:spPr>
+          <a:xfrm>
+            <a:off x="6156176" y="764704"/>
+            <a:ext cx="2808312" cy="2031325"/>
+          </a:xfrm>
+          <a:prstGeom prst="rect">
+            <a:avLst/>
+          </a:prstGeom>
+        </p:spPr>
+        <p:txBody>
+          <a:bodyPr wrap="square">
+            <a:spAutoFit/>
+          </a:bodyPr>
+          <a:lstStyle/>
+          <a:p>
+            <a:pPr algn="ctr"/>
+            <a:r>
+              <a:rPr lang="en-GB" b="1" i="1" u="sng" dirty="0" err="1" smtClean="0">
+                <a:effectLst/>
+                <a:latin typeface="Comic Sans MS" panose="030F0702030302020204" pitchFamily="66" charset="0"/>
+              </a:rPr>
+              <a:t>Vanquis</a:t>
+            </a:r>
+            <a:r>
+              <a:rPr lang="en-GB" b="1" i="1" u="sng" dirty="0" smtClean="0">
+                <a:effectLst/>
+                <a:latin typeface="Comic Sans MS" panose="030F0702030302020204" pitchFamily="66" charset="0"/>
+              </a:rPr>
+              <a:t> Visa Credit Card </a:t>
+            </a:r>
+            <a:r>
+              <a:rPr lang="en-GB" b="1" i="1" u="sng" dirty="0" smtClean="0">
+                <a:latin typeface="Comic Sans MS" panose="030F0702030302020204" pitchFamily="66" charset="0"/>
+              </a:rPr>
+              <a:t/>
+            </a:r>
+            <a:br>
+              <a:rPr lang="en-GB" b="1" i="1" u="sng" dirty="0" smtClean="0">
+                <a:latin typeface="Comic Sans MS" panose="030F0702030302020204" pitchFamily="66" charset="0"/>
+              </a:rPr>
+            </a:br>
+            <a:r>
+              <a:rPr lang="en-GB" b="1" i="1" u="sng" dirty="0" smtClean="0">
+                <a:latin typeface="Comic Sans MS" panose="030F0702030302020204" pitchFamily="66" charset="0"/>
+              </a:rPr>
+              <a:t/>
+            </a:r>
+            <a:br>
+              <a:rPr lang="en-GB" b="1" i="1" u="sng" dirty="0" smtClean="0">
+                <a:latin typeface="Comic Sans MS" panose="030F0702030302020204" pitchFamily="66" charset="0"/>
+              </a:rPr>
+            </a:br>
+            <a:endParaRPr lang="en-GB" b="1" i="1" u="sng" dirty="0" smtClean="0">
+              <a:solidFill>
+                <a:srgbClr val="FF0000"/>
+              </a:solidFill>
+              <a:latin typeface="Comic Sans MS" panose="030F0702030302020204" pitchFamily="66" charset="0"/>
+            </a:endParaRPr>
+          </a:p>
+          <a:p>
+            <a:r>
+              <a:rPr lang="en-GB" b="1" i="1" dirty="0" smtClean="0">
+                <a:solidFill>
+                  <a:srgbClr val="FF0000"/>
+                </a:solidFill>
+                <a:latin typeface="Comic Sans MS" panose="030F0702030302020204" pitchFamily="66" charset="0"/>
+              </a:rPr>
+              <a:t>APR:   </a:t>
+            </a:r>
+            <a:r>
+              <a:rPr lang="en-GB" b="1" i="1" dirty="0" smtClean="0">
+                <a:latin typeface="Comic Sans MS" panose="030F0702030302020204" pitchFamily="66" charset="0"/>
+              </a:rPr>
+              <a:t>39.9%</a:t>
+            </a:r>
+            <a:endParaRPr lang="en-GB" b="1" i="1" dirty="0" smtClean="0">
+              <a:solidFill>
+                <a:srgbClr val="FF0000"/>
+              </a:solidFill>
+              <a:latin typeface="Comic Sans MS" panose="030F0702030302020204" pitchFamily="66" charset="0"/>
+            </a:endParaRPr>
+          </a:p>
+          <a:p>
+            <a:r>
+              <a:rPr lang="en-GB" b="1" i="1" dirty="0" smtClean="0">
+                <a:solidFill>
+                  <a:srgbClr val="FF0000"/>
+                </a:solidFill>
+                <a:latin typeface="Comic Sans MS" panose="030F0702030302020204" pitchFamily="66" charset="0"/>
+              </a:rPr>
+              <a:t> </a:t>
+            </a:r>
+          </a:p>
+          <a:p>
+            <a:r>
+              <a:rPr lang="en-GB" b="1" i="1" dirty="0" smtClean="0">
+                <a:solidFill>
+                  <a:srgbClr val="FF0000"/>
+                </a:solidFill>
+                <a:latin typeface="Comic Sans MS" panose="030F0702030302020204" pitchFamily="66" charset="0"/>
+              </a:rPr>
+              <a:t>Limit: </a:t>
+            </a:r>
+            <a:r>
+              <a:rPr lang="en-GB" b="1" i="1" dirty="0" smtClean="0">
+                <a:latin typeface="Comic Sans MS" panose="030F0702030302020204" pitchFamily="66" charset="0"/>
+              </a:rPr>
+              <a:t>£3000</a:t>
+            </a:r>
+          </a:p>
+        </p:txBody>
+      </p:sp>
+      <p:pic>
+        <p:nvPicPr>
+          <p:cNvPr id="2050" name="Picture 2" descr="Barclaycard Platinum credit card"/>
+          <p:cNvPicPr>
+            <a:picLocks noChangeAspect="1" noChangeArrowheads="1"/>
+          </p:cNvPicPr>
+          <p:nvPr/>
+        </p:nvPicPr>
+        <p:blipFill>
+          <a:blip r:embed="rId2" cstate="print">
+            <a:extLst>
+              <a:ext uri="{28A0092B-C50C-407E-A947-70E740481C1C}">
+                <a14:useLocalDpi xmlns="" xmlns:a14="http://schemas.microsoft.com/office/drawing/2010/main" val="0"/>
+              </a:ext>
+            </a:extLst>
+          </a:blip>
+          <a:srcRect/>
+          <a:stretch>
+            <a:fillRect/>
+          </a:stretch>
+        </p:blipFill>
+        <p:spPr bwMode="auto">
+          <a:xfrm>
+            <a:off x="880723" y="3068960"/>
+            <a:ext cx="1370393" cy="867917"/>
+          </a:xfrm>
+          <a:prstGeom prst="rect">
+            <a:avLst/>
+          </a:prstGeom>
+          <a:noFill/>
+          <a:ln w="25400">
+            <a:solidFill>
+              <a:schemeClr val="tx1"/>
+            </a:solidFill>
+          </a:ln>
+          <a:extLst>
+            <a:ext uri="{909E8E84-426E-40DD-AFC4-6F175D3DCCD1}">
+              <a14:hiddenFill xmlns="" xmlns:a14="http://schemas.microsoft.com/office/drawing/2010/main">
+                <a:solidFill>
+                  <a:srgbClr val="FFFFFF"/>
+                </a:solidFill>
+              </a14:hiddenFill>
+            </a:ext>
+          </a:extLst>
+        </p:spPr>
+      </p:pic>
+      <p:pic>
+        <p:nvPicPr>
+          <p:cNvPr id="2052" name="Picture 4" descr="Classic Platinum"/>
+          <p:cNvPicPr>
+            <a:picLocks noChangeAspect="1" noChangeArrowheads="1"/>
+          </p:cNvPicPr>
+          <p:nvPr/>
+        </p:nvPicPr>
+        <p:blipFill>
+          <a:blip r:embed="rId3" cstate="print">
+            <a:extLst>
+              <a:ext uri="{28A0092B-C50C-407E-A947-70E740481C1C}">
+                <a14:useLocalDpi xmlns="" xmlns:a14="http://schemas.microsoft.com/office/drawing/2010/main" val="0"/>
+              </a:ext>
+            </a:extLst>
+          </a:blip>
+          <a:srcRect/>
+          <a:stretch>
+            <a:fillRect/>
+          </a:stretch>
+        </p:blipFill>
+        <p:spPr bwMode="auto">
+          <a:xfrm>
+            <a:off x="3710086" y="3000189"/>
+            <a:ext cx="1591974" cy="1005458"/>
+          </a:xfrm>
+          <a:prstGeom prst="rect">
+            <a:avLst/>
+          </a:prstGeom>
+          <a:noFill/>
+          <a:ln w="25400">
+            <a:noFill/>
+          </a:ln>
+          <a:extLst>
+            <a:ext uri="{909E8E84-426E-40DD-AFC4-6F175D3DCCD1}">
+              <a14:hiddenFill xmlns="" xmlns:a14="http://schemas.microsoft.com/office/drawing/2010/main">
+                <a:solidFill>
+                  <a:srgbClr val="FFFFFF"/>
+                </a:solidFill>
+              </a14:hiddenFill>
+            </a:ext>
+          </a:extLst>
+        </p:spPr>
+      </p:pic>
+      <p:pic>
+        <p:nvPicPr>
+          <p:cNvPr id="2054" name="Picture 6" descr="http://t3.gstatic.com/images?q=tbn:ANd9GcQtxmehf1X0m2Vto0SVOTXSii5eU9qqy_KdUxBK_cw8v7dTsDV5utd_yA">
+            <a:hlinkClick r:id="rId4"/>
+          </p:cNvPr>
+          <p:cNvPicPr>
+            <a:picLocks noChangeAspect="1" noChangeArrowheads="1"/>
+          </p:cNvPicPr>
+          <p:nvPr/>
+        </p:nvPicPr>
+        <p:blipFill>
+          <a:blip r:embed="rId5" cstate="print">
+            <a:extLst>
+              <a:ext uri="{28A0092B-C50C-407E-A947-70E740481C1C}">
+                <a14:useLocalDpi xmlns="" xmlns:a14="http://schemas.microsoft.com/office/drawing/2010/main" val="0"/>
+              </a:ext>
+            </a:extLst>
+          </a:blip>
+          <a:srcRect/>
+          <a:stretch>
+            <a:fillRect/>
+          </a:stretch>
+        </p:blipFill>
+        <p:spPr bwMode="auto">
+          <a:xfrm>
+            <a:off x="6875899" y="3068960"/>
+            <a:ext cx="1368866" cy="863849"/>
+          </a:xfrm>
+          <a:prstGeom prst="rect">
+            <a:avLst/>
+          </a:prstGeom>
+          <a:noFill/>
+          <a:extLst>
+            <a:ext uri="{909E8E84-426E-40DD-AFC4-6F175D3DCCD1}">
+              <a14:hiddenFill xmlns="" xmlns:a14="http://schemas.microsoft.com/office/drawing/2010/main">
+                <a:solidFill>
+                  <a:srgbClr val="FFFFFF"/>
+                </a:solidFill>
+              </a14:hiddenFill>
+            </a:ext>
+          </a:extLst>
+        </p:spPr>
+      </p:pic>
+      <p:sp>
+        <p:nvSpPr>
+          <p:cNvPr id="15" name="TextBox 14"/>
+          <p:cNvSpPr txBox="1"/>
+          <p:nvPr/>
+        </p:nvSpPr>
+        <p:spPr>
+          <a:xfrm>
+            <a:off x="0" y="4327198"/>
+            <a:ext cx="9144000" cy="2308324"/>
+          </a:xfrm>
+          <a:prstGeom prst="rect">
+            <a:avLst/>
+          </a:prstGeom>
+          <a:noFill/>
+        </p:spPr>
+        <p:txBody>
+          <a:bodyPr wrap="square" rtlCol="0">
+            <a:spAutoFit/>
+          </a:bodyPr>
+          <a:lstStyle/>
+          <a:p>
+            <a:pPr algn="ctr"/>
+            <a:r>
+              <a:rPr lang="en-GB" b="1" u="sng" dirty="0" smtClean="0">
+                <a:latin typeface="Comic Sans MS" panose="030F0702030302020204" pitchFamily="66" charset="0"/>
+              </a:rPr>
+              <a:t>Your task </a:t>
+            </a:r>
+          </a:p>
+          <a:p>
+            <a:endParaRPr lang="en-GB" b="1" dirty="0">
+              <a:latin typeface="Comic Sans MS" panose="030F0702030302020204" pitchFamily="66" charset="0"/>
+            </a:endParaRPr>
+          </a:p>
+          <a:p>
+            <a:r>
+              <a:rPr lang="en-GB" b="1" dirty="0" smtClean="0">
+                <a:solidFill>
+                  <a:srgbClr val="FF0000"/>
+                </a:solidFill>
+                <a:latin typeface="Comic Sans MS" panose="030F0702030302020204" pitchFamily="66" charset="0"/>
+              </a:rPr>
+              <a:t>On each credit card you have to borrow £1200 .</a:t>
+            </a:r>
+          </a:p>
+          <a:p>
+            <a:r>
+              <a:rPr lang="en-GB" b="1" dirty="0" smtClean="0">
+                <a:solidFill>
+                  <a:srgbClr val="FF0000"/>
+                </a:solidFill>
+                <a:latin typeface="Comic Sans MS" panose="030F0702030302020204" pitchFamily="66" charset="0"/>
+              </a:rPr>
+              <a:t>you need to work how much you will need to repay over: </a:t>
+            </a:r>
+          </a:p>
+          <a:p>
+            <a:pPr marL="285750" indent="-285750" algn="ctr">
+              <a:buFont typeface="Arial" panose="020B0604020202020204" pitchFamily="34" charset="0"/>
+              <a:buChar char="•"/>
+            </a:pPr>
+            <a:r>
+              <a:rPr lang="en-GB" b="1" dirty="0">
+                <a:latin typeface="Comic Sans MS" panose="030F0702030302020204" pitchFamily="66" charset="0"/>
+              </a:rPr>
+              <a:t> </a:t>
+            </a:r>
+            <a:r>
+              <a:rPr lang="en-GB" b="1" dirty="0" smtClean="0">
+                <a:latin typeface="Comic Sans MS" panose="030F0702030302020204" pitchFamily="66" charset="0"/>
+              </a:rPr>
+              <a:t>1 years</a:t>
+            </a:r>
+          </a:p>
+          <a:p>
+            <a:pPr marL="285750" indent="-285750" algn="ctr">
+              <a:buFont typeface="Arial" panose="020B0604020202020204" pitchFamily="34" charset="0"/>
+              <a:buChar char="•"/>
+            </a:pPr>
+            <a:r>
+              <a:rPr lang="en-GB" b="1" dirty="0">
+                <a:latin typeface="Comic Sans MS" panose="030F0702030302020204" pitchFamily="66" charset="0"/>
+              </a:rPr>
+              <a:t> </a:t>
+            </a:r>
+            <a:r>
+              <a:rPr lang="en-GB" b="1" dirty="0" smtClean="0">
+                <a:latin typeface="Comic Sans MS" panose="030F0702030302020204" pitchFamily="66" charset="0"/>
+              </a:rPr>
+              <a:t>3 years</a:t>
+            </a:r>
+          </a:p>
+          <a:p>
+            <a:pPr marL="285750" indent="-285750" algn="ctr">
+              <a:buFont typeface="Arial" panose="020B0604020202020204" pitchFamily="34" charset="0"/>
+              <a:buChar char="•"/>
+            </a:pPr>
+            <a:r>
+              <a:rPr lang="en-GB" b="1" dirty="0">
+                <a:latin typeface="Comic Sans MS" panose="030F0702030302020204" pitchFamily="66" charset="0"/>
+              </a:rPr>
+              <a:t> </a:t>
+            </a:r>
+            <a:r>
+              <a:rPr lang="en-GB" b="1" dirty="0" smtClean="0">
+                <a:latin typeface="Comic Sans MS" panose="030F0702030302020204" pitchFamily="66" charset="0"/>
+              </a:rPr>
+              <a:t>5 years </a:t>
+            </a:r>
+          </a:p>
+          <a:p>
+            <a:pPr algn="r"/>
+            <a:r>
+              <a:rPr lang="en-GB" b="1" dirty="0" smtClean="0">
+                <a:latin typeface="Comic Sans MS" panose="030F0702030302020204" pitchFamily="66" charset="0"/>
+              </a:rPr>
+              <a:t>(Hint remember APR!) </a:t>
+            </a:r>
+            <a:endParaRPr lang="en-GB" b="1" dirty="0">
+              <a:latin typeface="Comic Sans MS" panose="030F0702030302020204" pitchFamily="66" charset="0"/>
+            </a:endParaRPr>
+          </a:p>
+        </p:txBody>
+      </p:sp>
+      <p:sp>
+        <p:nvSpPr>
+          <p:cNvPr id="16" name="TextBox 15"/>
+          <p:cNvSpPr txBox="1"/>
+          <p:nvPr/>
+        </p:nvSpPr>
+        <p:spPr>
+          <a:xfrm>
+            <a:off x="6876256" y="4653136"/>
+            <a:ext cx="2088232" cy="830997"/>
+          </a:xfrm>
+          <a:prstGeom prst="rect">
+            <a:avLst/>
+          </a:prstGeom>
+          <a:noFill/>
+        </p:spPr>
+        <p:txBody>
+          <a:bodyPr wrap="square" rtlCol="0">
+            <a:spAutoFit/>
+          </a:bodyPr>
+          <a:lstStyle/>
+          <a:p>
+            <a:r>
+              <a:rPr lang="en-GB" sz="2400" dirty="0" smtClean="0"/>
+              <a:t>Enter Answers on Next Slide</a:t>
+            </a:r>
+            <a:endParaRPr lang="en-GB" sz="2400" dirty="0"/>
+          </a:p>
+        </p:txBody>
+      </p:sp>
+    </p:spTree>
+    <p:extLst>
+      <p:ext uri="{BB962C8B-B14F-4D97-AF65-F5344CB8AC3E}">
+        <p14:creationId xmlns="" xmlns:p14="http://schemas.microsoft.com/office/powerpoint/2010/main" val="1406374480"/>
       </p:ext>
     </p:extLst>
   </p:cSld>

--- a/15finance/02 Credit Cards.pptx
+++ b/15finance/02 Credit Cards.pptx
@@ -208,7 +208,7 @@
             <a:fld id="{01F3B2B3-38C5-4CBC-9C35-0FEB655F0CFE}" type="datetimeFigureOut">
               <a:rPr lang="en-GB" smtClean="0"/>
               <a:pPr/>
-              <a:t>20/11/2016</a:t>
+              <a:t>22/11/2016</a:t>
             </a:fld>
             <a:endParaRPr lang="en-GB"/>
           </a:p>
@@ -746,7 +746,7 @@
     </p:spTree>
     <p:extLst>
       <p:ext uri="{BB962C8B-B14F-4D97-AF65-F5344CB8AC3E}">
-        <p14:creationId xmlns="" xmlns:p14="http://schemas.microsoft.com/office/powerpoint/2010/main" val="3517865856"/>
+        <p14:creationId xmlns:p14="http://schemas.microsoft.com/office/powerpoint/2010/main" xmlns="" val="3517865856"/>
       </p:ext>
     </p:extLst>
   </p:cSld>
@@ -1020,7 +1020,7 @@
             <a:fld id="{245E5DCC-A267-489E-8C4B-0C8A611A1888}" type="datetimeFigureOut">
               <a:rPr lang="en-GB" smtClean="0"/>
               <a:pPr/>
-              <a:t>20/11/2016</a:t>
+              <a:t>22/11/2016</a:t>
             </a:fld>
             <a:endParaRPr lang="en-GB"/>
           </a:p>
@@ -1072,7 +1072,7 @@
     </p:spTree>
     <p:extLst>
       <p:ext uri="{BB962C8B-B14F-4D97-AF65-F5344CB8AC3E}">
-        <p14:creationId xmlns="" xmlns:p14="http://schemas.microsoft.com/office/powerpoint/2010/main" val="3795135744"/>
+        <p14:creationId xmlns:p14="http://schemas.microsoft.com/office/powerpoint/2010/main" xmlns="" val="3795135744"/>
       </p:ext>
     </p:extLst>
   </p:cSld>
@@ -1192,7 +1192,7 @@
             <a:fld id="{245E5DCC-A267-489E-8C4B-0C8A611A1888}" type="datetimeFigureOut">
               <a:rPr lang="en-GB" smtClean="0"/>
               <a:pPr/>
-              <a:t>20/11/2016</a:t>
+              <a:t>22/11/2016</a:t>
             </a:fld>
             <a:endParaRPr lang="en-GB"/>
           </a:p>
@@ -1244,7 +1244,7 @@
     </p:spTree>
     <p:extLst>
       <p:ext uri="{BB962C8B-B14F-4D97-AF65-F5344CB8AC3E}">
-        <p14:creationId xmlns="" xmlns:p14="http://schemas.microsoft.com/office/powerpoint/2010/main" val="1650520662"/>
+        <p14:creationId xmlns:p14="http://schemas.microsoft.com/office/powerpoint/2010/main" xmlns="" val="1650520662"/>
       </p:ext>
     </p:extLst>
   </p:cSld>
@@ -1374,7 +1374,7 @@
             <a:fld id="{245E5DCC-A267-489E-8C4B-0C8A611A1888}" type="datetimeFigureOut">
               <a:rPr lang="en-GB" smtClean="0"/>
               <a:pPr/>
-              <a:t>20/11/2016</a:t>
+              <a:t>22/11/2016</a:t>
             </a:fld>
             <a:endParaRPr lang="en-GB"/>
           </a:p>
@@ -1426,7 +1426,7 @@
     </p:spTree>
     <p:extLst>
       <p:ext uri="{BB962C8B-B14F-4D97-AF65-F5344CB8AC3E}">
-        <p14:creationId xmlns="" xmlns:p14="http://schemas.microsoft.com/office/powerpoint/2010/main" val="4271198208"/>
+        <p14:creationId xmlns:p14="http://schemas.microsoft.com/office/powerpoint/2010/main" xmlns="" val="4271198208"/>
       </p:ext>
     </p:extLst>
   </p:cSld>
@@ -1546,7 +1546,7 @@
             <a:fld id="{245E5DCC-A267-489E-8C4B-0C8A611A1888}" type="datetimeFigureOut">
               <a:rPr lang="en-GB" smtClean="0"/>
               <a:pPr/>
-              <a:t>20/11/2016</a:t>
+              <a:t>22/11/2016</a:t>
             </a:fld>
             <a:endParaRPr lang="en-GB"/>
           </a:p>
@@ -1598,7 +1598,7 @@
     </p:spTree>
     <p:extLst>
       <p:ext uri="{BB962C8B-B14F-4D97-AF65-F5344CB8AC3E}">
-        <p14:creationId xmlns="" xmlns:p14="http://schemas.microsoft.com/office/powerpoint/2010/main" val="3395567130"/>
+        <p14:creationId xmlns:p14="http://schemas.microsoft.com/office/powerpoint/2010/main" xmlns="" val="3395567130"/>
       </p:ext>
     </p:extLst>
   </p:cSld>
@@ -1794,7 +1794,7 @@
             <a:fld id="{245E5DCC-A267-489E-8C4B-0C8A611A1888}" type="datetimeFigureOut">
               <a:rPr lang="en-GB" smtClean="0"/>
               <a:pPr/>
-              <a:t>20/11/2016</a:t>
+              <a:t>22/11/2016</a:t>
             </a:fld>
             <a:endParaRPr lang="en-GB"/>
           </a:p>
@@ -1846,7 +1846,7 @@
     </p:spTree>
     <p:extLst>
       <p:ext uri="{BB962C8B-B14F-4D97-AF65-F5344CB8AC3E}">
-        <p14:creationId xmlns="" xmlns:p14="http://schemas.microsoft.com/office/powerpoint/2010/main" val="741615603"/>
+        <p14:creationId xmlns:p14="http://schemas.microsoft.com/office/powerpoint/2010/main" xmlns="" val="741615603"/>
       </p:ext>
     </p:extLst>
   </p:cSld>
@@ -2084,7 +2084,7 @@
             <a:fld id="{245E5DCC-A267-489E-8C4B-0C8A611A1888}" type="datetimeFigureOut">
               <a:rPr lang="en-GB" smtClean="0"/>
               <a:pPr/>
-              <a:t>20/11/2016</a:t>
+              <a:t>22/11/2016</a:t>
             </a:fld>
             <a:endParaRPr lang="en-GB"/>
           </a:p>
@@ -2136,7 +2136,7 @@
     </p:spTree>
     <p:extLst>
       <p:ext uri="{BB962C8B-B14F-4D97-AF65-F5344CB8AC3E}">
-        <p14:creationId xmlns="" xmlns:p14="http://schemas.microsoft.com/office/powerpoint/2010/main" val="2595005895"/>
+        <p14:creationId xmlns:p14="http://schemas.microsoft.com/office/powerpoint/2010/main" xmlns="" val="2595005895"/>
       </p:ext>
     </p:extLst>
   </p:cSld>
@@ -2508,7 +2508,7 @@
             <a:fld id="{245E5DCC-A267-489E-8C4B-0C8A611A1888}" type="datetimeFigureOut">
               <a:rPr lang="en-GB" smtClean="0"/>
               <a:pPr/>
-              <a:t>20/11/2016</a:t>
+              <a:t>22/11/2016</a:t>
             </a:fld>
             <a:endParaRPr lang="en-GB"/>
           </a:p>
@@ -2560,7 +2560,7 @@
     </p:spTree>
     <p:extLst>
       <p:ext uri="{BB962C8B-B14F-4D97-AF65-F5344CB8AC3E}">
-        <p14:creationId xmlns="" xmlns:p14="http://schemas.microsoft.com/office/powerpoint/2010/main" val="2824062158"/>
+        <p14:creationId xmlns:p14="http://schemas.microsoft.com/office/powerpoint/2010/main" xmlns="" val="2824062158"/>
       </p:ext>
     </p:extLst>
   </p:cSld>
@@ -2628,7 +2628,7 @@
             <a:fld id="{245E5DCC-A267-489E-8C4B-0C8A611A1888}" type="datetimeFigureOut">
               <a:rPr lang="en-GB" smtClean="0"/>
               <a:pPr/>
-              <a:t>20/11/2016</a:t>
+              <a:t>22/11/2016</a:t>
             </a:fld>
             <a:endParaRPr lang="en-GB"/>
           </a:p>
@@ -2680,7 +2680,7 @@
     </p:spTree>
     <p:extLst>
       <p:ext uri="{BB962C8B-B14F-4D97-AF65-F5344CB8AC3E}">
-        <p14:creationId xmlns="" xmlns:p14="http://schemas.microsoft.com/office/powerpoint/2010/main" val="1093719169"/>
+        <p14:creationId xmlns:p14="http://schemas.microsoft.com/office/powerpoint/2010/main" xmlns="" val="1093719169"/>
       </p:ext>
     </p:extLst>
   </p:cSld>
@@ -2725,7 +2725,7 @@
             <a:fld id="{245E5DCC-A267-489E-8C4B-0C8A611A1888}" type="datetimeFigureOut">
               <a:rPr lang="en-GB" smtClean="0"/>
               <a:pPr/>
-              <a:t>20/11/2016</a:t>
+              <a:t>22/11/2016</a:t>
             </a:fld>
             <a:endParaRPr lang="en-GB"/>
           </a:p>
@@ -2777,7 +2777,7 @@
     </p:spTree>
     <p:extLst>
       <p:ext uri="{BB962C8B-B14F-4D97-AF65-F5344CB8AC3E}">
-        <p14:creationId xmlns="" xmlns:p14="http://schemas.microsoft.com/office/powerpoint/2010/main" val="3666968362"/>
+        <p14:creationId xmlns:p14="http://schemas.microsoft.com/office/powerpoint/2010/main" xmlns="" val="3666968362"/>
       </p:ext>
     </p:extLst>
   </p:cSld>
@@ -3004,7 +3004,7 @@
             <a:fld id="{245E5DCC-A267-489E-8C4B-0C8A611A1888}" type="datetimeFigureOut">
               <a:rPr lang="en-GB" smtClean="0"/>
               <a:pPr/>
-              <a:t>20/11/2016</a:t>
+              <a:t>22/11/2016</a:t>
             </a:fld>
             <a:endParaRPr lang="en-GB"/>
           </a:p>
@@ -3056,7 +3056,7 @@
     </p:spTree>
     <p:extLst>
       <p:ext uri="{BB962C8B-B14F-4D97-AF65-F5344CB8AC3E}">
-        <p14:creationId xmlns="" xmlns:p14="http://schemas.microsoft.com/office/powerpoint/2010/main" val="3793018940"/>
+        <p14:creationId xmlns:p14="http://schemas.microsoft.com/office/powerpoint/2010/main" xmlns="" val="3793018940"/>
       </p:ext>
     </p:extLst>
   </p:cSld>
@@ -3259,7 +3259,7 @@
             <a:fld id="{245E5DCC-A267-489E-8C4B-0C8A611A1888}" type="datetimeFigureOut">
               <a:rPr lang="en-GB" smtClean="0"/>
               <a:pPr/>
-              <a:t>20/11/2016</a:t>
+              <a:t>22/11/2016</a:t>
             </a:fld>
             <a:endParaRPr lang="en-GB"/>
           </a:p>
@@ -3311,7 +3311,7 @@
     </p:spTree>
     <p:extLst>
       <p:ext uri="{BB962C8B-B14F-4D97-AF65-F5344CB8AC3E}">
-        <p14:creationId xmlns="" xmlns:p14="http://schemas.microsoft.com/office/powerpoint/2010/main" val="1356301842"/>
+        <p14:creationId xmlns:p14="http://schemas.microsoft.com/office/powerpoint/2010/main" xmlns="" val="1356301842"/>
       </p:ext>
     </p:extLst>
   </p:cSld>
@@ -3474,7 +3474,7 @@
             <a:fld id="{245E5DCC-A267-489E-8C4B-0C8A611A1888}" type="datetimeFigureOut">
               <a:rPr lang="en-GB" smtClean="0"/>
               <a:pPr/>
-              <a:t>20/11/2016</a:t>
+              <a:t>22/11/2016</a:t>
             </a:fld>
             <a:endParaRPr lang="en-GB"/>
           </a:p>
@@ -3562,7 +3562,7 @@
     </p:spTree>
     <p:extLst>
       <p:ext uri="{BB962C8B-B14F-4D97-AF65-F5344CB8AC3E}">
-        <p14:creationId xmlns="" xmlns:p14="http://schemas.microsoft.com/office/powerpoint/2010/main" val="4272518248"/>
+        <p14:creationId xmlns:p14="http://schemas.microsoft.com/office/powerpoint/2010/main" xmlns="" val="4272518248"/>
       </p:ext>
     </p:extLst>
   </p:cSld>
@@ -3900,7 +3900,7 @@
     </p:spTree>
     <p:extLst>
       <p:ext uri="{BB962C8B-B14F-4D97-AF65-F5344CB8AC3E}">
-        <p14:creationId xmlns="" xmlns:p14="http://schemas.microsoft.com/office/powerpoint/2010/main" val="3429634830"/>
+        <p14:creationId xmlns:p14="http://schemas.microsoft.com/office/powerpoint/2010/main" xmlns="" val="3429634830"/>
       </p:ext>
     </p:extLst>
   </p:cSld>
@@ -4365,7 +4365,7 @@
           <a:blip r:embed="rId2" cstate="print">
             <a:extLst>
               <a:ext uri="{28A0092B-C50C-407E-A947-70E740481C1C}">
-                <a14:useLocalDpi xmlns="" xmlns:a14="http://schemas.microsoft.com/office/drawing/2010/main" val="0"/>
+                <a14:useLocalDpi xmlns:a14="http://schemas.microsoft.com/office/drawing/2010/main" xmlns="" val="0"/>
               </a:ext>
             </a:extLst>
           </a:blip>
@@ -4388,14 +4388,14 @@
           </a:ln>
           <a:extLst>
             <a:ext uri="{909E8E84-426E-40DD-AFC4-6F175D3DCCD1}">
-              <a14:hiddenFill xmlns="" xmlns:a14="http://schemas.microsoft.com/office/drawing/2010/main">
+              <a14:hiddenFill xmlns:a14="http://schemas.microsoft.com/office/drawing/2010/main" xmlns="">
                 <a:solidFill>
                   <a:schemeClr val="accent1"/>
                 </a:solidFill>
               </a14:hiddenFill>
             </a:ext>
             <a:ext uri="{91240B29-F687-4F45-9708-019B960494DF}">
-              <a14:hiddenLine xmlns="" xmlns:a14="http://schemas.microsoft.com/office/drawing/2010/main" w="9525">
+              <a14:hiddenLine xmlns:a14="http://schemas.microsoft.com/office/drawing/2010/main" xmlns="" w="9525">
                 <a:solidFill>
                   <a:schemeClr val="tx1"/>
                 </a:solidFill>
@@ -4410,7 +4410,7 @@
     </p:spTree>
     <p:extLst>
       <p:ext uri="{BB962C8B-B14F-4D97-AF65-F5344CB8AC3E}">
-        <p14:creationId xmlns="" xmlns:p14="http://schemas.microsoft.com/office/powerpoint/2010/main" val="2399019395"/>
+        <p14:creationId xmlns:p14="http://schemas.microsoft.com/office/powerpoint/2010/main" xmlns="" val="2399019395"/>
       </p:ext>
     </p:extLst>
   </p:cSld>
@@ -4520,7 +4520,7 @@
     </p:spTree>
     <p:extLst>
       <p:ext uri="{BB962C8B-B14F-4D97-AF65-F5344CB8AC3E}">
-        <p14:creationId xmlns="" xmlns:p14="http://schemas.microsoft.com/office/powerpoint/2010/main" val="3410360413"/>
+        <p14:creationId xmlns:p14="http://schemas.microsoft.com/office/powerpoint/2010/main" xmlns="" val="3410360413"/>
       </p:ext>
     </p:extLst>
   </p:cSld>
@@ -4896,7 +4896,7 @@
     </p:spTree>
     <p:extLst>
       <p:ext uri="{BB962C8B-B14F-4D97-AF65-F5344CB8AC3E}">
-        <p14:creationId xmlns="" xmlns:p14="http://schemas.microsoft.com/office/powerpoint/2010/main" val="1780648371"/>
+        <p14:creationId xmlns:p14="http://schemas.microsoft.com/office/powerpoint/2010/main" xmlns="" val="1780648371"/>
       </p:ext>
     </p:extLst>
   </p:cSld>
@@ -5926,7 +5926,7 @@
     </p:spTree>
     <p:extLst>
       <p:ext uri="{BB962C8B-B14F-4D97-AF65-F5344CB8AC3E}">
-        <p14:creationId xmlns="" xmlns:p14="http://schemas.microsoft.com/office/powerpoint/2010/main" val="1053858350"/>
+        <p14:creationId xmlns:p14="http://schemas.microsoft.com/office/powerpoint/2010/main" xmlns="" val="1053858350"/>
       </p:ext>
     </p:extLst>
   </p:cSld>
@@ -6085,7 +6085,7 @@
     </p:spTree>
     <p:extLst>
       <p:ext uri="{BB962C8B-B14F-4D97-AF65-F5344CB8AC3E}">
-        <p14:creationId xmlns="" xmlns:p14="http://schemas.microsoft.com/office/powerpoint/2010/main" val="2946536019"/>
+        <p14:creationId xmlns:p14="http://schemas.microsoft.com/office/powerpoint/2010/main" xmlns="" val="2946536019"/>
       </p:ext>
     </p:extLst>
   </p:cSld>
@@ -6174,7 +6174,7 @@
     </p:spTree>
     <p:extLst>
       <p:ext uri="{BB962C8B-B14F-4D97-AF65-F5344CB8AC3E}">
-        <p14:creationId xmlns="" xmlns:p14="http://schemas.microsoft.com/office/powerpoint/2010/main" val="509015518"/>
+        <p14:creationId xmlns:p14="http://schemas.microsoft.com/office/powerpoint/2010/main" xmlns="" val="509015518"/>
       </p:ext>
     </p:extLst>
   </p:cSld>
@@ -6273,7 +6273,7 @@
     </p:spTree>
     <p:extLst>
       <p:ext uri="{BB962C8B-B14F-4D97-AF65-F5344CB8AC3E}">
-        <p14:creationId xmlns="" xmlns:p14="http://schemas.microsoft.com/office/powerpoint/2010/main" val="1087716692"/>
+        <p14:creationId xmlns:p14="http://schemas.microsoft.com/office/powerpoint/2010/main" xmlns="" val="1087716692"/>
       </p:ext>
     </p:extLst>
   </p:cSld>
@@ -6357,7 +6357,7 @@
     </p:spTree>
     <p:extLst>
       <p:ext uri="{BB962C8B-B14F-4D97-AF65-F5344CB8AC3E}">
-        <p14:creationId xmlns="" xmlns:p14="http://schemas.microsoft.com/office/powerpoint/2010/main" val="2796773158"/>
+        <p14:creationId xmlns:p14="http://schemas.microsoft.com/office/powerpoint/2010/main" xmlns="" val="2796773158"/>
       </p:ext>
     </p:extLst>
   </p:cSld>
@@ -6434,7 +6434,7 @@
           <a:blip r:embed="rId2" cstate="print">
             <a:extLst>
               <a:ext uri="{28A0092B-C50C-407E-A947-70E740481C1C}">
-                <a14:useLocalDpi xmlns="" xmlns:a14="http://schemas.microsoft.com/office/drawing/2010/main" val="0"/>
+                <a14:useLocalDpi xmlns:a14="http://schemas.microsoft.com/office/drawing/2010/main" xmlns="" val="0"/>
               </a:ext>
             </a:extLst>
           </a:blip>
@@ -6454,7 +6454,7 @@
           <a:noFill/>
           <a:extLst>
             <a:ext uri="{909E8E84-426E-40DD-AFC4-6F175D3DCCD1}">
-              <a14:hiddenFill xmlns="" xmlns:a14="http://schemas.microsoft.com/office/drawing/2010/main">
+              <a14:hiddenFill xmlns:a14="http://schemas.microsoft.com/office/drawing/2010/main" xmlns="">
                 <a:solidFill>
                   <a:srgbClr val="FFFFFF"/>
                 </a:solidFill>
@@ -6475,7 +6475,7 @@
           <a:blip r:embed="rId3" cstate="print">
             <a:extLst>
               <a:ext uri="{28A0092B-C50C-407E-A947-70E740481C1C}">
-                <a14:useLocalDpi xmlns="" xmlns:a14="http://schemas.microsoft.com/office/drawing/2010/main" val="0"/>
+                <a14:useLocalDpi xmlns:a14="http://schemas.microsoft.com/office/drawing/2010/main" xmlns="" val="0"/>
               </a:ext>
             </a:extLst>
           </a:blip>
@@ -6495,7 +6495,7 @@
           <a:noFill/>
           <a:extLst>
             <a:ext uri="{909E8E84-426E-40DD-AFC4-6F175D3DCCD1}">
-              <a14:hiddenFill xmlns="" xmlns:a14="http://schemas.microsoft.com/office/drawing/2010/main">
+              <a14:hiddenFill xmlns:a14="http://schemas.microsoft.com/office/drawing/2010/main" xmlns="">
                 <a:solidFill>
                   <a:srgbClr val="FFFFFF"/>
                 </a:solidFill>
@@ -6516,7 +6516,7 @@
           <a:blip r:embed="rId4" cstate="print">
             <a:extLst>
               <a:ext uri="{28A0092B-C50C-407E-A947-70E740481C1C}">
-                <a14:useLocalDpi xmlns="" xmlns:a14="http://schemas.microsoft.com/office/drawing/2010/main" val="0"/>
+                <a14:useLocalDpi xmlns:a14="http://schemas.microsoft.com/office/drawing/2010/main" xmlns="" val="0"/>
               </a:ext>
             </a:extLst>
           </a:blip>
@@ -6536,7 +6536,7 @@
           <a:noFill/>
           <a:extLst>
             <a:ext uri="{909E8E84-426E-40DD-AFC4-6F175D3DCCD1}">
-              <a14:hiddenFill xmlns="" xmlns:a14="http://schemas.microsoft.com/office/drawing/2010/main">
+              <a14:hiddenFill xmlns:a14="http://schemas.microsoft.com/office/drawing/2010/main" xmlns="">
                 <a:solidFill>
                   <a:srgbClr val="FFFFFF"/>
                 </a:solidFill>
@@ -6548,7 +6548,7 @@
     </p:spTree>
     <p:extLst>
       <p:ext uri="{BB962C8B-B14F-4D97-AF65-F5344CB8AC3E}">
-        <p14:creationId xmlns="" xmlns:p14="http://schemas.microsoft.com/office/powerpoint/2010/main" val="3365826456"/>
+        <p14:creationId xmlns:p14="http://schemas.microsoft.com/office/powerpoint/2010/main" xmlns="" val="3365826456"/>
       </p:ext>
     </p:extLst>
   </p:cSld>
@@ -6695,7 +6695,7 @@
           <a:blip r:embed="rId3" cstate="print">
             <a:extLst>
               <a:ext uri="{28A0092B-C50C-407E-A947-70E740481C1C}">
-                <a14:useLocalDpi xmlns="" xmlns:a14="http://schemas.microsoft.com/office/drawing/2010/main" val="0"/>
+                <a14:useLocalDpi xmlns:a14="http://schemas.microsoft.com/office/drawing/2010/main" xmlns="" val="0"/>
               </a:ext>
             </a:extLst>
           </a:blip>
@@ -6715,7 +6715,7 @@
           <a:noFill/>
           <a:extLst>
             <a:ext uri="{909E8E84-426E-40DD-AFC4-6F175D3DCCD1}">
-              <a14:hiddenFill xmlns="" xmlns:a14="http://schemas.microsoft.com/office/drawing/2010/main">
+              <a14:hiddenFill xmlns:a14="http://schemas.microsoft.com/office/drawing/2010/main" xmlns="">
                 <a:solidFill>
                   <a:srgbClr val="FFFFFF"/>
                 </a:solidFill>
@@ -6736,7 +6736,7 @@
           <a:blip r:embed="rId4" cstate="print">
             <a:extLst>
               <a:ext uri="{28A0092B-C50C-407E-A947-70E740481C1C}">
-                <a14:useLocalDpi xmlns="" xmlns:a14="http://schemas.microsoft.com/office/drawing/2010/main" val="0"/>
+                <a14:useLocalDpi xmlns:a14="http://schemas.microsoft.com/office/drawing/2010/main" xmlns="" val="0"/>
               </a:ext>
             </a:extLst>
           </a:blip>
@@ -6754,7 +6754,7 @@
           <a:noFill/>
           <a:extLst>
             <a:ext uri="{909E8E84-426E-40DD-AFC4-6F175D3DCCD1}">
-              <a14:hiddenFill xmlns="" xmlns:a14="http://schemas.microsoft.com/office/drawing/2010/main">
+              <a14:hiddenFill xmlns:a14="http://schemas.microsoft.com/office/drawing/2010/main" xmlns="">
                 <a:solidFill>
                   <a:srgbClr val="FFFFFF"/>
                 </a:solidFill>
@@ -6775,7 +6775,7 @@
           <a:blip r:embed="rId5" cstate="print">
             <a:extLst>
               <a:ext uri="{28A0092B-C50C-407E-A947-70E740481C1C}">
-                <a14:useLocalDpi xmlns="" xmlns:a14="http://schemas.microsoft.com/office/drawing/2010/main" val="0"/>
+                <a14:useLocalDpi xmlns:a14="http://schemas.microsoft.com/office/drawing/2010/main" xmlns="" val="0"/>
               </a:ext>
             </a:extLst>
           </a:blip>
@@ -6795,7 +6795,7 @@
           <a:noFill/>
           <a:extLst>
             <a:ext uri="{909E8E84-426E-40DD-AFC4-6F175D3DCCD1}">
-              <a14:hiddenFill xmlns="" xmlns:a14="http://schemas.microsoft.com/office/drawing/2010/main">
+              <a14:hiddenFill xmlns:a14="http://schemas.microsoft.com/office/drawing/2010/main" xmlns="">
                 <a:solidFill>
                   <a:srgbClr val="FFFFFF"/>
                 </a:solidFill>
@@ -6816,7 +6816,7 @@
           <a:blip r:embed="rId6" cstate="print">
             <a:extLst>
               <a:ext uri="{28A0092B-C50C-407E-A947-70E740481C1C}">
-                <a14:useLocalDpi xmlns="" xmlns:a14="http://schemas.microsoft.com/office/drawing/2010/main" val="0"/>
+                <a14:useLocalDpi xmlns:a14="http://schemas.microsoft.com/office/drawing/2010/main" xmlns="" val="0"/>
               </a:ext>
             </a:extLst>
           </a:blip>
@@ -6836,7 +6836,7 @@
           <a:noFill/>
           <a:extLst>
             <a:ext uri="{909E8E84-426E-40DD-AFC4-6F175D3DCCD1}">
-              <a14:hiddenFill xmlns="" xmlns:a14="http://schemas.microsoft.com/office/drawing/2010/main">
+              <a14:hiddenFill xmlns:a14="http://schemas.microsoft.com/office/drawing/2010/main" xmlns="">
                 <a:solidFill>
                   <a:srgbClr val="FFFFFF"/>
                 </a:solidFill>
@@ -6848,7 +6848,7 @@
     </p:spTree>
     <p:extLst>
       <p:ext uri="{BB962C8B-B14F-4D97-AF65-F5344CB8AC3E}">
-        <p14:creationId xmlns="" xmlns:p14="http://schemas.microsoft.com/office/powerpoint/2010/main" val="310215174"/>
+        <p14:creationId xmlns:p14="http://schemas.microsoft.com/office/powerpoint/2010/main" xmlns="" val="310215174"/>
       </p:ext>
     </p:extLst>
   </p:cSld>
@@ -7118,7 +7118,7 @@
           <a:blip r:embed="rId2" cstate="print">
             <a:extLst>
               <a:ext uri="{28A0092B-C50C-407E-A947-70E740481C1C}">
-                <a14:useLocalDpi xmlns="" xmlns:a14="http://schemas.microsoft.com/office/drawing/2010/main" val="0"/>
+                <a14:useLocalDpi xmlns:a14="http://schemas.microsoft.com/office/drawing/2010/main" xmlns="" val="0"/>
               </a:ext>
             </a:extLst>
           </a:blip>
@@ -7138,7 +7138,7 @@
           <a:noFill/>
           <a:extLst>
             <a:ext uri="{909E8E84-426E-40DD-AFC4-6F175D3DCCD1}">
-              <a14:hiddenFill xmlns="" xmlns:a14="http://schemas.microsoft.com/office/drawing/2010/main">
+              <a14:hiddenFill xmlns:a14="http://schemas.microsoft.com/office/drawing/2010/main" xmlns="">
                 <a:solidFill>
                   <a:srgbClr val="FFFFFF"/>
                 </a:solidFill>
@@ -7159,7 +7159,7 @@
           <a:blip r:embed="rId3" cstate="print">
             <a:extLst>
               <a:ext uri="{28A0092B-C50C-407E-A947-70E740481C1C}">
-                <a14:useLocalDpi xmlns="" xmlns:a14="http://schemas.microsoft.com/office/drawing/2010/main" val="0"/>
+                <a14:useLocalDpi xmlns:a14="http://schemas.microsoft.com/office/drawing/2010/main" xmlns="" val="0"/>
               </a:ext>
             </a:extLst>
           </a:blip>
@@ -7177,7 +7177,7 @@
           <a:noFill/>
           <a:extLst>
             <a:ext uri="{909E8E84-426E-40DD-AFC4-6F175D3DCCD1}">
-              <a14:hiddenFill xmlns="" xmlns:a14="http://schemas.microsoft.com/office/drawing/2010/main">
+              <a14:hiddenFill xmlns:a14="http://schemas.microsoft.com/office/drawing/2010/main" xmlns="">
                 <a:solidFill>
                   <a:srgbClr val="FFFFFF"/>
                 </a:solidFill>
@@ -7198,7 +7198,7 @@
           <a:blip r:embed="rId4" cstate="print">
             <a:extLst>
               <a:ext uri="{28A0092B-C50C-407E-A947-70E740481C1C}">
-                <a14:useLocalDpi xmlns="" xmlns:a14="http://schemas.microsoft.com/office/drawing/2010/main" val="0"/>
+                <a14:useLocalDpi xmlns:a14="http://schemas.microsoft.com/office/drawing/2010/main" xmlns="" val="0"/>
               </a:ext>
             </a:extLst>
           </a:blip>
@@ -7218,7 +7218,7 @@
           <a:noFill/>
           <a:extLst>
             <a:ext uri="{909E8E84-426E-40DD-AFC4-6F175D3DCCD1}">
-              <a14:hiddenFill xmlns="" xmlns:a14="http://schemas.microsoft.com/office/drawing/2010/main">
+              <a14:hiddenFill xmlns:a14="http://schemas.microsoft.com/office/drawing/2010/main" xmlns="">
                 <a:solidFill>
                   <a:srgbClr val="FFFFFF"/>
                 </a:solidFill>
@@ -7239,7 +7239,7 @@
           <a:blip r:embed="rId5" cstate="print">
             <a:extLst>
               <a:ext uri="{28A0092B-C50C-407E-A947-70E740481C1C}">
-                <a14:useLocalDpi xmlns="" xmlns:a14="http://schemas.microsoft.com/office/drawing/2010/main" val="0"/>
+                <a14:useLocalDpi xmlns:a14="http://schemas.microsoft.com/office/drawing/2010/main" xmlns="" val="0"/>
               </a:ext>
             </a:extLst>
           </a:blip>
@@ -7259,7 +7259,7 @@
           <a:noFill/>
           <a:extLst>
             <a:ext uri="{909E8E84-426E-40DD-AFC4-6F175D3DCCD1}">
-              <a14:hiddenFill xmlns="" xmlns:a14="http://schemas.microsoft.com/office/drawing/2010/main">
+              <a14:hiddenFill xmlns:a14="http://schemas.microsoft.com/office/drawing/2010/main" xmlns="">
                 <a:solidFill>
                   <a:srgbClr val="FFFFFF"/>
                 </a:solidFill>
@@ -7271,7 +7271,7 @@
     </p:spTree>
     <p:extLst>
       <p:ext uri="{BB962C8B-B14F-4D97-AF65-F5344CB8AC3E}">
-        <p14:creationId xmlns="" xmlns:p14="http://schemas.microsoft.com/office/powerpoint/2010/main" val="292801570"/>
+        <p14:creationId xmlns:p14="http://schemas.microsoft.com/office/powerpoint/2010/main" xmlns="" val="292801570"/>
       </p:ext>
     </p:extLst>
   </p:cSld>
@@ -7481,7 +7481,7 @@
           <a:blip r:embed="rId2" cstate="print">
             <a:extLst>
               <a:ext uri="{28A0092B-C50C-407E-A947-70E740481C1C}">
-                <a14:useLocalDpi xmlns="" xmlns:a14="http://schemas.microsoft.com/office/drawing/2010/main" val="0"/>
+                <a14:useLocalDpi xmlns:a14="http://schemas.microsoft.com/office/drawing/2010/main" xmlns="" val="0"/>
               </a:ext>
             </a:extLst>
           </a:blip>
@@ -7501,7 +7501,7 @@
           <a:noFill/>
           <a:extLst>
             <a:ext uri="{909E8E84-426E-40DD-AFC4-6F175D3DCCD1}">
-              <a14:hiddenFill xmlns="" xmlns:a14="http://schemas.microsoft.com/office/drawing/2010/main">
+              <a14:hiddenFill xmlns:a14="http://schemas.microsoft.com/office/drawing/2010/main" xmlns="">
                 <a:solidFill>
                   <a:srgbClr val="FFFFFF"/>
                 </a:solidFill>
@@ -7522,7 +7522,7 @@
           <a:blip r:embed="rId3" cstate="print">
             <a:extLst>
               <a:ext uri="{28A0092B-C50C-407E-A947-70E740481C1C}">
-                <a14:useLocalDpi xmlns="" xmlns:a14="http://schemas.microsoft.com/office/drawing/2010/main" val="0"/>
+                <a14:useLocalDpi xmlns:a14="http://schemas.microsoft.com/office/drawing/2010/main" xmlns="" val="0"/>
               </a:ext>
             </a:extLst>
           </a:blip>
@@ -7540,7 +7540,7 @@
           <a:noFill/>
           <a:extLst>
             <a:ext uri="{909E8E84-426E-40DD-AFC4-6F175D3DCCD1}">
-              <a14:hiddenFill xmlns="" xmlns:a14="http://schemas.microsoft.com/office/drawing/2010/main">
+              <a14:hiddenFill xmlns:a14="http://schemas.microsoft.com/office/drawing/2010/main" xmlns="">
                 <a:solidFill>
                   <a:srgbClr val="FFFFFF"/>
                 </a:solidFill>
@@ -7561,7 +7561,7 @@
           <a:blip r:embed="rId4" cstate="print">
             <a:extLst>
               <a:ext uri="{28A0092B-C50C-407E-A947-70E740481C1C}">
-                <a14:useLocalDpi xmlns="" xmlns:a14="http://schemas.microsoft.com/office/drawing/2010/main" val="0"/>
+                <a14:useLocalDpi xmlns:a14="http://schemas.microsoft.com/office/drawing/2010/main" xmlns="" val="0"/>
               </a:ext>
             </a:extLst>
           </a:blip>
@@ -7581,7 +7581,7 @@
           <a:noFill/>
           <a:extLst>
             <a:ext uri="{909E8E84-426E-40DD-AFC4-6F175D3DCCD1}">
-              <a14:hiddenFill xmlns="" xmlns:a14="http://schemas.microsoft.com/office/drawing/2010/main">
+              <a14:hiddenFill xmlns:a14="http://schemas.microsoft.com/office/drawing/2010/main" xmlns="">
                 <a:solidFill>
                   <a:srgbClr val="FFFFFF"/>
                 </a:solidFill>
@@ -7602,7 +7602,7 @@
           <a:blip r:embed="rId5" cstate="print">
             <a:extLst>
               <a:ext uri="{28A0092B-C50C-407E-A947-70E740481C1C}">
-                <a14:useLocalDpi xmlns="" xmlns:a14="http://schemas.microsoft.com/office/drawing/2010/main" val="0"/>
+                <a14:useLocalDpi xmlns:a14="http://schemas.microsoft.com/office/drawing/2010/main" xmlns="" val="0"/>
               </a:ext>
             </a:extLst>
           </a:blip>
@@ -7622,7 +7622,7 @@
           <a:noFill/>
           <a:extLst>
             <a:ext uri="{909E8E84-426E-40DD-AFC4-6F175D3DCCD1}">
-              <a14:hiddenFill xmlns="" xmlns:a14="http://schemas.microsoft.com/office/drawing/2010/main">
+              <a14:hiddenFill xmlns:a14="http://schemas.microsoft.com/office/drawing/2010/main" xmlns="">
                 <a:solidFill>
                   <a:srgbClr val="FFFFFF"/>
                 </a:solidFill>
@@ -7665,7 +7665,7 @@
     </p:spTree>
     <p:extLst>
       <p:ext uri="{BB962C8B-B14F-4D97-AF65-F5344CB8AC3E}">
-        <p14:creationId xmlns="" xmlns:p14="http://schemas.microsoft.com/office/powerpoint/2010/main" val="4051213271"/>
+        <p14:creationId xmlns:p14="http://schemas.microsoft.com/office/powerpoint/2010/main" xmlns="" val="4051213271"/>
       </p:ext>
     </p:extLst>
   </p:cSld>
@@ -7947,7 +7947,7 @@
         <p:spPr>
           <a:xfrm>
             <a:off x="0" y="764704"/>
-            <a:ext cx="2843808" cy="2308324"/>
+            <a:ext cx="2843808" cy="2123658"/>
           </a:xfrm>
           <a:prstGeom prst="rect">
             <a:avLst/>
@@ -7990,7 +7990,7 @@
           </a:p>
           <a:p>
             <a:r>
-              <a:rPr lang="en-GB" b="1" i="1" dirty="0" smtClean="0">
+              <a:rPr lang="en-GB" sz="2400" b="1" i="1" dirty="0" smtClean="0">
                 <a:solidFill>
                   <a:srgbClr val="FF0000"/>
                 </a:solidFill>
@@ -7999,12 +7999,12 @@
               <a:t>APR:  </a:t>
             </a:r>
             <a:r>
-              <a:rPr lang="en-GB" b="1" i="1" dirty="0" smtClean="0">
+              <a:rPr lang="en-GB" sz="2400" b="1" i="1" dirty="0" smtClean="0">
                 <a:latin typeface="Comic Sans MS" panose="030F0702030302020204" pitchFamily="66" charset="0"/>
               </a:rPr>
               <a:t>18.9%</a:t>
             </a:r>
-            <a:endParaRPr lang="en-GB" b="1" i="1" dirty="0" smtClean="0">
+            <a:endParaRPr lang="en-GB" sz="2400" b="1" i="1" dirty="0" smtClean="0">
               <a:solidFill>
                 <a:srgbClr val="FF0000"/>
               </a:solidFill>
@@ -8024,20 +8024,54 @@
           </a:p>
           <a:p>
             <a:r>
-              <a:rPr lang="en-GB" b="1" i="1" dirty="0" smtClean="0">
-                <a:solidFill>
-                  <a:srgbClr val="FF0000"/>
-                </a:solidFill>
+              <a:rPr lang="en-GB" dirty="0" smtClean="0"/>
+              <a:t> </a:t>
+            </a:r>
+            <a:endParaRPr lang="en-GB" dirty="0"/>
+          </a:p>
+        </p:txBody>
+      </p:sp>
+      <p:sp>
+        <p:nvSpPr>
+          <p:cNvPr id="13" name="Rectangle 12"/>
+          <p:cNvSpPr/>
+          <p:nvPr/>
+        </p:nvSpPr>
+        <p:spPr>
+          <a:xfrm>
+            <a:off x="3144002" y="764704"/>
+            <a:ext cx="2724142" cy="1846659"/>
+          </a:xfrm>
+          <a:prstGeom prst="rect">
+            <a:avLst/>
+          </a:prstGeom>
+        </p:spPr>
+        <p:txBody>
+          <a:bodyPr wrap="square">
+            <a:spAutoFit/>
+          </a:bodyPr>
+          <a:lstStyle/>
+          <a:p>
+            <a:pPr lvl="1" algn="ctr"/>
+            <a:r>
+              <a:rPr lang="en-GB" b="1" i="1" u="sng" dirty="0" smtClean="0">
+                <a:effectLst/>
                 <a:latin typeface="Comic Sans MS" panose="030F0702030302020204" pitchFamily="66" charset="0"/>
               </a:rPr>
-              <a:t>Limit: </a:t>
-            </a:r>
-            <a:r>
-              <a:rPr lang="en-GB" b="1" i="1" dirty="0" smtClean="0">
+              <a:t>Capital One </a:t>
+            </a:r>
+          </a:p>
+          <a:p>
+            <a:pPr lvl="1" algn="ctr"/>
+            <a:r>
+              <a:rPr lang="en-GB" b="1" i="1" u="sng" dirty="0" smtClean="0">
+                <a:effectLst/>
                 <a:latin typeface="Comic Sans MS" panose="030F0702030302020204" pitchFamily="66" charset="0"/>
               </a:rPr>
-              <a:t>£1,200 </a:t>
-            </a:r>
+              <a:t>Classic Platinum</a:t>
+            </a:r>
+          </a:p>
+          <a:p>
             <a:endParaRPr lang="en-GB" b="1" i="1" dirty="0" smtClean="0">
               <a:solidFill>
                 <a:srgbClr val="FF0000"/>
@@ -8046,55 +8080,6 @@
             </a:endParaRPr>
           </a:p>
           <a:p>
-            <a:r>
-              <a:rPr lang="en-GB" dirty="0" smtClean="0"/>
-              <a:t> </a:t>
-            </a:r>
-            <a:endParaRPr lang="en-GB" dirty="0"/>
-          </a:p>
-        </p:txBody>
-      </p:sp>
-      <p:sp>
-        <p:nvSpPr>
-          <p:cNvPr id="13" name="Rectangle 12"/>
-          <p:cNvSpPr/>
-          <p:nvPr/>
-        </p:nvSpPr>
-        <p:spPr>
-          <a:xfrm>
-            <a:off x="3144002" y="764704"/>
-            <a:ext cx="2724142" cy="2031325"/>
-          </a:xfrm>
-          <a:prstGeom prst="rect">
-            <a:avLst/>
-          </a:prstGeom>
-        </p:spPr>
-        <p:txBody>
-          <a:bodyPr wrap="square">
-            <a:spAutoFit/>
-          </a:bodyPr>
-          <a:lstStyle/>
-          <a:p>
-            <a:pPr lvl="1" algn="ctr"/>
-            <a:r>
-              <a:rPr lang="en-GB" b="1" i="1" u="sng" dirty="0" smtClean="0">
-                <a:effectLst/>
-                <a:latin typeface="Comic Sans MS" panose="030F0702030302020204" pitchFamily="66" charset="0"/>
-              </a:rPr>
-              <a:t>Capital One </a:t>
-            </a:r>
-          </a:p>
-          <a:p>
-            <a:pPr lvl="1" algn="ctr"/>
-            <a:r>
-              <a:rPr lang="en-GB" b="1" i="1" u="sng" dirty="0" smtClean="0">
-                <a:effectLst/>
-                <a:latin typeface="Comic Sans MS" panose="030F0702030302020204" pitchFamily="66" charset="0"/>
-              </a:rPr>
-              <a:t>Classic Platinum</a:t>
-            </a:r>
-          </a:p>
-          <a:p>
             <a:endParaRPr lang="en-GB" b="1" i="1" dirty="0" smtClean="0">
               <a:solidFill>
                 <a:srgbClr val="FF0000"/>
@@ -8103,16 +8088,8 @@
             </a:endParaRPr>
           </a:p>
           <a:p>
-            <a:endParaRPr lang="en-GB" b="1" i="1" dirty="0" smtClean="0">
-              <a:solidFill>
-                <a:srgbClr val="FF0000"/>
-              </a:solidFill>
-              <a:latin typeface="Comic Sans MS" panose="030F0702030302020204" pitchFamily="66" charset="0"/>
-            </a:endParaRPr>
-          </a:p>
-          <a:p>
-            <a:r>
-              <a:rPr lang="en-GB" b="1" i="1" dirty="0" smtClean="0">
+            <a:r>
+              <a:rPr lang="en-GB" sz="2400" b="1" i="1" dirty="0" smtClean="0">
                 <a:solidFill>
                   <a:srgbClr val="FF0000"/>
                 </a:solidFill>
@@ -8121,13 +8098,13 @@
               <a:t>APR:   </a:t>
             </a:r>
             <a:r>
-              <a:rPr lang="en-GB" b="1" dirty="0" smtClean="0">
+              <a:rPr lang="en-GB" sz="2400" b="1" dirty="0" smtClean="0">
                 <a:effectLst/>
                 <a:latin typeface="Comic Sans MS" panose="030F0702030302020204" pitchFamily="66" charset="0"/>
               </a:rPr>
               <a:t>29.8%</a:t>
             </a:r>
-            <a:endParaRPr lang="en-GB" b="1" i="1" dirty="0" smtClean="0">
+            <a:endParaRPr lang="en-GB" sz="2400" b="1" i="1" dirty="0" smtClean="0">
               <a:solidFill>
                 <a:srgbClr val="FF0000"/>
               </a:solidFill>
@@ -8145,23 +8122,6 @@
               <a:t> </a:t>
             </a:r>
           </a:p>
-          <a:p>
-            <a:r>
-              <a:rPr lang="en-GB" b="1" i="1" dirty="0" smtClean="0">
-                <a:solidFill>
-                  <a:srgbClr val="FF0000"/>
-                </a:solidFill>
-                <a:latin typeface="Comic Sans MS" panose="030F0702030302020204" pitchFamily="66" charset="0"/>
-              </a:rPr>
-              <a:t>Limit: </a:t>
-            </a:r>
-            <a:r>
-              <a:rPr lang="en-GB" b="1" i="1" dirty="0" smtClean="0">
-                <a:latin typeface="Comic Sans MS" panose="030F0702030302020204" pitchFamily="66" charset="0"/>
-              </a:rPr>
-              <a:t>£1,500</a:t>
-            </a:r>
-          </a:p>
         </p:txBody>
       </p:sp>
       <p:sp>
@@ -8173,7 +8133,7 @@
         <p:spPr>
           <a:xfrm>
             <a:off x="6156176" y="764704"/>
-            <a:ext cx="2808312" cy="2031325"/>
+            <a:ext cx="2808312" cy="1846659"/>
           </a:xfrm>
           <a:prstGeom prst="rect">
             <a:avLst/>
@@ -8231,7 +8191,7 @@
           </a:p>
           <a:p>
             <a:r>
-              <a:rPr lang="en-GB" b="1" i="1" dirty="0" smtClean="0">
+              <a:rPr lang="en-GB" sz="2400" b="1" i="1" dirty="0" smtClean="0">
                 <a:solidFill>
                   <a:srgbClr val="FF0000"/>
                 </a:solidFill>
@@ -8240,12 +8200,12 @@
               <a:t>APR:   </a:t>
             </a:r>
             <a:r>
-              <a:rPr lang="en-GB" b="1" i="1" dirty="0" smtClean="0">
+              <a:rPr lang="en-GB" sz="2400" b="1" i="1" dirty="0" smtClean="0">
                 <a:latin typeface="Comic Sans MS" panose="030F0702030302020204" pitchFamily="66" charset="0"/>
               </a:rPr>
               <a:t>39.9%</a:t>
             </a:r>
-            <a:endParaRPr lang="en-GB" b="1" i="1" dirty="0" smtClean="0">
+            <a:endParaRPr lang="en-GB" sz="2400" b="1" i="1" dirty="0" smtClean="0">
               <a:solidFill>
                 <a:srgbClr val="FF0000"/>
               </a:solidFill>
@@ -8261,23 +8221,6 @@
                 <a:latin typeface="Comic Sans MS" panose="030F0702030302020204" pitchFamily="66" charset="0"/>
               </a:rPr>
               <a:t> </a:t>
-            </a:r>
-          </a:p>
-          <a:p>
-            <a:r>
-              <a:rPr lang="en-GB" b="1" i="1" dirty="0" smtClean="0">
-                <a:solidFill>
-                  <a:srgbClr val="FF0000"/>
-                </a:solidFill>
-                <a:latin typeface="Comic Sans MS" panose="030F0702030302020204" pitchFamily="66" charset="0"/>
-              </a:rPr>
-              <a:t>Limit: </a:t>
-            </a:r>
-            <a:r>
-              <a:rPr lang="en-GB" b="1" i="1" dirty="0" smtClean="0">
-                <a:latin typeface="Comic Sans MS" panose="030F0702030302020204" pitchFamily="66" charset="0"/>
-              </a:rPr>
-              <a:t>£3000</a:t>
             </a:r>
           </a:p>
         </p:txBody>
@@ -8294,7 +8237,7 @@
           <a:blip r:embed="rId2" cstate="print">
             <a:extLst>
               <a:ext uri="{28A0092B-C50C-407E-A947-70E740481C1C}">
-                <a14:useLocalDpi xmlns="" xmlns:a14="http://schemas.microsoft.com/office/drawing/2010/main" val="0"/>
+                <a14:useLocalDpi xmlns:a14="http://schemas.microsoft.com/office/drawing/2010/main" xmlns="" val="0"/>
               </a:ext>
             </a:extLst>
           </a:blip>
@@ -8319,7 +8262,7 @@
           </a:ln>
           <a:extLst>
             <a:ext uri="{909E8E84-426E-40DD-AFC4-6F175D3DCCD1}">
-              <a14:hiddenFill xmlns="" xmlns:a14="http://schemas.microsoft.com/office/drawing/2010/main">
+              <a14:hiddenFill xmlns:a14="http://schemas.microsoft.com/office/drawing/2010/main" xmlns="">
                 <a:solidFill>
                   <a:srgbClr val="FFFFFF"/>
                 </a:solidFill>
@@ -8340,7 +8283,7 @@
           <a:blip r:embed="rId3" cstate="print">
             <a:extLst>
               <a:ext uri="{28A0092B-C50C-407E-A947-70E740481C1C}">
-                <a14:useLocalDpi xmlns="" xmlns:a14="http://schemas.microsoft.com/office/drawing/2010/main" val="0"/>
+                <a14:useLocalDpi xmlns:a14="http://schemas.microsoft.com/office/drawing/2010/main" xmlns="" val="0"/>
               </a:ext>
             </a:extLst>
           </a:blip>
@@ -8363,7 +8306,7 @@
           </a:ln>
           <a:extLst>
             <a:ext uri="{909E8E84-426E-40DD-AFC4-6F175D3DCCD1}">
-              <a14:hiddenFill xmlns="" xmlns:a14="http://schemas.microsoft.com/office/drawing/2010/main">
+              <a14:hiddenFill xmlns:a14="http://schemas.microsoft.com/office/drawing/2010/main" xmlns="">
                 <a:solidFill>
                   <a:srgbClr val="FFFFFF"/>
                 </a:solidFill>
@@ -8386,7 +8329,7 @@
           <a:blip r:embed="rId5" cstate="print">
             <a:extLst>
               <a:ext uri="{28A0092B-C50C-407E-A947-70E740481C1C}">
-                <a14:useLocalDpi xmlns="" xmlns:a14="http://schemas.microsoft.com/office/drawing/2010/main" val="0"/>
+                <a14:useLocalDpi xmlns:a14="http://schemas.microsoft.com/office/drawing/2010/main" xmlns="" val="0"/>
               </a:ext>
             </a:extLst>
           </a:blip>
@@ -8406,7 +8349,7 @@
           <a:noFill/>
           <a:extLst>
             <a:ext uri="{909E8E84-426E-40DD-AFC4-6F175D3DCCD1}">
-              <a14:hiddenFill xmlns="" xmlns:a14="http://schemas.microsoft.com/office/drawing/2010/main">
+              <a14:hiddenFill xmlns:a14="http://schemas.microsoft.com/office/drawing/2010/main" xmlns="">
                 <a:solidFill>
                   <a:srgbClr val="FFFFFF"/>
                 </a:solidFill>
@@ -8424,7 +8367,7 @@
         <p:spPr>
           <a:xfrm>
             <a:off x="0" y="4327198"/>
-            <a:ext cx="9144000" cy="2308324"/>
+            <a:ext cx="9144000" cy="2400657"/>
           </a:xfrm>
           <a:prstGeom prst="rect">
             <a:avLst/>
@@ -8439,31 +8382,47 @@
           <a:p>
             <a:pPr algn="ctr"/>
             <a:r>
-              <a:rPr lang="en-GB" b="1" u="sng" dirty="0" smtClean="0">
+              <a:rPr lang="en-GB" sz="2400" b="1" u="sng" dirty="0" smtClean="0">
                 <a:latin typeface="Comic Sans MS" panose="030F0702030302020204" pitchFamily="66" charset="0"/>
               </a:rPr>
               <a:t>Your task </a:t>
             </a:r>
-          </a:p>
-          <a:p>
             <a:endParaRPr lang="en-GB" b="1" dirty="0">
               <a:latin typeface="Comic Sans MS" panose="030F0702030302020204" pitchFamily="66" charset="0"/>
             </a:endParaRPr>
           </a:p>
           <a:p>
             <a:r>
-              <a:rPr lang="en-GB" b="1" dirty="0" smtClean="0">
+              <a:rPr lang="en-GB" sz="2000" b="1" dirty="0" smtClean="0">
                 <a:solidFill>
                   <a:srgbClr val="FF0000"/>
                 </a:solidFill>
                 <a:latin typeface="Comic Sans MS" panose="030F0702030302020204" pitchFamily="66" charset="0"/>
               </a:rPr>
-              <a:t>On each credit card you have to borrow £1200 .</a:t>
-            </a:r>
-          </a:p>
-          <a:p>
-            <a:r>
-              <a:rPr lang="en-GB" b="1" dirty="0" smtClean="0">
+              <a:t>On each credit card you have to borrow </a:t>
+            </a:r>
+            <a:r>
+              <a:rPr lang="en-GB" sz="2800" b="1" dirty="0" smtClean="0">
+                <a:solidFill>
+                  <a:srgbClr val="FF0000"/>
+                </a:solidFill>
+                <a:latin typeface="Comic Sans MS" panose="030F0702030302020204" pitchFamily="66" charset="0"/>
+              </a:rPr>
+              <a:t>£1200 </a:t>
+            </a:r>
+            <a:r>
+              <a:rPr lang="en-GB" sz="2000" b="1" dirty="0" smtClean="0">
+                <a:solidFill>
+                  <a:srgbClr val="FF0000"/>
+                </a:solidFill>
+                <a:latin typeface="Comic Sans MS" panose="030F0702030302020204" pitchFamily="66" charset="0"/>
+              </a:rPr>
+              <a:t>.</a:t>
+            </a:r>
+          </a:p>
+          <a:p>
+            <a:r>
+              <a:rPr lang="en-GB" sz="2000" b="1" dirty="0" smtClean="0">
                 <a:solidFill>
                   <a:srgbClr val="FF0000"/>
                 </a:solidFill>
@@ -8478,13 +8437,13 @@
               <a:buChar char="•"/>
             </a:pPr>
             <a:r>
-              <a:rPr lang="en-GB" b="1" dirty="0">
+              <a:rPr lang="en-GB" sz="2000" b="1" dirty="0">
                 <a:latin typeface="Comic Sans MS" panose="030F0702030302020204" pitchFamily="66" charset="0"/>
               </a:rPr>
               <a:t> </a:t>
             </a:r>
             <a:r>
-              <a:rPr lang="en-GB" b="1" dirty="0" smtClean="0">
+              <a:rPr lang="en-GB" sz="2000" b="1" dirty="0" smtClean="0">
                 <a:latin typeface="Comic Sans MS" panose="030F0702030302020204" pitchFamily="66" charset="0"/>
               </a:rPr>
               <a:t>1 years</a:t>
@@ -8496,13 +8455,13 @@
               <a:buChar char="•"/>
             </a:pPr>
             <a:r>
-              <a:rPr lang="en-GB" b="1" dirty="0">
+              <a:rPr lang="en-GB" sz="2000" b="1" dirty="0">
                 <a:latin typeface="Comic Sans MS" panose="030F0702030302020204" pitchFamily="66" charset="0"/>
               </a:rPr>
               <a:t> </a:t>
             </a:r>
             <a:r>
-              <a:rPr lang="en-GB" b="1" dirty="0" smtClean="0">
+              <a:rPr lang="en-GB" sz="2000" b="1" dirty="0" smtClean="0">
                 <a:latin typeface="Comic Sans MS" panose="030F0702030302020204" pitchFamily="66" charset="0"/>
               </a:rPr>
               <a:t>3 years</a:t>
@@ -8514,13 +8473,13 @@
               <a:buChar char="•"/>
             </a:pPr>
             <a:r>
-              <a:rPr lang="en-GB" b="1" dirty="0">
+              <a:rPr lang="en-GB" sz="2000" b="1" dirty="0">
                 <a:latin typeface="Comic Sans MS" panose="030F0702030302020204" pitchFamily="66" charset="0"/>
               </a:rPr>
               <a:t> </a:t>
             </a:r>
             <a:r>
-              <a:rPr lang="en-GB" b="1" dirty="0" smtClean="0">
+              <a:rPr lang="en-GB" sz="2000" b="1" dirty="0" smtClean="0">
                 <a:latin typeface="Comic Sans MS" panose="030F0702030302020204" pitchFamily="66" charset="0"/>
               </a:rPr>
               <a:t>5 years </a:t>
@@ -8548,7 +8507,7 @@
         </p:nvSpPr>
         <p:spPr>
           <a:xfrm>
-            <a:off x="6876256" y="4653136"/>
+            <a:off x="7055768" y="4437112"/>
             <a:ext cx="2088232" cy="830997"/>
           </a:xfrm>
           <a:prstGeom prst="rect">
@@ -8573,7 +8532,7 @@
     </p:spTree>
     <p:extLst>
       <p:ext uri="{BB962C8B-B14F-4D97-AF65-F5344CB8AC3E}">
-        <p14:creationId xmlns="" xmlns:p14="http://schemas.microsoft.com/office/powerpoint/2010/main" val="1406374480"/>
+        <p14:creationId xmlns:p14="http://schemas.microsoft.com/office/powerpoint/2010/main" xmlns="" val="1406374480"/>
       </p:ext>
     </p:extLst>
   </p:cSld>

--- a/15finance/02 Credit Cards.pptx
+++ b/15finance/02 Credit Cards.pptx
@@ -208,7 +208,7 @@
             <a:fld id="{01F3B2B3-38C5-4CBC-9C35-0FEB655F0CFE}" type="datetimeFigureOut">
               <a:rPr lang="en-GB" smtClean="0"/>
               <a:pPr/>
-              <a:t>22/11/2016</a:t>
+              <a:t>10/12/2016</a:t>
             </a:fld>
             <a:endParaRPr lang="en-GB"/>
           </a:p>
@@ -746,7 +746,7 @@
     </p:spTree>
     <p:extLst>
       <p:ext uri="{BB962C8B-B14F-4D97-AF65-F5344CB8AC3E}">
-        <p14:creationId xmlns:p14="http://schemas.microsoft.com/office/powerpoint/2010/main" xmlns="" val="3517865856"/>
+        <p14:creationId xmlns="" xmlns:p14="http://schemas.microsoft.com/office/powerpoint/2010/main" val="3517865856"/>
       </p:ext>
     </p:extLst>
   </p:cSld>
@@ -1020,7 +1020,7 @@
             <a:fld id="{245E5DCC-A267-489E-8C4B-0C8A611A1888}" type="datetimeFigureOut">
               <a:rPr lang="en-GB" smtClean="0"/>
               <a:pPr/>
-              <a:t>22/11/2016</a:t>
+              <a:t>10/12/2016</a:t>
             </a:fld>
             <a:endParaRPr lang="en-GB"/>
           </a:p>
@@ -1072,7 +1072,7 @@
     </p:spTree>
     <p:extLst>
       <p:ext uri="{BB962C8B-B14F-4D97-AF65-F5344CB8AC3E}">
-        <p14:creationId xmlns:p14="http://schemas.microsoft.com/office/powerpoint/2010/main" xmlns="" val="3795135744"/>
+        <p14:creationId xmlns="" xmlns:p14="http://schemas.microsoft.com/office/powerpoint/2010/main" val="3795135744"/>
       </p:ext>
     </p:extLst>
   </p:cSld>
@@ -1192,7 +1192,7 @@
             <a:fld id="{245E5DCC-A267-489E-8C4B-0C8A611A1888}" type="datetimeFigureOut">
               <a:rPr lang="en-GB" smtClean="0"/>
               <a:pPr/>
-              <a:t>22/11/2016</a:t>
+              <a:t>10/12/2016</a:t>
             </a:fld>
             <a:endParaRPr lang="en-GB"/>
           </a:p>
@@ -1244,7 +1244,7 @@
     </p:spTree>
     <p:extLst>
       <p:ext uri="{BB962C8B-B14F-4D97-AF65-F5344CB8AC3E}">
-        <p14:creationId xmlns:p14="http://schemas.microsoft.com/office/powerpoint/2010/main" xmlns="" val="1650520662"/>
+        <p14:creationId xmlns="" xmlns:p14="http://schemas.microsoft.com/office/powerpoint/2010/main" val="1650520662"/>
       </p:ext>
     </p:extLst>
   </p:cSld>
@@ -1374,7 +1374,7 @@
             <a:fld id="{245E5DCC-A267-489E-8C4B-0C8A611A1888}" type="datetimeFigureOut">
               <a:rPr lang="en-GB" smtClean="0"/>
               <a:pPr/>
-              <a:t>22/11/2016</a:t>
+              <a:t>10/12/2016</a:t>
             </a:fld>
             <a:endParaRPr lang="en-GB"/>
           </a:p>
@@ -1426,7 +1426,7 @@
     </p:spTree>
     <p:extLst>
       <p:ext uri="{BB962C8B-B14F-4D97-AF65-F5344CB8AC3E}">
-        <p14:creationId xmlns:p14="http://schemas.microsoft.com/office/powerpoint/2010/main" xmlns="" val="4271198208"/>
+        <p14:creationId xmlns="" xmlns:p14="http://schemas.microsoft.com/office/powerpoint/2010/main" val="4271198208"/>
       </p:ext>
     </p:extLst>
   </p:cSld>
@@ -1546,7 +1546,7 @@
             <a:fld id="{245E5DCC-A267-489E-8C4B-0C8A611A1888}" type="datetimeFigureOut">
               <a:rPr lang="en-GB" smtClean="0"/>
               <a:pPr/>
-              <a:t>22/11/2016</a:t>
+              <a:t>10/12/2016</a:t>
             </a:fld>
             <a:endParaRPr lang="en-GB"/>
           </a:p>
@@ -1598,7 +1598,7 @@
     </p:spTree>
     <p:extLst>
       <p:ext uri="{BB962C8B-B14F-4D97-AF65-F5344CB8AC3E}">
-        <p14:creationId xmlns:p14="http://schemas.microsoft.com/office/powerpoint/2010/main" xmlns="" val="3395567130"/>
+        <p14:creationId xmlns="" xmlns:p14="http://schemas.microsoft.com/office/powerpoint/2010/main" val="3395567130"/>
       </p:ext>
     </p:extLst>
   </p:cSld>
@@ -1794,7 +1794,7 @@
             <a:fld id="{245E5DCC-A267-489E-8C4B-0C8A611A1888}" type="datetimeFigureOut">
               <a:rPr lang="en-GB" smtClean="0"/>
               <a:pPr/>
-              <a:t>22/11/2016</a:t>
+              <a:t>10/12/2016</a:t>
             </a:fld>
             <a:endParaRPr lang="en-GB"/>
           </a:p>
@@ -1846,7 +1846,7 @@
     </p:spTree>
     <p:extLst>
       <p:ext uri="{BB962C8B-B14F-4D97-AF65-F5344CB8AC3E}">
-        <p14:creationId xmlns:p14="http://schemas.microsoft.com/office/powerpoint/2010/main" xmlns="" val="741615603"/>
+        <p14:creationId xmlns="" xmlns:p14="http://schemas.microsoft.com/office/powerpoint/2010/main" val="741615603"/>
       </p:ext>
     </p:extLst>
   </p:cSld>
@@ -2084,7 +2084,7 @@
             <a:fld id="{245E5DCC-A267-489E-8C4B-0C8A611A1888}" type="datetimeFigureOut">
               <a:rPr lang="en-GB" smtClean="0"/>
               <a:pPr/>
-              <a:t>22/11/2016</a:t>
+              <a:t>10/12/2016</a:t>
             </a:fld>
             <a:endParaRPr lang="en-GB"/>
           </a:p>
@@ -2136,7 +2136,7 @@
     </p:spTree>
     <p:extLst>
       <p:ext uri="{BB962C8B-B14F-4D97-AF65-F5344CB8AC3E}">
-        <p14:creationId xmlns:p14="http://schemas.microsoft.com/office/powerpoint/2010/main" xmlns="" val="2595005895"/>
+        <p14:creationId xmlns="" xmlns:p14="http://schemas.microsoft.com/office/powerpoint/2010/main" val="2595005895"/>
       </p:ext>
     </p:extLst>
   </p:cSld>
@@ -2508,7 +2508,7 @@
             <a:fld id="{245E5DCC-A267-489E-8C4B-0C8A611A1888}" type="datetimeFigureOut">
               <a:rPr lang="en-GB" smtClean="0"/>
               <a:pPr/>
-              <a:t>22/11/2016</a:t>
+              <a:t>10/12/2016</a:t>
             </a:fld>
             <a:endParaRPr lang="en-GB"/>
           </a:p>
@@ -2560,7 +2560,7 @@
     </p:spTree>
     <p:extLst>
       <p:ext uri="{BB962C8B-B14F-4D97-AF65-F5344CB8AC3E}">
-        <p14:creationId xmlns:p14="http://schemas.microsoft.com/office/powerpoint/2010/main" xmlns="" val="2824062158"/>
+        <p14:creationId xmlns="" xmlns:p14="http://schemas.microsoft.com/office/powerpoint/2010/main" val="2824062158"/>
       </p:ext>
     </p:extLst>
   </p:cSld>
@@ -2628,7 +2628,7 @@
             <a:fld id="{245E5DCC-A267-489E-8C4B-0C8A611A1888}" type="datetimeFigureOut">
               <a:rPr lang="en-GB" smtClean="0"/>
               <a:pPr/>
-              <a:t>22/11/2016</a:t>
+              <a:t>10/12/2016</a:t>
             </a:fld>
             <a:endParaRPr lang="en-GB"/>
           </a:p>
@@ -2680,7 +2680,7 @@
     </p:spTree>
     <p:extLst>
       <p:ext uri="{BB962C8B-B14F-4D97-AF65-F5344CB8AC3E}">
-        <p14:creationId xmlns:p14="http://schemas.microsoft.com/office/powerpoint/2010/main" xmlns="" val="1093719169"/>
+        <p14:creationId xmlns="" xmlns:p14="http://schemas.microsoft.com/office/powerpoint/2010/main" val="1093719169"/>
       </p:ext>
     </p:extLst>
   </p:cSld>
@@ -2725,7 +2725,7 @@
             <a:fld id="{245E5DCC-A267-489E-8C4B-0C8A611A1888}" type="datetimeFigureOut">
               <a:rPr lang="en-GB" smtClean="0"/>
               <a:pPr/>
-              <a:t>22/11/2016</a:t>
+              <a:t>10/12/2016</a:t>
             </a:fld>
             <a:endParaRPr lang="en-GB"/>
           </a:p>
@@ -2777,7 +2777,7 @@
     </p:spTree>
     <p:extLst>
       <p:ext uri="{BB962C8B-B14F-4D97-AF65-F5344CB8AC3E}">
-        <p14:creationId xmlns:p14="http://schemas.microsoft.com/office/powerpoint/2010/main" xmlns="" val="3666968362"/>
+        <p14:creationId xmlns="" xmlns:p14="http://schemas.microsoft.com/office/powerpoint/2010/main" val="3666968362"/>
       </p:ext>
     </p:extLst>
   </p:cSld>
@@ -3004,7 +3004,7 @@
             <a:fld id="{245E5DCC-A267-489E-8C4B-0C8A611A1888}" type="datetimeFigureOut">
               <a:rPr lang="en-GB" smtClean="0"/>
               <a:pPr/>
-              <a:t>22/11/2016</a:t>
+              <a:t>10/12/2016</a:t>
             </a:fld>
             <a:endParaRPr lang="en-GB"/>
           </a:p>
@@ -3056,7 +3056,7 @@
     </p:spTree>
     <p:extLst>
       <p:ext uri="{BB962C8B-B14F-4D97-AF65-F5344CB8AC3E}">
-        <p14:creationId xmlns:p14="http://schemas.microsoft.com/office/powerpoint/2010/main" xmlns="" val="3793018940"/>
+        <p14:creationId xmlns="" xmlns:p14="http://schemas.microsoft.com/office/powerpoint/2010/main" val="3793018940"/>
       </p:ext>
     </p:extLst>
   </p:cSld>
@@ -3259,7 +3259,7 @@
             <a:fld id="{245E5DCC-A267-489E-8C4B-0C8A611A1888}" type="datetimeFigureOut">
               <a:rPr lang="en-GB" smtClean="0"/>
               <a:pPr/>
-              <a:t>22/11/2016</a:t>
+              <a:t>10/12/2016</a:t>
             </a:fld>
             <a:endParaRPr lang="en-GB"/>
           </a:p>
@@ -3311,7 +3311,7 @@
     </p:spTree>
     <p:extLst>
       <p:ext uri="{BB962C8B-B14F-4D97-AF65-F5344CB8AC3E}">
-        <p14:creationId xmlns:p14="http://schemas.microsoft.com/office/powerpoint/2010/main" xmlns="" val="1356301842"/>
+        <p14:creationId xmlns="" xmlns:p14="http://schemas.microsoft.com/office/powerpoint/2010/main" val="1356301842"/>
       </p:ext>
     </p:extLst>
   </p:cSld>
@@ -3474,7 +3474,7 @@
             <a:fld id="{245E5DCC-A267-489E-8C4B-0C8A611A1888}" type="datetimeFigureOut">
               <a:rPr lang="en-GB" smtClean="0"/>
               <a:pPr/>
-              <a:t>22/11/2016</a:t>
+              <a:t>10/12/2016</a:t>
             </a:fld>
             <a:endParaRPr lang="en-GB"/>
           </a:p>
@@ -3562,7 +3562,7 @@
     </p:spTree>
     <p:extLst>
       <p:ext uri="{BB962C8B-B14F-4D97-AF65-F5344CB8AC3E}">
-        <p14:creationId xmlns:p14="http://schemas.microsoft.com/office/powerpoint/2010/main" xmlns="" val="4272518248"/>
+        <p14:creationId xmlns="" xmlns:p14="http://schemas.microsoft.com/office/powerpoint/2010/main" val="4272518248"/>
       </p:ext>
     </p:extLst>
   </p:cSld>
@@ -3900,7 +3900,7 @@
     </p:spTree>
     <p:extLst>
       <p:ext uri="{BB962C8B-B14F-4D97-AF65-F5344CB8AC3E}">
-        <p14:creationId xmlns:p14="http://schemas.microsoft.com/office/powerpoint/2010/main" xmlns="" val="3429634830"/>
+        <p14:creationId xmlns="" xmlns:p14="http://schemas.microsoft.com/office/powerpoint/2010/main" val="3429634830"/>
       </p:ext>
     </p:extLst>
   </p:cSld>
@@ -4362,10 +4362,10 @@
           <p:nvPr/>
         </p:nvPicPr>
         <p:blipFill>
-          <a:blip r:embed="rId2" cstate="print">
+          <a:blip r:embed="rId2" cstate="email">
             <a:extLst>
               <a:ext uri="{28A0092B-C50C-407E-A947-70E740481C1C}">
-                <a14:useLocalDpi xmlns:a14="http://schemas.microsoft.com/office/drawing/2010/main" xmlns="" val="0"/>
+                <a14:useLocalDpi xmlns="" xmlns:a14="http://schemas.microsoft.com/office/drawing/2010/main" val="0"/>
               </a:ext>
             </a:extLst>
           </a:blip>
@@ -4388,14 +4388,14 @@
           </a:ln>
           <a:extLst>
             <a:ext uri="{909E8E84-426E-40DD-AFC4-6F175D3DCCD1}">
-              <a14:hiddenFill xmlns:a14="http://schemas.microsoft.com/office/drawing/2010/main" xmlns="">
+              <a14:hiddenFill xmlns="" xmlns:a14="http://schemas.microsoft.com/office/drawing/2010/main">
                 <a:solidFill>
                   <a:schemeClr val="accent1"/>
                 </a:solidFill>
               </a14:hiddenFill>
             </a:ext>
             <a:ext uri="{91240B29-F687-4F45-9708-019B960494DF}">
-              <a14:hiddenLine xmlns:a14="http://schemas.microsoft.com/office/drawing/2010/main" xmlns="" w="9525">
+              <a14:hiddenLine xmlns="" xmlns:a14="http://schemas.microsoft.com/office/drawing/2010/main" w="9525">
                 <a:solidFill>
                   <a:schemeClr val="tx1"/>
                 </a:solidFill>
@@ -4410,7 +4410,7 @@
     </p:spTree>
     <p:extLst>
       <p:ext uri="{BB962C8B-B14F-4D97-AF65-F5344CB8AC3E}">
-        <p14:creationId xmlns:p14="http://schemas.microsoft.com/office/powerpoint/2010/main" xmlns="" val="2399019395"/>
+        <p14:creationId xmlns="" xmlns:p14="http://schemas.microsoft.com/office/powerpoint/2010/main" val="2399019395"/>
       </p:ext>
     </p:extLst>
   </p:cSld>
@@ -4520,7 +4520,7 @@
     </p:spTree>
     <p:extLst>
       <p:ext uri="{BB962C8B-B14F-4D97-AF65-F5344CB8AC3E}">
-        <p14:creationId xmlns:p14="http://schemas.microsoft.com/office/powerpoint/2010/main" xmlns="" val="3410360413"/>
+        <p14:creationId xmlns="" xmlns:p14="http://schemas.microsoft.com/office/powerpoint/2010/main" val="3410360413"/>
       </p:ext>
     </p:extLst>
   </p:cSld>
@@ -4896,7 +4896,7 @@
     </p:spTree>
     <p:extLst>
       <p:ext uri="{BB962C8B-B14F-4D97-AF65-F5344CB8AC3E}">
-        <p14:creationId xmlns:p14="http://schemas.microsoft.com/office/powerpoint/2010/main" xmlns="" val="1780648371"/>
+        <p14:creationId xmlns="" xmlns:p14="http://schemas.microsoft.com/office/powerpoint/2010/main" val="1780648371"/>
       </p:ext>
     </p:extLst>
   </p:cSld>
@@ -5219,8 +5219,8 @@
           <p:nvPr/>
         </p:nvPicPr>
         <p:blipFill>
-          <a:blip r:embed="rId3" cstate="print"/>
-          <a:srcRect l="7261" t="54430" r="71570"/>
+          <a:blip r:embed="rId3" cstate="email"/>
+          <a:srcRect/>
           <a:stretch>
             <a:fillRect/>
           </a:stretch>
@@ -5926,7 +5926,7 @@
     </p:spTree>
     <p:extLst>
       <p:ext uri="{BB962C8B-B14F-4D97-AF65-F5344CB8AC3E}">
-        <p14:creationId xmlns:p14="http://schemas.microsoft.com/office/powerpoint/2010/main" xmlns="" val="1053858350"/>
+        <p14:creationId xmlns="" xmlns:p14="http://schemas.microsoft.com/office/powerpoint/2010/main" val="1053858350"/>
       </p:ext>
     </p:extLst>
   </p:cSld>
@@ -6085,7 +6085,7 @@
     </p:spTree>
     <p:extLst>
       <p:ext uri="{BB962C8B-B14F-4D97-AF65-F5344CB8AC3E}">
-        <p14:creationId xmlns:p14="http://schemas.microsoft.com/office/powerpoint/2010/main" xmlns="" val="2946536019"/>
+        <p14:creationId xmlns="" xmlns:p14="http://schemas.microsoft.com/office/powerpoint/2010/main" val="2946536019"/>
       </p:ext>
     </p:extLst>
   </p:cSld>
@@ -6174,7 +6174,7 @@
     </p:spTree>
     <p:extLst>
       <p:ext uri="{BB962C8B-B14F-4D97-AF65-F5344CB8AC3E}">
-        <p14:creationId xmlns:p14="http://schemas.microsoft.com/office/powerpoint/2010/main" xmlns="" val="509015518"/>
+        <p14:creationId xmlns="" xmlns:p14="http://schemas.microsoft.com/office/powerpoint/2010/main" val="509015518"/>
       </p:ext>
     </p:extLst>
   </p:cSld>
@@ -6273,7 +6273,7 @@
     </p:spTree>
     <p:extLst>
       <p:ext uri="{BB962C8B-B14F-4D97-AF65-F5344CB8AC3E}">
-        <p14:creationId xmlns:p14="http://schemas.microsoft.com/office/powerpoint/2010/main" xmlns="" val="1087716692"/>
+        <p14:creationId xmlns="" xmlns:p14="http://schemas.microsoft.com/office/powerpoint/2010/main" val="1087716692"/>
       </p:ext>
     </p:extLst>
   </p:cSld>
@@ -6357,7 +6357,7 @@
     </p:spTree>
     <p:extLst>
       <p:ext uri="{BB962C8B-B14F-4D97-AF65-F5344CB8AC3E}">
-        <p14:creationId xmlns:p14="http://schemas.microsoft.com/office/powerpoint/2010/main" xmlns="" val="2796773158"/>
+        <p14:creationId xmlns="" xmlns:p14="http://schemas.microsoft.com/office/powerpoint/2010/main" val="2796773158"/>
       </p:ext>
     </p:extLst>
   </p:cSld>
@@ -6431,10 +6431,10 @@
           <p:nvPr/>
         </p:nvPicPr>
         <p:blipFill>
-          <a:blip r:embed="rId2" cstate="print">
+          <a:blip r:embed="rId2" cstate="email">
             <a:extLst>
               <a:ext uri="{28A0092B-C50C-407E-A947-70E740481C1C}">
-                <a14:useLocalDpi xmlns:a14="http://schemas.microsoft.com/office/drawing/2010/main" xmlns="" val="0"/>
+                <a14:useLocalDpi xmlns="" xmlns:a14="http://schemas.microsoft.com/office/drawing/2010/main" val="0"/>
               </a:ext>
             </a:extLst>
           </a:blip>
@@ -6454,7 +6454,7 @@
           <a:noFill/>
           <a:extLst>
             <a:ext uri="{909E8E84-426E-40DD-AFC4-6F175D3DCCD1}">
-              <a14:hiddenFill xmlns:a14="http://schemas.microsoft.com/office/drawing/2010/main" xmlns="">
+              <a14:hiddenFill xmlns="" xmlns:a14="http://schemas.microsoft.com/office/drawing/2010/main">
                 <a:solidFill>
                   <a:srgbClr val="FFFFFF"/>
                 </a:solidFill>
@@ -6472,10 +6472,10 @@
           <p:nvPr/>
         </p:nvPicPr>
         <p:blipFill>
-          <a:blip r:embed="rId3" cstate="print">
+          <a:blip r:embed="rId3" cstate="email">
             <a:extLst>
               <a:ext uri="{28A0092B-C50C-407E-A947-70E740481C1C}">
-                <a14:useLocalDpi xmlns:a14="http://schemas.microsoft.com/office/drawing/2010/main" xmlns="" val="0"/>
+                <a14:useLocalDpi xmlns="" xmlns:a14="http://schemas.microsoft.com/office/drawing/2010/main" val="0"/>
               </a:ext>
             </a:extLst>
           </a:blip>
@@ -6495,7 +6495,7 @@
           <a:noFill/>
           <a:extLst>
             <a:ext uri="{909E8E84-426E-40DD-AFC4-6F175D3DCCD1}">
-              <a14:hiddenFill xmlns:a14="http://schemas.microsoft.com/office/drawing/2010/main" xmlns="">
+              <a14:hiddenFill xmlns="" xmlns:a14="http://schemas.microsoft.com/office/drawing/2010/main">
                 <a:solidFill>
                   <a:srgbClr val="FFFFFF"/>
                 </a:solidFill>
@@ -6513,10 +6513,10 @@
           <p:nvPr/>
         </p:nvPicPr>
         <p:blipFill>
-          <a:blip r:embed="rId4" cstate="print">
+          <a:blip r:embed="rId4" cstate="email">
             <a:extLst>
               <a:ext uri="{28A0092B-C50C-407E-A947-70E740481C1C}">
-                <a14:useLocalDpi xmlns:a14="http://schemas.microsoft.com/office/drawing/2010/main" xmlns="" val="0"/>
+                <a14:useLocalDpi xmlns="" xmlns:a14="http://schemas.microsoft.com/office/drawing/2010/main" val="0"/>
               </a:ext>
             </a:extLst>
           </a:blip>
@@ -6536,7 +6536,7 @@
           <a:noFill/>
           <a:extLst>
             <a:ext uri="{909E8E84-426E-40DD-AFC4-6F175D3DCCD1}">
-              <a14:hiddenFill xmlns:a14="http://schemas.microsoft.com/office/drawing/2010/main" xmlns="">
+              <a14:hiddenFill xmlns="" xmlns:a14="http://schemas.microsoft.com/office/drawing/2010/main">
                 <a:solidFill>
                   <a:srgbClr val="FFFFFF"/>
                 </a:solidFill>
@@ -6548,7 +6548,7 @@
     </p:spTree>
     <p:extLst>
       <p:ext uri="{BB962C8B-B14F-4D97-AF65-F5344CB8AC3E}">
-        <p14:creationId xmlns:p14="http://schemas.microsoft.com/office/powerpoint/2010/main" xmlns="" val="3365826456"/>
+        <p14:creationId xmlns="" xmlns:p14="http://schemas.microsoft.com/office/powerpoint/2010/main" val="3365826456"/>
       </p:ext>
     </p:extLst>
   </p:cSld>
@@ -6692,10 +6692,10 @@
           <p:nvPr/>
         </p:nvPicPr>
         <p:blipFill>
-          <a:blip r:embed="rId3" cstate="print">
+          <a:blip r:embed="rId3" cstate="email">
             <a:extLst>
               <a:ext uri="{28A0092B-C50C-407E-A947-70E740481C1C}">
-                <a14:useLocalDpi xmlns:a14="http://schemas.microsoft.com/office/drawing/2010/main" xmlns="" val="0"/>
+                <a14:useLocalDpi xmlns="" xmlns:a14="http://schemas.microsoft.com/office/drawing/2010/main" val="0"/>
               </a:ext>
             </a:extLst>
           </a:blip>
@@ -6715,7 +6715,7 @@
           <a:noFill/>
           <a:extLst>
             <a:ext uri="{909E8E84-426E-40DD-AFC4-6F175D3DCCD1}">
-              <a14:hiddenFill xmlns:a14="http://schemas.microsoft.com/office/drawing/2010/main" xmlns="">
+              <a14:hiddenFill xmlns="" xmlns:a14="http://schemas.microsoft.com/office/drawing/2010/main">
                 <a:solidFill>
                   <a:srgbClr val="FFFFFF"/>
                 </a:solidFill>
@@ -6733,14 +6733,14 @@
           <p:nvPr/>
         </p:nvPicPr>
         <p:blipFill rotWithShape="1">
-          <a:blip r:embed="rId4" cstate="print">
+          <a:blip r:embed="rId4" cstate="email">
             <a:extLst>
               <a:ext uri="{28A0092B-C50C-407E-A947-70E740481C1C}">
-                <a14:useLocalDpi xmlns:a14="http://schemas.microsoft.com/office/drawing/2010/main" xmlns="" val="0"/>
+                <a14:useLocalDpi xmlns="" xmlns:a14="http://schemas.microsoft.com/office/drawing/2010/main" val="0"/>
               </a:ext>
             </a:extLst>
           </a:blip>
-          <a:srcRect l="1493" t="25674" r="1362" b="35164"/>
+          <a:srcRect/>
           <a:stretch/>
         </p:blipFill>
         <p:spPr bwMode="auto">
@@ -6754,7 +6754,7 @@
           <a:noFill/>
           <a:extLst>
             <a:ext uri="{909E8E84-426E-40DD-AFC4-6F175D3DCCD1}">
-              <a14:hiddenFill xmlns:a14="http://schemas.microsoft.com/office/drawing/2010/main" xmlns="">
+              <a14:hiddenFill xmlns="" xmlns:a14="http://schemas.microsoft.com/office/drawing/2010/main">
                 <a:solidFill>
                   <a:srgbClr val="FFFFFF"/>
                 </a:solidFill>
@@ -6772,10 +6772,10 @@
           <p:nvPr/>
         </p:nvPicPr>
         <p:blipFill>
-          <a:blip r:embed="rId5" cstate="print">
+          <a:blip r:embed="rId5" cstate="email">
             <a:extLst>
               <a:ext uri="{28A0092B-C50C-407E-A947-70E740481C1C}">
-                <a14:useLocalDpi xmlns:a14="http://schemas.microsoft.com/office/drawing/2010/main" xmlns="" val="0"/>
+                <a14:useLocalDpi xmlns="" xmlns:a14="http://schemas.microsoft.com/office/drawing/2010/main" val="0"/>
               </a:ext>
             </a:extLst>
           </a:blip>
@@ -6795,7 +6795,7 @@
           <a:noFill/>
           <a:extLst>
             <a:ext uri="{909E8E84-426E-40DD-AFC4-6F175D3DCCD1}">
-              <a14:hiddenFill xmlns:a14="http://schemas.microsoft.com/office/drawing/2010/main" xmlns="">
+              <a14:hiddenFill xmlns="" xmlns:a14="http://schemas.microsoft.com/office/drawing/2010/main">
                 <a:solidFill>
                   <a:srgbClr val="FFFFFF"/>
                 </a:solidFill>
@@ -6813,10 +6813,10 @@
           <p:nvPr/>
         </p:nvPicPr>
         <p:blipFill>
-          <a:blip r:embed="rId6" cstate="print">
+          <a:blip r:embed="rId6" cstate="email">
             <a:extLst>
               <a:ext uri="{28A0092B-C50C-407E-A947-70E740481C1C}">
-                <a14:useLocalDpi xmlns:a14="http://schemas.microsoft.com/office/drawing/2010/main" xmlns="" val="0"/>
+                <a14:useLocalDpi xmlns="" xmlns:a14="http://schemas.microsoft.com/office/drawing/2010/main" val="0"/>
               </a:ext>
             </a:extLst>
           </a:blip>
@@ -6836,7 +6836,7 @@
           <a:noFill/>
           <a:extLst>
             <a:ext uri="{909E8E84-426E-40DD-AFC4-6F175D3DCCD1}">
-              <a14:hiddenFill xmlns:a14="http://schemas.microsoft.com/office/drawing/2010/main" xmlns="">
+              <a14:hiddenFill xmlns="" xmlns:a14="http://schemas.microsoft.com/office/drawing/2010/main">
                 <a:solidFill>
                   <a:srgbClr val="FFFFFF"/>
                 </a:solidFill>
@@ -6848,7 +6848,7 @@
     </p:spTree>
     <p:extLst>
       <p:ext uri="{BB962C8B-B14F-4D97-AF65-F5344CB8AC3E}">
-        <p14:creationId xmlns:p14="http://schemas.microsoft.com/office/powerpoint/2010/main" xmlns="" val="310215174"/>
+        <p14:creationId xmlns="" xmlns:p14="http://schemas.microsoft.com/office/powerpoint/2010/main" val="310215174"/>
       </p:ext>
     </p:extLst>
   </p:cSld>
@@ -7115,10 +7115,10 @@
           <p:nvPr/>
         </p:nvPicPr>
         <p:blipFill>
-          <a:blip r:embed="rId2" cstate="print">
+          <a:blip r:embed="rId2" cstate="email">
             <a:extLst>
               <a:ext uri="{28A0092B-C50C-407E-A947-70E740481C1C}">
-                <a14:useLocalDpi xmlns:a14="http://schemas.microsoft.com/office/drawing/2010/main" xmlns="" val="0"/>
+                <a14:useLocalDpi xmlns="" xmlns:a14="http://schemas.microsoft.com/office/drawing/2010/main" val="0"/>
               </a:ext>
             </a:extLst>
           </a:blip>
@@ -7138,7 +7138,7 @@
           <a:noFill/>
           <a:extLst>
             <a:ext uri="{909E8E84-426E-40DD-AFC4-6F175D3DCCD1}">
-              <a14:hiddenFill xmlns:a14="http://schemas.microsoft.com/office/drawing/2010/main" xmlns="">
+              <a14:hiddenFill xmlns="" xmlns:a14="http://schemas.microsoft.com/office/drawing/2010/main">
                 <a:solidFill>
                   <a:srgbClr val="FFFFFF"/>
                 </a:solidFill>
@@ -7156,14 +7156,14 @@
           <p:nvPr/>
         </p:nvPicPr>
         <p:blipFill rotWithShape="1">
-          <a:blip r:embed="rId3" cstate="print">
+          <a:blip r:embed="rId3" cstate="email">
             <a:extLst>
               <a:ext uri="{28A0092B-C50C-407E-A947-70E740481C1C}">
-                <a14:useLocalDpi xmlns:a14="http://schemas.microsoft.com/office/drawing/2010/main" xmlns="" val="0"/>
+                <a14:useLocalDpi xmlns="" xmlns:a14="http://schemas.microsoft.com/office/drawing/2010/main" val="0"/>
               </a:ext>
             </a:extLst>
           </a:blip>
-          <a:srcRect l="1493" t="25674" r="1362" b="35164"/>
+          <a:srcRect/>
           <a:stretch/>
         </p:blipFill>
         <p:spPr bwMode="auto">
@@ -7177,7 +7177,7 @@
           <a:noFill/>
           <a:extLst>
             <a:ext uri="{909E8E84-426E-40DD-AFC4-6F175D3DCCD1}">
-              <a14:hiddenFill xmlns:a14="http://schemas.microsoft.com/office/drawing/2010/main" xmlns="">
+              <a14:hiddenFill xmlns="" xmlns:a14="http://schemas.microsoft.com/office/drawing/2010/main">
                 <a:solidFill>
                   <a:srgbClr val="FFFFFF"/>
                 </a:solidFill>
@@ -7195,10 +7195,10 @@
           <p:nvPr/>
         </p:nvPicPr>
         <p:blipFill>
-          <a:blip r:embed="rId4" cstate="print">
+          <a:blip r:embed="rId4" cstate="email">
             <a:extLst>
               <a:ext uri="{28A0092B-C50C-407E-A947-70E740481C1C}">
-                <a14:useLocalDpi xmlns:a14="http://schemas.microsoft.com/office/drawing/2010/main" xmlns="" val="0"/>
+                <a14:useLocalDpi xmlns="" xmlns:a14="http://schemas.microsoft.com/office/drawing/2010/main" val="0"/>
               </a:ext>
             </a:extLst>
           </a:blip>
@@ -7218,7 +7218,7 @@
           <a:noFill/>
           <a:extLst>
             <a:ext uri="{909E8E84-426E-40DD-AFC4-6F175D3DCCD1}">
-              <a14:hiddenFill xmlns:a14="http://schemas.microsoft.com/office/drawing/2010/main" xmlns="">
+              <a14:hiddenFill xmlns="" xmlns:a14="http://schemas.microsoft.com/office/drawing/2010/main">
                 <a:solidFill>
                   <a:srgbClr val="FFFFFF"/>
                 </a:solidFill>
@@ -7236,10 +7236,10 @@
           <p:nvPr/>
         </p:nvPicPr>
         <p:blipFill>
-          <a:blip r:embed="rId5" cstate="print">
+          <a:blip r:embed="rId5" cstate="email">
             <a:extLst>
               <a:ext uri="{28A0092B-C50C-407E-A947-70E740481C1C}">
-                <a14:useLocalDpi xmlns:a14="http://schemas.microsoft.com/office/drawing/2010/main" xmlns="" val="0"/>
+                <a14:useLocalDpi xmlns="" xmlns:a14="http://schemas.microsoft.com/office/drawing/2010/main" val="0"/>
               </a:ext>
             </a:extLst>
           </a:blip>
@@ -7259,7 +7259,7 @@
           <a:noFill/>
           <a:extLst>
             <a:ext uri="{909E8E84-426E-40DD-AFC4-6F175D3DCCD1}">
-              <a14:hiddenFill xmlns:a14="http://schemas.microsoft.com/office/drawing/2010/main" xmlns="">
+              <a14:hiddenFill xmlns="" xmlns:a14="http://schemas.microsoft.com/office/drawing/2010/main">
                 <a:solidFill>
                   <a:srgbClr val="FFFFFF"/>
                 </a:solidFill>
@@ -7271,7 +7271,7 @@
     </p:spTree>
     <p:extLst>
       <p:ext uri="{BB962C8B-B14F-4D97-AF65-F5344CB8AC3E}">
-        <p14:creationId xmlns:p14="http://schemas.microsoft.com/office/powerpoint/2010/main" xmlns="" val="292801570"/>
+        <p14:creationId xmlns="" xmlns:p14="http://schemas.microsoft.com/office/powerpoint/2010/main" val="292801570"/>
       </p:ext>
     </p:extLst>
   </p:cSld>
@@ -7478,10 +7478,10 @@
           <p:nvPr/>
         </p:nvPicPr>
         <p:blipFill>
-          <a:blip r:embed="rId2" cstate="print">
+          <a:blip r:embed="rId2" cstate="email">
             <a:extLst>
               <a:ext uri="{28A0092B-C50C-407E-A947-70E740481C1C}">
-                <a14:useLocalDpi xmlns:a14="http://schemas.microsoft.com/office/drawing/2010/main" xmlns="" val="0"/>
+                <a14:useLocalDpi xmlns="" xmlns:a14="http://schemas.microsoft.com/office/drawing/2010/main" val="0"/>
               </a:ext>
             </a:extLst>
           </a:blip>
@@ -7501,7 +7501,7 @@
           <a:noFill/>
           <a:extLst>
             <a:ext uri="{909E8E84-426E-40DD-AFC4-6F175D3DCCD1}">
-              <a14:hiddenFill xmlns:a14="http://schemas.microsoft.com/office/drawing/2010/main" xmlns="">
+              <a14:hiddenFill xmlns="" xmlns:a14="http://schemas.microsoft.com/office/drawing/2010/main">
                 <a:solidFill>
                   <a:srgbClr val="FFFFFF"/>
                 </a:solidFill>
@@ -7519,14 +7519,14 @@
           <p:nvPr/>
         </p:nvPicPr>
         <p:blipFill rotWithShape="1">
-          <a:blip r:embed="rId3" cstate="print">
+          <a:blip r:embed="rId3" cstate="email">
             <a:extLst>
               <a:ext uri="{28A0092B-C50C-407E-A947-70E740481C1C}">
-                <a14:useLocalDpi xmlns:a14="http://schemas.microsoft.com/office/drawing/2010/main" xmlns="" val="0"/>
+                <a14:useLocalDpi xmlns="" xmlns:a14="http://schemas.microsoft.com/office/drawing/2010/main" val="0"/>
               </a:ext>
             </a:extLst>
           </a:blip>
-          <a:srcRect l="1493" t="25674" r="1362" b="35164"/>
+          <a:srcRect/>
           <a:stretch/>
         </p:blipFill>
         <p:spPr bwMode="auto">
@@ -7540,7 +7540,7 @@
           <a:noFill/>
           <a:extLst>
             <a:ext uri="{909E8E84-426E-40DD-AFC4-6F175D3DCCD1}">
-              <a14:hiddenFill xmlns:a14="http://schemas.microsoft.com/office/drawing/2010/main" xmlns="">
+              <a14:hiddenFill xmlns="" xmlns:a14="http://schemas.microsoft.com/office/drawing/2010/main">
                 <a:solidFill>
                   <a:srgbClr val="FFFFFF"/>
                 </a:solidFill>
@@ -7558,10 +7558,10 @@
           <p:nvPr/>
         </p:nvPicPr>
         <p:blipFill>
-          <a:blip r:embed="rId4" cstate="print">
+          <a:blip r:embed="rId4" cstate="email">
             <a:extLst>
               <a:ext uri="{28A0092B-C50C-407E-A947-70E740481C1C}">
-                <a14:useLocalDpi xmlns:a14="http://schemas.microsoft.com/office/drawing/2010/main" xmlns="" val="0"/>
+                <a14:useLocalDpi xmlns="" xmlns:a14="http://schemas.microsoft.com/office/drawing/2010/main" val="0"/>
               </a:ext>
             </a:extLst>
           </a:blip>
@@ -7581,7 +7581,7 @@
           <a:noFill/>
           <a:extLst>
             <a:ext uri="{909E8E84-426E-40DD-AFC4-6F175D3DCCD1}">
-              <a14:hiddenFill xmlns:a14="http://schemas.microsoft.com/office/drawing/2010/main" xmlns="">
+              <a14:hiddenFill xmlns="" xmlns:a14="http://schemas.microsoft.com/office/drawing/2010/main">
                 <a:solidFill>
                   <a:srgbClr val="FFFFFF"/>
                 </a:solidFill>
@@ -7599,10 +7599,10 @@
           <p:nvPr/>
         </p:nvPicPr>
         <p:blipFill>
-          <a:blip r:embed="rId5" cstate="print">
+          <a:blip r:embed="rId5" cstate="email">
             <a:extLst>
               <a:ext uri="{28A0092B-C50C-407E-A947-70E740481C1C}">
-                <a14:useLocalDpi xmlns:a14="http://schemas.microsoft.com/office/drawing/2010/main" xmlns="" val="0"/>
+                <a14:useLocalDpi xmlns="" xmlns:a14="http://schemas.microsoft.com/office/drawing/2010/main" val="0"/>
               </a:ext>
             </a:extLst>
           </a:blip>
@@ -7622,7 +7622,7 @@
           <a:noFill/>
           <a:extLst>
             <a:ext uri="{909E8E84-426E-40DD-AFC4-6F175D3DCCD1}">
-              <a14:hiddenFill xmlns:a14="http://schemas.microsoft.com/office/drawing/2010/main" xmlns="">
+              <a14:hiddenFill xmlns="" xmlns:a14="http://schemas.microsoft.com/office/drawing/2010/main">
                 <a:solidFill>
                   <a:srgbClr val="FFFFFF"/>
                 </a:solidFill>
@@ -7665,7 +7665,7 @@
     </p:spTree>
     <p:extLst>
       <p:ext uri="{BB962C8B-B14F-4D97-AF65-F5344CB8AC3E}">
-        <p14:creationId xmlns:p14="http://schemas.microsoft.com/office/powerpoint/2010/main" xmlns="" val="4051213271"/>
+        <p14:creationId xmlns="" xmlns:p14="http://schemas.microsoft.com/office/powerpoint/2010/main" val="4051213271"/>
       </p:ext>
     </p:extLst>
   </p:cSld>
@@ -8234,10 +8234,10 @@
           <p:nvPr/>
         </p:nvPicPr>
         <p:blipFill>
-          <a:blip r:embed="rId2" cstate="print">
+          <a:blip r:embed="rId2" cstate="email">
             <a:extLst>
               <a:ext uri="{28A0092B-C50C-407E-A947-70E740481C1C}">
-                <a14:useLocalDpi xmlns:a14="http://schemas.microsoft.com/office/drawing/2010/main" xmlns="" val="0"/>
+                <a14:useLocalDpi xmlns="" xmlns:a14="http://schemas.microsoft.com/office/drawing/2010/main" val="0"/>
               </a:ext>
             </a:extLst>
           </a:blip>
@@ -8262,7 +8262,7 @@
           </a:ln>
           <a:extLst>
             <a:ext uri="{909E8E84-426E-40DD-AFC4-6F175D3DCCD1}">
-              <a14:hiddenFill xmlns:a14="http://schemas.microsoft.com/office/drawing/2010/main" xmlns="">
+              <a14:hiddenFill xmlns="" xmlns:a14="http://schemas.microsoft.com/office/drawing/2010/main">
                 <a:solidFill>
                   <a:srgbClr val="FFFFFF"/>
                 </a:solidFill>
@@ -8280,10 +8280,10 @@
           <p:nvPr/>
         </p:nvPicPr>
         <p:blipFill>
-          <a:blip r:embed="rId3" cstate="print">
+          <a:blip r:embed="rId3" cstate="email">
             <a:extLst>
               <a:ext uri="{28A0092B-C50C-407E-A947-70E740481C1C}">
-                <a14:useLocalDpi xmlns:a14="http://schemas.microsoft.com/office/drawing/2010/main" xmlns="" val="0"/>
+                <a14:useLocalDpi xmlns="" xmlns:a14="http://schemas.microsoft.com/office/drawing/2010/main" val="0"/>
               </a:ext>
             </a:extLst>
           </a:blip>
@@ -8306,7 +8306,7 @@
           </a:ln>
           <a:extLst>
             <a:ext uri="{909E8E84-426E-40DD-AFC4-6F175D3DCCD1}">
-              <a14:hiddenFill xmlns:a14="http://schemas.microsoft.com/office/drawing/2010/main" xmlns="">
+              <a14:hiddenFill xmlns="" xmlns:a14="http://schemas.microsoft.com/office/drawing/2010/main">
                 <a:solidFill>
                   <a:srgbClr val="FFFFFF"/>
                 </a:solidFill>
@@ -8326,10 +8326,10 @@
           <p:nvPr/>
         </p:nvPicPr>
         <p:blipFill>
-          <a:blip r:embed="rId5" cstate="print">
+          <a:blip r:embed="rId5" cstate="email">
             <a:extLst>
               <a:ext uri="{28A0092B-C50C-407E-A947-70E740481C1C}">
-                <a14:useLocalDpi xmlns:a14="http://schemas.microsoft.com/office/drawing/2010/main" xmlns="" val="0"/>
+                <a14:useLocalDpi xmlns="" xmlns:a14="http://schemas.microsoft.com/office/drawing/2010/main" val="0"/>
               </a:ext>
             </a:extLst>
           </a:blip>
@@ -8349,7 +8349,7 @@
           <a:noFill/>
           <a:extLst>
             <a:ext uri="{909E8E84-426E-40DD-AFC4-6F175D3DCCD1}">
-              <a14:hiddenFill xmlns:a14="http://schemas.microsoft.com/office/drawing/2010/main" xmlns="">
+              <a14:hiddenFill xmlns="" xmlns:a14="http://schemas.microsoft.com/office/drawing/2010/main">
                 <a:solidFill>
                   <a:srgbClr val="FFFFFF"/>
                 </a:solidFill>
@@ -8532,7 +8532,7 @@
     </p:spTree>
     <p:extLst>
       <p:ext uri="{BB962C8B-B14F-4D97-AF65-F5344CB8AC3E}">
-        <p14:creationId xmlns:p14="http://schemas.microsoft.com/office/powerpoint/2010/main" xmlns="" val="1406374480"/>
+        <p14:creationId xmlns="" xmlns:p14="http://schemas.microsoft.com/office/powerpoint/2010/main" val="1406374480"/>
       </p:ext>
     </p:extLst>
   </p:cSld>
